--- a/trunk/docs/slides/Crank-Slidess.pptx
+++ b/trunk/docs/slides/Crank-Slidess.pptx
@@ -6,10 +6,10 @@
     <p:sldMasterId id="2147483649" r:id="rId2"/>
   </p:sldMasterIdLst>
   <p:notesMasterIdLst>
-    <p:notesMasterId r:id="rId61"/>
+    <p:notesMasterId r:id="rId63"/>
   </p:notesMasterIdLst>
   <p:handoutMasterIdLst>
-    <p:handoutMasterId r:id="rId62"/>
+    <p:handoutMasterId r:id="rId64"/>
   </p:handoutMasterIdLst>
   <p:sldIdLst>
     <p:sldId id="256" r:id="rId3"/>
@@ -34,42 +34,44 @@
     <p:sldId id="976" r:id="rId22"/>
     <p:sldId id="977" r:id="rId23"/>
     <p:sldId id="978" r:id="rId24"/>
-    <p:sldId id="1000" r:id="rId25"/>
-    <p:sldId id="1001" r:id="rId26"/>
-    <p:sldId id="1002" r:id="rId27"/>
-    <p:sldId id="1003" r:id="rId28"/>
-    <p:sldId id="1004" r:id="rId29"/>
-    <p:sldId id="1005" r:id="rId30"/>
-    <p:sldId id="973" r:id="rId31"/>
-    <p:sldId id="955" r:id="rId32"/>
-    <p:sldId id="956" r:id="rId33"/>
-    <p:sldId id="958" r:id="rId34"/>
-    <p:sldId id="959" r:id="rId35"/>
-    <p:sldId id="960" r:id="rId36"/>
-    <p:sldId id="961" r:id="rId37"/>
-    <p:sldId id="962" r:id="rId38"/>
-    <p:sldId id="963" r:id="rId39"/>
-    <p:sldId id="964" r:id="rId40"/>
-    <p:sldId id="965" r:id="rId41"/>
-    <p:sldId id="966" r:id="rId42"/>
-    <p:sldId id="967" r:id="rId43"/>
-    <p:sldId id="968" r:id="rId44"/>
-    <p:sldId id="969" r:id="rId45"/>
-    <p:sldId id="970" r:id="rId46"/>
-    <p:sldId id="971" r:id="rId47"/>
-    <p:sldId id="972" r:id="rId48"/>
-    <p:sldId id="998" r:id="rId49"/>
-    <p:sldId id="985" r:id="rId50"/>
-    <p:sldId id="986" r:id="rId51"/>
-    <p:sldId id="987" r:id="rId52"/>
-    <p:sldId id="988" r:id="rId53"/>
-    <p:sldId id="989" r:id="rId54"/>
-    <p:sldId id="990" r:id="rId55"/>
-    <p:sldId id="991" r:id="rId56"/>
-    <p:sldId id="992" r:id="rId57"/>
-    <p:sldId id="993" r:id="rId58"/>
-    <p:sldId id="994" r:id="rId59"/>
-    <p:sldId id="995" r:id="rId60"/>
+    <p:sldId id="1008" r:id="rId25"/>
+    <p:sldId id="1009" r:id="rId26"/>
+    <p:sldId id="1000" r:id="rId27"/>
+    <p:sldId id="1001" r:id="rId28"/>
+    <p:sldId id="1002" r:id="rId29"/>
+    <p:sldId id="1003" r:id="rId30"/>
+    <p:sldId id="1004" r:id="rId31"/>
+    <p:sldId id="1005" r:id="rId32"/>
+    <p:sldId id="973" r:id="rId33"/>
+    <p:sldId id="955" r:id="rId34"/>
+    <p:sldId id="956" r:id="rId35"/>
+    <p:sldId id="958" r:id="rId36"/>
+    <p:sldId id="959" r:id="rId37"/>
+    <p:sldId id="960" r:id="rId38"/>
+    <p:sldId id="961" r:id="rId39"/>
+    <p:sldId id="962" r:id="rId40"/>
+    <p:sldId id="963" r:id="rId41"/>
+    <p:sldId id="964" r:id="rId42"/>
+    <p:sldId id="965" r:id="rId43"/>
+    <p:sldId id="966" r:id="rId44"/>
+    <p:sldId id="967" r:id="rId45"/>
+    <p:sldId id="968" r:id="rId46"/>
+    <p:sldId id="969" r:id="rId47"/>
+    <p:sldId id="970" r:id="rId48"/>
+    <p:sldId id="971" r:id="rId49"/>
+    <p:sldId id="972" r:id="rId50"/>
+    <p:sldId id="998" r:id="rId51"/>
+    <p:sldId id="985" r:id="rId52"/>
+    <p:sldId id="986" r:id="rId53"/>
+    <p:sldId id="987" r:id="rId54"/>
+    <p:sldId id="988" r:id="rId55"/>
+    <p:sldId id="989" r:id="rId56"/>
+    <p:sldId id="990" r:id="rId57"/>
+    <p:sldId id="991" r:id="rId58"/>
+    <p:sldId id="992" r:id="rId59"/>
+    <p:sldId id="993" r:id="rId60"/>
+    <p:sldId id="994" r:id="rId61"/>
+    <p:sldId id="995" r:id="rId62"/>
   </p:sldIdLst>
   <p:sldSz cx="9144000" cy="6858000" type="screen4x3"/>
   <p:notesSz cx="6858000" cy="9144000"/>
@@ -3150,9 +3152,9 @@
       </p:grpSpPr>
       <p:sp>
         <p:nvSpPr>
-          <p:cNvPr id="96258" name="Slide Image Placeholder 1"/>
-          <p:cNvSpPr>
-            <a:spLocks noGrp="1" noRot="1" noChangeAspect="1" noTextEdit="1"/>
+          <p:cNvPr id="2" name="Slide Image Placeholder 1"/>
+          <p:cNvSpPr>
+            <a:spLocks noGrp="1" noRot="1" noChangeAspect="1"/>
           </p:cNvSpPr>
           <p:nvPr>
             <p:ph type="sldImg"/>
@@ -3163,12 +3165,11 @@
             <a:off x="889000" y="457200"/>
             <a:ext cx="5076825" cy="3806825"/>
           </a:xfrm>
-          <a:ln/>
-        </p:spPr>
-      </p:sp>
-      <p:sp>
-        <p:nvSpPr>
-          <p:cNvPr id="96259" name="Notes Placeholder 2"/>
+        </p:spPr>
+      </p:sp>
+      <p:sp>
+        <p:nvSpPr>
+          <p:cNvPr id="3" name="Notes Placeholder 2"/>
           <p:cNvSpPr>
             <a:spLocks noGrp="1"/>
           </p:cNvSpPr>
@@ -3176,56 +3177,43 @@
             <p:ph type="body" idx="1"/>
           </p:nvPr>
         </p:nvSpPr>
-        <p:spPr>
-          <a:noFill/>
-          <a:ln/>
-        </p:spPr>
-        <p:txBody>
-          <a:bodyPr/>
-          <a:lstStyle/>
-          <a:p>
-            <a:endParaRPr lang="en-US" smtClean="0">
-              <a:latin typeface="Times New Roman" pitchFamily="18" charset="0"/>
-            </a:endParaRPr>
-          </a:p>
-        </p:txBody>
-      </p:sp>
-      <p:sp>
-        <p:nvSpPr>
-          <p:cNvPr id="96260" name="Slide Number Placeholder 3"/>
+        <p:spPr/>
+        <p:txBody>
+          <a:bodyPr>
+            <a:normAutofit/>
+          </a:bodyPr>
+          <a:lstStyle/>
+          <a:p>
+            <a:endParaRPr lang="en-US"/>
+          </a:p>
+        </p:txBody>
+      </p:sp>
+      <p:sp>
+        <p:nvSpPr>
+          <p:cNvPr id="4" name="Slide Number Placeholder 3"/>
           <p:cNvSpPr>
             <a:spLocks noGrp="1"/>
           </p:cNvSpPr>
           <p:nvPr>
-            <p:ph type="sldNum" sz="quarter"/>
-          </p:nvPr>
-        </p:nvSpPr>
-        <p:spPr>
-          <a:noFill/>
-        </p:spPr>
+            <p:ph type="sldNum" idx="10"/>
+          </p:nvPr>
+        </p:nvSpPr>
+        <p:spPr/>
         <p:txBody>
           <a:bodyPr/>
           <a:lstStyle/>
           <a:p>
             <a:pPr>
-              <a:buFont typeface="Times New Roman" pitchFamily="18" charset="0"/>
-              <a:buNone/>
-            </a:pPr>
-            <a:fld id="{11E35E98-7D25-4821-B7B7-362BB1751F18}" type="slidenum">
-              <a:rPr lang="en-GB" smtClean="0">
-                <a:latin typeface="Times New Roman" pitchFamily="18" charset="0"/>
-                <a:cs typeface="Times New Roman" pitchFamily="18" charset="0"/>
-              </a:rPr>
+              <a:defRPr/>
+            </a:pPr>
+            <a:fld id="{4697FB2E-39BC-4C95-A464-139EFA842FBA}" type="slidenum">
+              <a:rPr lang="en-GB" smtClean="0"/>
               <a:pPr>
-                <a:buFont typeface="Times New Roman" pitchFamily="18" charset="0"/>
-                <a:buNone/>
+                <a:defRPr/>
               </a:pPr>
               <a:t>23</a:t>
             </a:fld>
-            <a:endParaRPr lang="en-GB" smtClean="0">
-              <a:latin typeface="Times New Roman" pitchFamily="18" charset="0"/>
-              <a:cs typeface="Times New Roman" pitchFamily="18" charset="0"/>
-            </a:endParaRPr>
+            <a:endParaRPr lang="en-GB"/>
           </a:p>
         </p:txBody>
       </p:sp>
@@ -3256,9 +3244,9 @@
       </p:grpSpPr>
       <p:sp>
         <p:nvSpPr>
-          <p:cNvPr id="97282" name="Slide Image Placeholder 1"/>
-          <p:cNvSpPr>
-            <a:spLocks noGrp="1" noRot="1" noChangeAspect="1" noTextEdit="1"/>
+          <p:cNvPr id="2" name="Slide Image Placeholder 1"/>
+          <p:cNvSpPr>
+            <a:spLocks noGrp="1" noRot="1" noChangeAspect="1"/>
           </p:cNvSpPr>
           <p:nvPr>
             <p:ph type="sldImg"/>
@@ -3269,12 +3257,11 @@
             <a:off x="889000" y="457200"/>
             <a:ext cx="5076825" cy="3806825"/>
           </a:xfrm>
-          <a:ln/>
-        </p:spPr>
-      </p:sp>
-      <p:sp>
-        <p:nvSpPr>
-          <p:cNvPr id="97283" name="Notes Placeholder 2"/>
+        </p:spPr>
+      </p:sp>
+      <p:sp>
+        <p:nvSpPr>
+          <p:cNvPr id="3" name="Notes Placeholder 2"/>
           <p:cNvSpPr>
             <a:spLocks noGrp="1"/>
           </p:cNvSpPr>
@@ -3282,56 +3269,43 @@
             <p:ph type="body" idx="1"/>
           </p:nvPr>
         </p:nvSpPr>
-        <p:spPr>
-          <a:noFill/>
-          <a:ln/>
-        </p:spPr>
-        <p:txBody>
-          <a:bodyPr/>
-          <a:lstStyle/>
-          <a:p>
-            <a:endParaRPr lang="en-US" smtClean="0">
-              <a:latin typeface="Times New Roman" pitchFamily="18" charset="0"/>
-            </a:endParaRPr>
-          </a:p>
-        </p:txBody>
-      </p:sp>
-      <p:sp>
-        <p:nvSpPr>
-          <p:cNvPr id="97284" name="Slide Number Placeholder 3"/>
+        <p:spPr/>
+        <p:txBody>
+          <a:bodyPr>
+            <a:normAutofit/>
+          </a:bodyPr>
+          <a:lstStyle/>
+          <a:p>
+            <a:endParaRPr lang="en-US"/>
+          </a:p>
+        </p:txBody>
+      </p:sp>
+      <p:sp>
+        <p:nvSpPr>
+          <p:cNvPr id="4" name="Slide Number Placeholder 3"/>
           <p:cNvSpPr>
             <a:spLocks noGrp="1"/>
           </p:cNvSpPr>
           <p:nvPr>
-            <p:ph type="sldNum" sz="quarter"/>
-          </p:nvPr>
-        </p:nvSpPr>
-        <p:spPr>
-          <a:noFill/>
-        </p:spPr>
+            <p:ph type="sldNum" idx="10"/>
+          </p:nvPr>
+        </p:nvSpPr>
+        <p:spPr/>
         <p:txBody>
           <a:bodyPr/>
           <a:lstStyle/>
           <a:p>
             <a:pPr>
-              <a:buFont typeface="Times New Roman" pitchFamily="18" charset="0"/>
-              <a:buNone/>
-            </a:pPr>
-            <a:fld id="{B26071FB-492C-4655-8F73-C26099742024}" type="slidenum">
-              <a:rPr lang="en-GB" smtClean="0">
-                <a:latin typeface="Times New Roman" pitchFamily="18" charset="0"/>
-                <a:cs typeface="Times New Roman" pitchFamily="18" charset="0"/>
-              </a:rPr>
+              <a:defRPr/>
+            </a:pPr>
+            <a:fld id="{4697FB2E-39BC-4C95-A464-139EFA842FBA}" type="slidenum">
+              <a:rPr lang="en-GB" smtClean="0"/>
               <a:pPr>
-                <a:buFont typeface="Times New Roman" pitchFamily="18" charset="0"/>
-                <a:buNone/>
+                <a:defRPr/>
               </a:pPr>
               <a:t>24</a:t>
             </a:fld>
-            <a:endParaRPr lang="en-GB" smtClean="0">
-              <a:latin typeface="Times New Roman" pitchFamily="18" charset="0"/>
-              <a:cs typeface="Times New Roman" pitchFamily="18" charset="0"/>
-            </a:endParaRPr>
+            <a:endParaRPr lang="en-GB"/>
           </a:p>
         </p:txBody>
       </p:sp>
@@ -3362,7 +3336,7 @@
       </p:grpSpPr>
       <p:sp>
         <p:nvSpPr>
-          <p:cNvPr id="98306" name="Slide Image Placeholder 1"/>
+          <p:cNvPr id="96258" name="Slide Image Placeholder 1"/>
           <p:cNvSpPr>
             <a:spLocks noGrp="1" noRot="1" noChangeAspect="1" noTextEdit="1"/>
           </p:cNvSpPr>
@@ -3380,7 +3354,7 @@
       </p:sp>
       <p:sp>
         <p:nvSpPr>
-          <p:cNvPr id="98307" name="Notes Placeholder 2"/>
+          <p:cNvPr id="96259" name="Notes Placeholder 2"/>
           <p:cNvSpPr>
             <a:spLocks noGrp="1"/>
           </p:cNvSpPr>
@@ -3404,7 +3378,7 @@
       </p:sp>
       <p:sp>
         <p:nvSpPr>
-          <p:cNvPr id="98308" name="Slide Number Placeholder 3"/>
+          <p:cNvPr id="96260" name="Slide Number Placeholder 3"/>
           <p:cNvSpPr>
             <a:spLocks noGrp="1"/>
           </p:cNvSpPr>
@@ -3423,7 +3397,7 @@
               <a:buFont typeface="Times New Roman" pitchFamily="18" charset="0"/>
               <a:buNone/>
             </a:pPr>
-            <a:fld id="{9B00F056-5B79-49DD-ADE8-A93A3983043E}" type="slidenum">
+            <a:fld id="{11E35E98-7D25-4821-B7B7-362BB1751F18}" type="slidenum">
               <a:rPr lang="en-GB" smtClean="0">
                 <a:latin typeface="Times New Roman" pitchFamily="18" charset="0"/>
                 <a:cs typeface="Times New Roman" pitchFamily="18" charset="0"/>
@@ -3468,7 +3442,7 @@
       </p:grpSpPr>
       <p:sp>
         <p:nvSpPr>
-          <p:cNvPr id="99330" name="Slide Image Placeholder 1"/>
+          <p:cNvPr id="97282" name="Slide Image Placeholder 1"/>
           <p:cNvSpPr>
             <a:spLocks noGrp="1" noRot="1" noChangeAspect="1" noTextEdit="1"/>
           </p:cNvSpPr>
@@ -3486,7 +3460,7 @@
       </p:sp>
       <p:sp>
         <p:nvSpPr>
-          <p:cNvPr id="99331" name="Notes Placeholder 2"/>
+          <p:cNvPr id="97283" name="Notes Placeholder 2"/>
           <p:cNvSpPr>
             <a:spLocks noGrp="1"/>
           </p:cNvSpPr>
@@ -3510,7 +3484,7 @@
       </p:sp>
       <p:sp>
         <p:nvSpPr>
-          <p:cNvPr id="99332" name="Slide Number Placeholder 3"/>
+          <p:cNvPr id="97284" name="Slide Number Placeholder 3"/>
           <p:cNvSpPr>
             <a:spLocks noGrp="1"/>
           </p:cNvSpPr>
@@ -3529,7 +3503,7 @@
               <a:buFont typeface="Times New Roman" pitchFamily="18" charset="0"/>
               <a:buNone/>
             </a:pPr>
-            <a:fld id="{6A89966E-1E7D-47C2-A5A8-25DC7D1B5A50}" type="slidenum">
+            <a:fld id="{B26071FB-492C-4655-8F73-C26099742024}" type="slidenum">
               <a:rPr lang="en-GB" smtClean="0">
                 <a:latin typeface="Times New Roman" pitchFamily="18" charset="0"/>
                 <a:cs typeface="Times New Roman" pitchFamily="18" charset="0"/>
@@ -3574,7 +3548,7 @@
       </p:grpSpPr>
       <p:sp>
         <p:nvSpPr>
-          <p:cNvPr id="100354" name="Slide Image Placeholder 1"/>
+          <p:cNvPr id="98306" name="Slide Image Placeholder 1"/>
           <p:cNvSpPr>
             <a:spLocks noGrp="1" noRot="1" noChangeAspect="1" noTextEdit="1"/>
           </p:cNvSpPr>
@@ -3592,7 +3566,7 @@
       </p:sp>
       <p:sp>
         <p:nvSpPr>
-          <p:cNvPr id="100355" name="Notes Placeholder 2"/>
+          <p:cNvPr id="98307" name="Notes Placeholder 2"/>
           <p:cNvSpPr>
             <a:spLocks noGrp="1"/>
           </p:cNvSpPr>
@@ -3616,7 +3590,7 @@
       </p:sp>
       <p:sp>
         <p:nvSpPr>
-          <p:cNvPr id="100356" name="Slide Number Placeholder 3"/>
+          <p:cNvPr id="98308" name="Slide Number Placeholder 3"/>
           <p:cNvSpPr>
             <a:spLocks noGrp="1"/>
           </p:cNvSpPr>
@@ -3635,7 +3609,7 @@
               <a:buFont typeface="Times New Roman" pitchFamily="18" charset="0"/>
               <a:buNone/>
             </a:pPr>
-            <a:fld id="{CD0EEEFE-CB1C-41A0-AA8B-66868A5939EE}" type="slidenum">
+            <a:fld id="{9B00F056-5B79-49DD-ADE8-A93A3983043E}" type="slidenum">
               <a:rPr lang="en-GB" smtClean="0">
                 <a:latin typeface="Times New Roman" pitchFamily="18" charset="0"/>
                 <a:cs typeface="Times New Roman" pitchFamily="18" charset="0"/>
@@ -3680,7 +3654,7 @@
       </p:grpSpPr>
       <p:sp>
         <p:nvSpPr>
-          <p:cNvPr id="101378" name="Slide Image Placeholder 1"/>
+          <p:cNvPr id="99330" name="Slide Image Placeholder 1"/>
           <p:cNvSpPr>
             <a:spLocks noGrp="1" noRot="1" noChangeAspect="1" noTextEdit="1"/>
           </p:cNvSpPr>
@@ -3698,7 +3672,7 @@
       </p:sp>
       <p:sp>
         <p:nvSpPr>
-          <p:cNvPr id="101379" name="Notes Placeholder 2"/>
+          <p:cNvPr id="99331" name="Notes Placeholder 2"/>
           <p:cNvSpPr>
             <a:spLocks noGrp="1"/>
           </p:cNvSpPr>
@@ -3722,7 +3696,7 @@
       </p:sp>
       <p:sp>
         <p:nvSpPr>
-          <p:cNvPr id="101380" name="Slide Number Placeholder 3"/>
+          <p:cNvPr id="99332" name="Slide Number Placeholder 3"/>
           <p:cNvSpPr>
             <a:spLocks noGrp="1"/>
           </p:cNvSpPr>
@@ -3741,7 +3715,7 @@
               <a:buFont typeface="Times New Roman" pitchFamily="18" charset="0"/>
               <a:buNone/>
             </a:pPr>
-            <a:fld id="{3D0C6845-ECBF-4D35-AA2C-ED0FA5AC3C84}" type="slidenum">
+            <a:fld id="{6A89966E-1E7D-47C2-A5A8-25DC7D1B5A50}" type="slidenum">
               <a:rPr lang="en-GB" smtClean="0">
                 <a:latin typeface="Times New Roman" pitchFamily="18" charset="0"/>
                 <a:cs typeface="Times New Roman" pitchFamily="18" charset="0"/>
@@ -3786,7 +3760,7 @@
       </p:grpSpPr>
       <p:sp>
         <p:nvSpPr>
-          <p:cNvPr id="102402" name="Slide Image Placeholder 1"/>
+          <p:cNvPr id="100354" name="Slide Image Placeholder 1"/>
           <p:cNvSpPr>
             <a:spLocks noGrp="1" noRot="1" noChangeAspect="1" noTextEdit="1"/>
           </p:cNvSpPr>
@@ -3804,7 +3778,7 @@
       </p:sp>
       <p:sp>
         <p:nvSpPr>
-          <p:cNvPr id="102403" name="Notes Placeholder 2"/>
+          <p:cNvPr id="100355" name="Notes Placeholder 2"/>
           <p:cNvSpPr>
             <a:spLocks noGrp="1"/>
           </p:cNvSpPr>
@@ -3828,7 +3802,7 @@
       </p:sp>
       <p:sp>
         <p:nvSpPr>
-          <p:cNvPr id="102404" name="Slide Number Placeholder 3"/>
+          <p:cNvPr id="100356" name="Slide Number Placeholder 3"/>
           <p:cNvSpPr>
             <a:spLocks noGrp="1"/>
           </p:cNvSpPr>
@@ -3847,7 +3821,7 @@
               <a:buFont typeface="Times New Roman" pitchFamily="18" charset="0"/>
               <a:buNone/>
             </a:pPr>
-            <a:fld id="{4CFA75B1-7F35-49B8-941E-004451DD8007}" type="slidenum">
+            <a:fld id="{CD0EEEFE-CB1C-41A0-AA8B-66868A5939EE}" type="slidenum">
               <a:rPr lang="en-GB" smtClean="0">
                 <a:latin typeface="Times New Roman" pitchFamily="18" charset="0"/>
                 <a:cs typeface="Times New Roman" pitchFamily="18" charset="0"/>
@@ -3998,7 +3972,7 @@
       </p:grpSpPr>
       <p:sp>
         <p:nvSpPr>
-          <p:cNvPr id="103426" name="Slide Image Placeholder 1"/>
+          <p:cNvPr id="101378" name="Slide Image Placeholder 1"/>
           <p:cNvSpPr>
             <a:spLocks noGrp="1" noRot="1" noChangeAspect="1" noTextEdit="1"/>
           </p:cNvSpPr>
@@ -4016,7 +3990,7 @@
       </p:sp>
       <p:sp>
         <p:nvSpPr>
-          <p:cNvPr id="103427" name="Notes Placeholder 2"/>
+          <p:cNvPr id="101379" name="Notes Placeholder 2"/>
           <p:cNvSpPr>
             <a:spLocks noGrp="1"/>
           </p:cNvSpPr>
@@ -4040,7 +4014,7 @@
       </p:sp>
       <p:sp>
         <p:nvSpPr>
-          <p:cNvPr id="103428" name="Slide Number Placeholder 3"/>
+          <p:cNvPr id="101380" name="Slide Number Placeholder 3"/>
           <p:cNvSpPr>
             <a:spLocks noGrp="1"/>
           </p:cNvSpPr>
@@ -4059,7 +4033,7 @@
               <a:buFont typeface="Times New Roman" pitchFamily="18" charset="0"/>
               <a:buNone/>
             </a:pPr>
-            <a:fld id="{F11DD4EE-B439-4FCA-9830-385A7B2CACF8}" type="slidenum">
+            <a:fld id="{3D0C6845-ECBF-4D35-AA2C-ED0FA5AC3C84}" type="slidenum">
               <a:rPr lang="en-GB" smtClean="0">
                 <a:latin typeface="Times New Roman" pitchFamily="18" charset="0"/>
                 <a:cs typeface="Times New Roman" pitchFamily="18" charset="0"/>
@@ -4104,7 +4078,7 @@
       </p:grpSpPr>
       <p:sp>
         <p:nvSpPr>
-          <p:cNvPr id="104450" name="Slide Image Placeholder 1"/>
+          <p:cNvPr id="102402" name="Slide Image Placeholder 1"/>
           <p:cNvSpPr>
             <a:spLocks noGrp="1" noRot="1" noChangeAspect="1" noTextEdit="1"/>
           </p:cNvSpPr>
@@ -4122,7 +4096,7 @@
       </p:sp>
       <p:sp>
         <p:nvSpPr>
-          <p:cNvPr id="104451" name="Notes Placeholder 2"/>
+          <p:cNvPr id="102403" name="Notes Placeholder 2"/>
           <p:cNvSpPr>
             <a:spLocks noGrp="1"/>
           </p:cNvSpPr>
@@ -4146,7 +4120,7 @@
       </p:sp>
       <p:sp>
         <p:nvSpPr>
-          <p:cNvPr id="104452" name="Slide Number Placeholder 3"/>
+          <p:cNvPr id="102404" name="Slide Number Placeholder 3"/>
           <p:cNvSpPr>
             <a:spLocks noGrp="1"/>
           </p:cNvSpPr>
@@ -4165,7 +4139,7 @@
               <a:buFont typeface="Times New Roman" pitchFamily="18" charset="0"/>
               <a:buNone/>
             </a:pPr>
-            <a:fld id="{E8B2A831-0704-495A-974C-948C4C62C3F1}" type="slidenum">
+            <a:fld id="{4CFA75B1-7F35-49B8-941E-004451DD8007}" type="slidenum">
               <a:rPr lang="en-GB" smtClean="0">
                 <a:latin typeface="Times New Roman" pitchFamily="18" charset="0"/>
                 <a:cs typeface="Times New Roman" pitchFamily="18" charset="0"/>
@@ -4210,7 +4184,7 @@
       </p:grpSpPr>
       <p:sp>
         <p:nvSpPr>
-          <p:cNvPr id="105474" name="Slide Image Placeholder 1"/>
+          <p:cNvPr id="103426" name="Slide Image Placeholder 1"/>
           <p:cNvSpPr>
             <a:spLocks noGrp="1" noRot="1" noChangeAspect="1" noTextEdit="1"/>
           </p:cNvSpPr>
@@ -4228,7 +4202,7 @@
       </p:sp>
       <p:sp>
         <p:nvSpPr>
-          <p:cNvPr id="105475" name="Notes Placeholder 2"/>
+          <p:cNvPr id="103427" name="Notes Placeholder 2"/>
           <p:cNvSpPr>
             <a:spLocks noGrp="1"/>
           </p:cNvSpPr>
@@ -4244,18 +4218,15 @@
           <a:bodyPr/>
           <a:lstStyle/>
           <a:p>
-            <a:r>
-              <a:rPr lang="en-US" smtClean="0">
-                <a:latin typeface="Times New Roman" pitchFamily="18" charset="0"/>
-              </a:rPr>
-              <a:t>The above checks out the good tag from the svn repository. This will check out all of crank. Once you have it checked out you can build it.</a:t>
-            </a:r>
-          </a:p>
-        </p:txBody>
-      </p:sp>
-      <p:sp>
-        <p:nvSpPr>
-          <p:cNvPr id="105476" name="Slide Number Placeholder 3"/>
+            <a:endParaRPr lang="en-US" smtClean="0">
+              <a:latin typeface="Times New Roman" pitchFamily="18" charset="0"/>
+            </a:endParaRPr>
+          </a:p>
+        </p:txBody>
+      </p:sp>
+      <p:sp>
+        <p:nvSpPr>
+          <p:cNvPr id="103428" name="Slide Number Placeholder 3"/>
           <p:cNvSpPr>
             <a:spLocks noGrp="1"/>
           </p:cNvSpPr>
@@ -4274,7 +4245,7 @@
               <a:buFont typeface="Times New Roman" pitchFamily="18" charset="0"/>
               <a:buNone/>
             </a:pPr>
-            <a:fld id="{8B9E5069-6C7D-480F-B89D-68E7B6AFFCA4}" type="slidenum">
+            <a:fld id="{F11DD4EE-B439-4FCA-9830-385A7B2CACF8}" type="slidenum">
               <a:rPr lang="en-GB" smtClean="0">
                 <a:latin typeface="Times New Roman" pitchFamily="18" charset="0"/>
                 <a:cs typeface="Times New Roman" pitchFamily="18" charset="0"/>
@@ -4319,7 +4290,7 @@
       </p:grpSpPr>
       <p:sp>
         <p:nvSpPr>
-          <p:cNvPr id="106498" name="Slide Image Placeholder 1"/>
+          <p:cNvPr id="104450" name="Slide Image Placeholder 1"/>
           <p:cNvSpPr>
             <a:spLocks noGrp="1" noRot="1" noChangeAspect="1" noTextEdit="1"/>
           </p:cNvSpPr>
@@ -4337,7 +4308,7 @@
       </p:sp>
       <p:sp>
         <p:nvSpPr>
-          <p:cNvPr id="106499" name="Notes Placeholder 2"/>
+          <p:cNvPr id="104451" name="Notes Placeholder 2"/>
           <p:cNvSpPr>
             <a:spLocks noGrp="1"/>
           </p:cNvSpPr>
@@ -4353,18 +4324,15 @@
           <a:bodyPr/>
           <a:lstStyle/>
           <a:p>
-            <a:r>
-              <a:rPr lang="en-US" smtClean="0">
-                <a:latin typeface="Times New Roman" pitchFamily="18" charset="0"/>
-              </a:rPr>
-              <a:t>The above puts you into the directory that svn just created in the last step. Since this is the “good” verified build there is no reason to run the time consuming tests.</a:t>
-            </a:r>
-          </a:p>
-        </p:txBody>
-      </p:sp>
-      <p:sp>
-        <p:nvSpPr>
-          <p:cNvPr id="106500" name="Slide Number Placeholder 3"/>
+            <a:endParaRPr lang="en-US" smtClean="0">
+              <a:latin typeface="Times New Roman" pitchFamily="18" charset="0"/>
+            </a:endParaRPr>
+          </a:p>
+        </p:txBody>
+      </p:sp>
+      <p:sp>
+        <p:nvSpPr>
+          <p:cNvPr id="104452" name="Slide Number Placeholder 3"/>
           <p:cNvSpPr>
             <a:spLocks noGrp="1"/>
           </p:cNvSpPr>
@@ -4383,7 +4351,7 @@
               <a:buFont typeface="Times New Roman" pitchFamily="18" charset="0"/>
               <a:buNone/>
             </a:pPr>
-            <a:fld id="{BCA48214-DFF1-41B7-9E9C-FC3DD1D4C225}" type="slidenum">
+            <a:fld id="{E8B2A831-0704-495A-974C-948C4C62C3F1}" type="slidenum">
               <a:rPr lang="en-GB" smtClean="0">
                 <a:latin typeface="Times New Roman" pitchFamily="18" charset="0"/>
                 <a:cs typeface="Times New Roman" pitchFamily="18" charset="0"/>
@@ -4428,7 +4396,7 @@
       </p:grpSpPr>
       <p:sp>
         <p:nvSpPr>
-          <p:cNvPr id="107522" name="Slide Image Placeholder 1"/>
+          <p:cNvPr id="105474" name="Slide Image Placeholder 1"/>
           <p:cNvSpPr>
             <a:spLocks noGrp="1" noRot="1" noChangeAspect="1" noTextEdit="1"/>
           </p:cNvSpPr>
@@ -4446,7 +4414,7 @@
       </p:sp>
       <p:sp>
         <p:nvSpPr>
-          <p:cNvPr id="107523" name="Notes Placeholder 2"/>
+          <p:cNvPr id="105475" name="Notes Placeholder 2"/>
           <p:cNvSpPr>
             <a:spLocks noGrp="1"/>
           </p:cNvSpPr>
@@ -4466,14 +4434,14 @@
               <a:rPr lang="en-US" smtClean="0">
                 <a:latin typeface="Times New Roman" pitchFamily="18" charset="0"/>
               </a:rPr>
-              <a:t>If you have Araxis or Beyond Compare, copy the files without the .svn files.</a:t>
-            </a:r>
-          </a:p>
-        </p:txBody>
-      </p:sp>
-      <p:sp>
-        <p:nvSpPr>
-          <p:cNvPr id="107524" name="Slide Number Placeholder 3"/>
+              <a:t>The above checks out the good tag from the svn repository. This will check out all of crank. Once you have it checked out you can build it.</a:t>
+            </a:r>
+          </a:p>
+        </p:txBody>
+      </p:sp>
+      <p:sp>
+        <p:nvSpPr>
+          <p:cNvPr id="105476" name="Slide Number Placeholder 3"/>
           <p:cNvSpPr>
             <a:spLocks noGrp="1"/>
           </p:cNvSpPr>
@@ -4492,7 +4460,7 @@
               <a:buFont typeface="Times New Roman" pitchFamily="18" charset="0"/>
               <a:buNone/>
             </a:pPr>
-            <a:fld id="{9CA298DA-643D-4B51-B090-1EEA69717570}" type="slidenum">
+            <a:fld id="{8B9E5069-6C7D-480F-B89D-68E7B6AFFCA4}" type="slidenum">
               <a:rPr lang="en-GB" smtClean="0">
                 <a:latin typeface="Times New Roman" pitchFamily="18" charset="0"/>
                 <a:cs typeface="Times New Roman" pitchFamily="18" charset="0"/>
@@ -4537,7 +4505,7 @@
       </p:grpSpPr>
       <p:sp>
         <p:nvSpPr>
-          <p:cNvPr id="108546" name="Slide Image Placeholder 1"/>
+          <p:cNvPr id="106498" name="Slide Image Placeholder 1"/>
           <p:cNvSpPr>
             <a:spLocks noGrp="1" noRot="1" noChangeAspect="1" noTextEdit="1"/>
           </p:cNvSpPr>
@@ -4555,7 +4523,7 @@
       </p:sp>
       <p:sp>
         <p:nvSpPr>
-          <p:cNvPr id="108547" name="Notes Placeholder 2"/>
+          <p:cNvPr id="106499" name="Notes Placeholder 2"/>
           <p:cNvSpPr>
             <a:spLocks noGrp="1"/>
           </p:cNvSpPr>
@@ -4571,15 +4539,18 @@
           <a:bodyPr/>
           <a:lstStyle/>
           <a:p>
-            <a:endParaRPr lang="en-US" smtClean="0">
-              <a:latin typeface="Times New Roman" pitchFamily="18" charset="0"/>
-            </a:endParaRPr>
-          </a:p>
-        </p:txBody>
-      </p:sp>
-      <p:sp>
-        <p:nvSpPr>
-          <p:cNvPr id="108548" name="Slide Number Placeholder 3"/>
+            <a:r>
+              <a:rPr lang="en-US" smtClean="0">
+                <a:latin typeface="Times New Roman" pitchFamily="18" charset="0"/>
+              </a:rPr>
+              <a:t>The above puts you into the directory that svn just created in the last step. Since this is the “good” verified build there is no reason to run the time consuming tests.</a:t>
+            </a:r>
+          </a:p>
+        </p:txBody>
+      </p:sp>
+      <p:sp>
+        <p:nvSpPr>
+          <p:cNvPr id="106500" name="Slide Number Placeholder 3"/>
           <p:cNvSpPr>
             <a:spLocks noGrp="1"/>
           </p:cNvSpPr>
@@ -4598,7 +4569,7 @@
               <a:buFont typeface="Times New Roman" pitchFamily="18" charset="0"/>
               <a:buNone/>
             </a:pPr>
-            <a:fld id="{9FD98348-A60F-4532-BDF5-2524F0283849}" type="slidenum">
+            <a:fld id="{BCA48214-DFF1-41B7-9E9C-FC3DD1D4C225}" type="slidenum">
               <a:rPr lang="en-GB" smtClean="0">
                 <a:latin typeface="Times New Roman" pitchFamily="18" charset="0"/>
                 <a:cs typeface="Times New Roman" pitchFamily="18" charset="0"/>
@@ -4643,7 +4614,7 @@
       </p:grpSpPr>
       <p:sp>
         <p:nvSpPr>
-          <p:cNvPr id="109570" name="Slide Image Placeholder 1"/>
+          <p:cNvPr id="107522" name="Slide Image Placeholder 1"/>
           <p:cNvSpPr>
             <a:spLocks noGrp="1" noRot="1" noChangeAspect="1" noTextEdit="1"/>
           </p:cNvSpPr>
@@ -4661,7 +4632,7 @@
       </p:sp>
       <p:sp>
         <p:nvSpPr>
-          <p:cNvPr id="109571" name="Notes Placeholder 2"/>
+          <p:cNvPr id="107523" name="Notes Placeholder 2"/>
           <p:cNvSpPr>
             <a:spLocks noGrp="1"/>
           </p:cNvSpPr>
@@ -4677,15 +4648,18 @@
           <a:bodyPr/>
           <a:lstStyle/>
           <a:p>
-            <a:endParaRPr lang="en-US" smtClean="0">
-              <a:latin typeface="Times New Roman" pitchFamily="18" charset="0"/>
-            </a:endParaRPr>
-          </a:p>
-        </p:txBody>
-      </p:sp>
-      <p:sp>
-        <p:nvSpPr>
-          <p:cNvPr id="109572" name="Slide Number Placeholder 3"/>
+            <a:r>
+              <a:rPr lang="en-US" smtClean="0">
+                <a:latin typeface="Times New Roman" pitchFamily="18" charset="0"/>
+              </a:rPr>
+              <a:t>If you have Araxis or Beyond Compare, copy the files without the .svn files.</a:t>
+            </a:r>
+          </a:p>
+        </p:txBody>
+      </p:sp>
+      <p:sp>
+        <p:nvSpPr>
+          <p:cNvPr id="107524" name="Slide Number Placeholder 3"/>
           <p:cNvSpPr>
             <a:spLocks noGrp="1"/>
           </p:cNvSpPr>
@@ -4704,7 +4678,7 @@
               <a:buFont typeface="Times New Roman" pitchFamily="18" charset="0"/>
               <a:buNone/>
             </a:pPr>
-            <a:fld id="{7C3A2397-6EF5-4C94-B4DD-9F4CC57391E4}" type="slidenum">
+            <a:fld id="{9CA298DA-643D-4B51-B090-1EEA69717570}" type="slidenum">
               <a:rPr lang="en-GB" smtClean="0">
                 <a:latin typeface="Times New Roman" pitchFamily="18" charset="0"/>
                 <a:cs typeface="Times New Roman" pitchFamily="18" charset="0"/>
@@ -4749,7 +4723,7 @@
       </p:grpSpPr>
       <p:sp>
         <p:nvSpPr>
-          <p:cNvPr id="110594" name="Slide Image Placeholder 1"/>
+          <p:cNvPr id="108546" name="Slide Image Placeholder 1"/>
           <p:cNvSpPr>
             <a:spLocks noGrp="1" noRot="1" noChangeAspect="1" noTextEdit="1"/>
           </p:cNvSpPr>
@@ -4767,7 +4741,7 @@
       </p:sp>
       <p:sp>
         <p:nvSpPr>
-          <p:cNvPr id="110595" name="Notes Placeholder 2"/>
+          <p:cNvPr id="108547" name="Notes Placeholder 2"/>
           <p:cNvSpPr>
             <a:spLocks noGrp="1"/>
           </p:cNvSpPr>
@@ -4783,47 +4757,15 @@
           <a:bodyPr/>
           <a:lstStyle/>
           <a:p>
-            <a:r>
-              <a:rPr lang="en-US" smtClean="0">
-                <a:latin typeface="Times New Roman" pitchFamily="18" charset="0"/>
-              </a:rPr>
-              <a:t>For more information on the maven Idea plugin go to:</a:t>
-            </a:r>
-          </a:p>
-          <a:p>
-            <a:r>
-              <a:rPr lang="en-US" smtClean="0">
-                <a:latin typeface="Times New Roman" pitchFamily="18" charset="0"/>
-              </a:rPr>
-              <a:t>http://maven.apache.org/plugins/maven-idea-plugin/</a:t>
-            </a:r>
-          </a:p>
-          <a:p>
             <a:endParaRPr lang="en-US" smtClean="0">
               <a:latin typeface="Times New Roman" pitchFamily="18" charset="0"/>
             </a:endParaRPr>
           </a:p>
-          <a:p>
-            <a:r>
-              <a:rPr lang="en-US" smtClean="0">
-                <a:latin typeface="Times New Roman" pitchFamily="18" charset="0"/>
-              </a:rPr>
-              <a:t>For Eclipse go to:</a:t>
-            </a:r>
-          </a:p>
-          <a:p>
-            <a:r>
-              <a:rPr lang="en-US" smtClean="0">
-                <a:latin typeface="Times New Roman" pitchFamily="18" charset="0"/>
-              </a:rPr>
-              <a:t>http://maven.apache.org/plugins/maven-eclipse-plugin/</a:t>
-            </a:r>
-          </a:p>
-        </p:txBody>
-      </p:sp>
-      <p:sp>
-        <p:nvSpPr>
-          <p:cNvPr id="110596" name="Slide Number Placeholder 3"/>
+        </p:txBody>
+      </p:sp>
+      <p:sp>
+        <p:nvSpPr>
+          <p:cNvPr id="108548" name="Slide Number Placeholder 3"/>
           <p:cNvSpPr>
             <a:spLocks noGrp="1"/>
           </p:cNvSpPr>
@@ -4842,7 +4784,7 @@
               <a:buFont typeface="Times New Roman" pitchFamily="18" charset="0"/>
               <a:buNone/>
             </a:pPr>
-            <a:fld id="{4E039BE0-AD90-413A-B0FE-2E0868FCE026}" type="slidenum">
+            <a:fld id="{9FD98348-A60F-4532-BDF5-2524F0283849}" type="slidenum">
               <a:rPr lang="en-GB" smtClean="0">
                 <a:latin typeface="Times New Roman" pitchFamily="18" charset="0"/>
                 <a:cs typeface="Times New Roman" pitchFamily="18" charset="0"/>
@@ -4887,7 +4829,7 @@
       </p:grpSpPr>
       <p:sp>
         <p:nvSpPr>
-          <p:cNvPr id="111618" name="Slide Image Placeholder 1"/>
+          <p:cNvPr id="109570" name="Slide Image Placeholder 1"/>
           <p:cNvSpPr>
             <a:spLocks noGrp="1" noRot="1" noChangeAspect="1" noTextEdit="1"/>
           </p:cNvSpPr>
@@ -4905,7 +4847,7 @@
       </p:sp>
       <p:sp>
         <p:nvSpPr>
-          <p:cNvPr id="111619" name="Notes Placeholder 2"/>
+          <p:cNvPr id="109571" name="Notes Placeholder 2"/>
           <p:cNvSpPr>
             <a:spLocks noGrp="1"/>
           </p:cNvSpPr>
@@ -4929,7 +4871,7 @@
       </p:sp>
       <p:sp>
         <p:nvSpPr>
-          <p:cNvPr id="111620" name="Slide Number Placeholder 3"/>
+          <p:cNvPr id="109572" name="Slide Number Placeholder 3"/>
           <p:cNvSpPr>
             <a:spLocks noGrp="1"/>
           </p:cNvSpPr>
@@ -4948,7 +4890,7 @@
               <a:buFont typeface="Times New Roman" pitchFamily="18" charset="0"/>
               <a:buNone/>
             </a:pPr>
-            <a:fld id="{46E14254-9AF9-4DDA-A976-E24DE43F8EE8}" type="slidenum">
+            <a:fld id="{7C3A2397-6EF5-4C94-B4DD-9F4CC57391E4}" type="slidenum">
               <a:rPr lang="en-GB" smtClean="0">
                 <a:latin typeface="Times New Roman" pitchFamily="18" charset="0"/>
                 <a:cs typeface="Times New Roman" pitchFamily="18" charset="0"/>
@@ -4993,7 +4935,7 @@
       </p:grpSpPr>
       <p:sp>
         <p:nvSpPr>
-          <p:cNvPr id="112642" name="Slide Image Placeholder 1"/>
+          <p:cNvPr id="110594" name="Slide Image Placeholder 1"/>
           <p:cNvSpPr>
             <a:spLocks noGrp="1" noRot="1" noChangeAspect="1" noTextEdit="1"/>
           </p:cNvSpPr>
@@ -5011,7 +4953,7 @@
       </p:sp>
       <p:sp>
         <p:nvSpPr>
-          <p:cNvPr id="112643" name="Notes Placeholder 2"/>
+          <p:cNvPr id="110595" name="Notes Placeholder 2"/>
           <p:cNvSpPr>
             <a:spLocks noGrp="1"/>
           </p:cNvSpPr>
@@ -5027,15 +4969,47 @@
           <a:bodyPr/>
           <a:lstStyle/>
           <a:p>
+            <a:r>
+              <a:rPr lang="en-US" smtClean="0">
+                <a:latin typeface="Times New Roman" pitchFamily="18" charset="0"/>
+              </a:rPr>
+              <a:t>For more information on the maven Idea plugin go to:</a:t>
+            </a:r>
+          </a:p>
+          <a:p>
+            <a:r>
+              <a:rPr lang="en-US" smtClean="0">
+                <a:latin typeface="Times New Roman" pitchFamily="18" charset="0"/>
+              </a:rPr>
+              <a:t>http://maven.apache.org/plugins/maven-idea-plugin/</a:t>
+            </a:r>
+          </a:p>
+          <a:p>
             <a:endParaRPr lang="en-US" smtClean="0">
               <a:latin typeface="Times New Roman" pitchFamily="18" charset="0"/>
             </a:endParaRPr>
           </a:p>
-        </p:txBody>
-      </p:sp>
-      <p:sp>
-        <p:nvSpPr>
-          <p:cNvPr id="112644" name="Slide Number Placeholder 3"/>
+          <a:p>
+            <a:r>
+              <a:rPr lang="en-US" smtClean="0">
+                <a:latin typeface="Times New Roman" pitchFamily="18" charset="0"/>
+              </a:rPr>
+              <a:t>For Eclipse go to:</a:t>
+            </a:r>
+          </a:p>
+          <a:p>
+            <a:r>
+              <a:rPr lang="en-US" smtClean="0">
+                <a:latin typeface="Times New Roman" pitchFamily="18" charset="0"/>
+              </a:rPr>
+              <a:t>http://maven.apache.org/plugins/maven-eclipse-plugin/</a:t>
+            </a:r>
+          </a:p>
+        </p:txBody>
+      </p:sp>
+      <p:sp>
+        <p:nvSpPr>
+          <p:cNvPr id="110596" name="Slide Number Placeholder 3"/>
           <p:cNvSpPr>
             <a:spLocks noGrp="1"/>
           </p:cNvSpPr>
@@ -5054,7 +5028,7 @@
               <a:buFont typeface="Times New Roman" pitchFamily="18" charset="0"/>
               <a:buNone/>
             </a:pPr>
-            <a:fld id="{774CE769-58A9-4733-84F3-704DD9259960}" type="slidenum">
+            <a:fld id="{4E039BE0-AD90-413A-B0FE-2E0868FCE026}" type="slidenum">
               <a:rPr lang="en-GB" smtClean="0">
                 <a:latin typeface="Times New Roman" pitchFamily="18" charset="0"/>
                 <a:cs typeface="Times New Roman" pitchFamily="18" charset="0"/>
@@ -5205,7 +5179,7 @@
       </p:grpSpPr>
       <p:sp>
         <p:nvSpPr>
-          <p:cNvPr id="113666" name="Slide Image Placeholder 1"/>
+          <p:cNvPr id="111618" name="Slide Image Placeholder 1"/>
           <p:cNvSpPr>
             <a:spLocks noGrp="1" noRot="1" noChangeAspect="1" noTextEdit="1"/>
           </p:cNvSpPr>
@@ -5223,7 +5197,7 @@
       </p:sp>
       <p:sp>
         <p:nvSpPr>
-          <p:cNvPr id="113667" name="Notes Placeholder 2"/>
+          <p:cNvPr id="111619" name="Notes Placeholder 2"/>
           <p:cNvSpPr>
             <a:spLocks noGrp="1"/>
           </p:cNvSpPr>
@@ -5239,18 +5213,15 @@
           <a:bodyPr/>
           <a:lstStyle/>
           <a:p>
-            <a:r>
-              <a:rPr lang="en-US" smtClean="0">
-                <a:latin typeface="Times New Roman" pitchFamily="18" charset="0"/>
-              </a:rPr>
-              <a:t>The above is just a vanilla JPA class nothing special.</a:t>
-            </a:r>
-          </a:p>
-        </p:txBody>
-      </p:sp>
-      <p:sp>
-        <p:nvSpPr>
-          <p:cNvPr id="113668" name="Slide Number Placeholder 3"/>
+            <a:endParaRPr lang="en-US" smtClean="0">
+              <a:latin typeface="Times New Roman" pitchFamily="18" charset="0"/>
+            </a:endParaRPr>
+          </a:p>
+        </p:txBody>
+      </p:sp>
+      <p:sp>
+        <p:nvSpPr>
+          <p:cNvPr id="111620" name="Slide Number Placeholder 3"/>
           <p:cNvSpPr>
             <a:spLocks noGrp="1"/>
           </p:cNvSpPr>
@@ -5269,7 +5240,7 @@
               <a:buFont typeface="Times New Roman" pitchFamily="18" charset="0"/>
               <a:buNone/>
             </a:pPr>
-            <a:fld id="{F1992402-56F1-40F3-A5D5-2DD136D7064D}" type="slidenum">
+            <a:fld id="{46E14254-9AF9-4DDA-A976-E24DE43F8EE8}" type="slidenum">
               <a:rPr lang="en-GB" smtClean="0">
                 <a:latin typeface="Times New Roman" pitchFamily="18" charset="0"/>
                 <a:cs typeface="Times New Roman" pitchFamily="18" charset="0"/>
@@ -5314,7 +5285,7 @@
       </p:grpSpPr>
       <p:sp>
         <p:nvSpPr>
-          <p:cNvPr id="114690" name="Slide Image Placeholder 1"/>
+          <p:cNvPr id="112642" name="Slide Image Placeholder 1"/>
           <p:cNvSpPr>
             <a:spLocks noGrp="1" noRot="1" noChangeAspect="1" noTextEdit="1"/>
           </p:cNvSpPr>
@@ -5332,7 +5303,7 @@
       </p:sp>
       <p:sp>
         <p:nvSpPr>
-          <p:cNvPr id="114691" name="Notes Placeholder 2"/>
+          <p:cNvPr id="112643" name="Notes Placeholder 2"/>
           <p:cNvSpPr>
             <a:spLocks noGrp="1"/>
           </p:cNvSpPr>
@@ -5348,18 +5319,15 @@
           <a:bodyPr/>
           <a:lstStyle/>
           <a:p>
-            <a:r>
-              <a:rPr lang="en-US" smtClean="0">
-                <a:latin typeface="Times New Roman" pitchFamily="18" charset="0"/>
-              </a:rPr>
-              <a:t>You just need to add a new CrudManagedObject to the managedObject list. The base class, CrudJSFConfig will use this to setup everything needed for a Crud listing.</a:t>
-            </a:r>
-          </a:p>
-        </p:txBody>
-      </p:sp>
-      <p:sp>
-        <p:nvSpPr>
-          <p:cNvPr id="114692" name="Slide Number Placeholder 3"/>
+            <a:endParaRPr lang="en-US" smtClean="0">
+              <a:latin typeface="Times New Roman" pitchFamily="18" charset="0"/>
+            </a:endParaRPr>
+          </a:p>
+        </p:txBody>
+      </p:sp>
+      <p:sp>
+        <p:nvSpPr>
+          <p:cNvPr id="112644" name="Slide Number Placeholder 3"/>
           <p:cNvSpPr>
             <a:spLocks noGrp="1"/>
           </p:cNvSpPr>
@@ -5378,7 +5346,7 @@
               <a:buFont typeface="Times New Roman" pitchFamily="18" charset="0"/>
               <a:buNone/>
             </a:pPr>
-            <a:fld id="{0B96B7FF-3CC4-48AD-A8D2-11C6168B69AB}" type="slidenum">
+            <a:fld id="{774CE769-58A9-4733-84F3-704DD9259960}" type="slidenum">
               <a:rPr lang="en-GB" smtClean="0">
                 <a:latin typeface="Times New Roman" pitchFamily="18" charset="0"/>
                 <a:cs typeface="Times New Roman" pitchFamily="18" charset="0"/>
@@ -5423,7 +5391,7 @@
       </p:grpSpPr>
       <p:sp>
         <p:nvSpPr>
-          <p:cNvPr id="115714" name="Slide Image Placeholder 1"/>
+          <p:cNvPr id="113666" name="Slide Image Placeholder 1"/>
           <p:cNvSpPr>
             <a:spLocks noGrp="1" noRot="1" noChangeAspect="1" noTextEdit="1"/>
           </p:cNvSpPr>
@@ -5441,7 +5409,7 @@
       </p:sp>
       <p:sp>
         <p:nvSpPr>
-          <p:cNvPr id="115715" name="Notes Placeholder 2"/>
+          <p:cNvPr id="113667" name="Notes Placeholder 2"/>
           <p:cNvSpPr>
             <a:spLocks noGrp="1"/>
           </p:cNvSpPr>
@@ -5461,22 +5429,14 @@
               <a:rPr lang="en-US" smtClean="0">
                 <a:latin typeface="Times New Roman" pitchFamily="18" charset="0"/>
               </a:rPr>
-              <a:t>Strictly speaking, Hibernate will find the Task class without the above entry.</a:t>
-            </a:r>
-          </a:p>
-          <a:p>
-            <a:r>
-              <a:rPr lang="en-US" smtClean="0">
-                <a:latin typeface="Times New Roman" pitchFamily="18" charset="0"/>
-              </a:rPr>
-              <a:t>However, OpenJPA will not so to be JPA compliant please follow the rules.</a:t>
-            </a:r>
-          </a:p>
-        </p:txBody>
-      </p:sp>
-      <p:sp>
-        <p:nvSpPr>
-          <p:cNvPr id="115716" name="Slide Number Placeholder 3"/>
+              <a:t>The above is just a vanilla JPA class nothing special.</a:t>
+            </a:r>
+          </a:p>
+        </p:txBody>
+      </p:sp>
+      <p:sp>
+        <p:nvSpPr>
+          <p:cNvPr id="113668" name="Slide Number Placeholder 3"/>
           <p:cNvSpPr>
             <a:spLocks noGrp="1"/>
           </p:cNvSpPr>
@@ -5495,7 +5455,7 @@
               <a:buFont typeface="Times New Roman" pitchFamily="18" charset="0"/>
               <a:buNone/>
             </a:pPr>
-            <a:fld id="{8833BAF4-F11A-4D0C-8458-163A9E1C2DDF}" type="slidenum">
+            <a:fld id="{F1992402-56F1-40F3-A5D5-2DD136D7064D}" type="slidenum">
               <a:rPr lang="en-GB" smtClean="0">
                 <a:latin typeface="Times New Roman" pitchFamily="18" charset="0"/>
                 <a:cs typeface="Times New Roman" pitchFamily="18" charset="0"/>
@@ -5540,7 +5500,7 @@
       </p:grpSpPr>
       <p:sp>
         <p:nvSpPr>
-          <p:cNvPr id="116738" name="Slide Image Placeholder 1"/>
+          <p:cNvPr id="114690" name="Slide Image Placeholder 1"/>
           <p:cNvSpPr>
             <a:spLocks noGrp="1" noRot="1" noChangeAspect="1" noTextEdit="1"/>
           </p:cNvSpPr>
@@ -5558,7 +5518,7 @@
       </p:sp>
       <p:sp>
         <p:nvSpPr>
-          <p:cNvPr id="116739" name="Notes Placeholder 2"/>
+          <p:cNvPr id="114691" name="Notes Placeholder 2"/>
           <p:cNvSpPr>
             <a:spLocks noGrp="1"/>
           </p:cNvSpPr>
@@ -5578,27 +5538,14 @@
               <a:rPr lang="en-US" smtClean="0">
                 <a:latin typeface="Times New Roman" pitchFamily="18" charset="0"/>
               </a:rPr>
-              <a:t>In order to use the crank facelet taglib you must import it.</a:t>
-            </a:r>
-          </a:p>
-          <a:p>
-            <a:r>
-              <a:rPr lang="en-US" smtClean="0">
-                <a:latin typeface="Times New Roman" pitchFamily="18" charset="0"/>
-              </a:rPr>
-              <a:t>There is a tag for ajaxForms and a tag for the listing.</a:t>
-            </a:r>
-          </a:p>
-          <a:p>
-            <a:endParaRPr lang="en-US" smtClean="0">
-              <a:latin typeface="Times New Roman" pitchFamily="18" charset="0"/>
-            </a:endParaRPr>
-          </a:p>
-        </p:txBody>
-      </p:sp>
-      <p:sp>
-        <p:nvSpPr>
-          <p:cNvPr id="116740" name="Slide Number Placeholder 3"/>
+              <a:t>You just need to add a new CrudManagedObject to the managedObject list. The base class, CrudJSFConfig will use this to setup everything needed for a Crud listing.</a:t>
+            </a:r>
+          </a:p>
+        </p:txBody>
+      </p:sp>
+      <p:sp>
+        <p:nvSpPr>
+          <p:cNvPr id="114692" name="Slide Number Placeholder 3"/>
           <p:cNvSpPr>
             <a:spLocks noGrp="1"/>
           </p:cNvSpPr>
@@ -5617,7 +5564,7 @@
               <a:buFont typeface="Times New Roman" pitchFamily="18" charset="0"/>
               <a:buNone/>
             </a:pPr>
-            <a:fld id="{ACD69F54-534B-491D-9E7F-E596E5E73D45}" type="slidenum">
+            <a:fld id="{0B96B7FF-3CC4-48AD-A8D2-11C6168B69AB}" type="slidenum">
               <a:rPr lang="en-GB" smtClean="0">
                 <a:latin typeface="Times New Roman" pitchFamily="18" charset="0"/>
                 <a:cs typeface="Times New Roman" pitchFamily="18" charset="0"/>
@@ -5662,7 +5609,7 @@
       </p:grpSpPr>
       <p:sp>
         <p:nvSpPr>
-          <p:cNvPr id="117762" name="Slide Image Placeholder 1"/>
+          <p:cNvPr id="115714" name="Slide Image Placeholder 1"/>
           <p:cNvSpPr>
             <a:spLocks noGrp="1" noRot="1" noChangeAspect="1" noTextEdit="1"/>
           </p:cNvSpPr>
@@ -5680,7 +5627,7 @@
       </p:sp>
       <p:sp>
         <p:nvSpPr>
-          <p:cNvPr id="117763" name="Notes Placeholder 2"/>
+          <p:cNvPr id="115715" name="Notes Placeholder 2"/>
           <p:cNvSpPr>
             <a:spLocks noGrp="1"/>
           </p:cNvSpPr>
@@ -5696,15 +5643,26 @@
           <a:bodyPr/>
           <a:lstStyle/>
           <a:p>
-            <a:endParaRPr lang="en-US" smtClean="0">
-              <a:latin typeface="Times New Roman" pitchFamily="18" charset="0"/>
-            </a:endParaRPr>
-          </a:p>
-        </p:txBody>
-      </p:sp>
-      <p:sp>
-        <p:nvSpPr>
-          <p:cNvPr id="117764" name="Slide Number Placeholder 3"/>
+            <a:r>
+              <a:rPr lang="en-US" smtClean="0">
+                <a:latin typeface="Times New Roman" pitchFamily="18" charset="0"/>
+              </a:rPr>
+              <a:t>Strictly speaking, Hibernate will find the Task class without the above entry.</a:t>
+            </a:r>
+          </a:p>
+          <a:p>
+            <a:r>
+              <a:rPr lang="en-US" smtClean="0">
+                <a:latin typeface="Times New Roman" pitchFamily="18" charset="0"/>
+              </a:rPr>
+              <a:t>However, OpenJPA will not so to be JPA compliant please follow the rules.</a:t>
+            </a:r>
+          </a:p>
+        </p:txBody>
+      </p:sp>
+      <p:sp>
+        <p:nvSpPr>
+          <p:cNvPr id="115716" name="Slide Number Placeholder 3"/>
           <p:cNvSpPr>
             <a:spLocks noGrp="1"/>
           </p:cNvSpPr>
@@ -5723,7 +5681,7 @@
               <a:buFont typeface="Times New Roman" pitchFamily="18" charset="0"/>
               <a:buNone/>
             </a:pPr>
-            <a:fld id="{48150279-B264-42AD-A770-E96FCD12659A}" type="slidenum">
+            <a:fld id="{8833BAF4-F11A-4D0C-8458-163A9E1C2DDF}" type="slidenum">
               <a:rPr lang="en-GB" smtClean="0">
                 <a:latin typeface="Times New Roman" pitchFamily="18" charset="0"/>
                 <a:cs typeface="Times New Roman" pitchFamily="18" charset="0"/>
@@ -5768,7 +5726,7 @@
       </p:grpSpPr>
       <p:sp>
         <p:nvSpPr>
-          <p:cNvPr id="118786" name="Slide Image Placeholder 1"/>
+          <p:cNvPr id="116738" name="Slide Image Placeholder 1"/>
           <p:cNvSpPr>
             <a:spLocks noGrp="1" noRot="1" noChangeAspect="1" noTextEdit="1"/>
           </p:cNvSpPr>
@@ -5786,7 +5744,7 @@
       </p:sp>
       <p:sp>
         <p:nvSpPr>
-          <p:cNvPr id="118787" name="Notes Placeholder 2"/>
+          <p:cNvPr id="116739" name="Notes Placeholder 2"/>
           <p:cNvSpPr>
             <a:spLocks noGrp="1"/>
           </p:cNvSpPr>
@@ -5802,6 +5760,22 @@
           <a:bodyPr/>
           <a:lstStyle/>
           <a:p>
+            <a:r>
+              <a:rPr lang="en-US" smtClean="0">
+                <a:latin typeface="Times New Roman" pitchFamily="18" charset="0"/>
+              </a:rPr>
+              <a:t>In order to use the crank facelet taglib you must import it.</a:t>
+            </a:r>
+          </a:p>
+          <a:p>
+            <a:r>
+              <a:rPr lang="en-US" smtClean="0">
+                <a:latin typeface="Times New Roman" pitchFamily="18" charset="0"/>
+              </a:rPr>
+              <a:t>There is a tag for ajaxForms and a tag for the listing.</a:t>
+            </a:r>
+          </a:p>
+          <a:p>
             <a:endParaRPr lang="en-US" smtClean="0">
               <a:latin typeface="Times New Roman" pitchFamily="18" charset="0"/>
             </a:endParaRPr>
@@ -5810,7 +5784,7 @@
       </p:sp>
       <p:sp>
         <p:nvSpPr>
-          <p:cNvPr id="118788" name="Slide Number Placeholder 3"/>
+          <p:cNvPr id="116740" name="Slide Number Placeholder 3"/>
           <p:cNvSpPr>
             <a:spLocks noGrp="1"/>
           </p:cNvSpPr>
@@ -5829,7 +5803,7 @@
               <a:buFont typeface="Times New Roman" pitchFamily="18" charset="0"/>
               <a:buNone/>
             </a:pPr>
-            <a:fld id="{2DBE5F33-B71A-4AB0-AE39-E2D17125DC63}" type="slidenum">
+            <a:fld id="{ACD69F54-534B-491D-9E7F-E596E5E73D45}" type="slidenum">
               <a:rPr lang="en-GB" smtClean="0">
                 <a:latin typeface="Times New Roman" pitchFamily="18" charset="0"/>
                 <a:cs typeface="Times New Roman" pitchFamily="18" charset="0"/>
@@ -5874,7 +5848,7 @@
       </p:grpSpPr>
       <p:sp>
         <p:nvSpPr>
-          <p:cNvPr id="119810" name="Slide Image Placeholder 1"/>
+          <p:cNvPr id="117762" name="Slide Image Placeholder 1"/>
           <p:cNvSpPr>
             <a:spLocks noGrp="1" noRot="1" noChangeAspect="1" noTextEdit="1"/>
           </p:cNvSpPr>
@@ -5892,7 +5866,7 @@
       </p:sp>
       <p:sp>
         <p:nvSpPr>
-          <p:cNvPr id="119811" name="Notes Placeholder 2"/>
+          <p:cNvPr id="117763" name="Notes Placeholder 2"/>
           <p:cNvSpPr>
             <a:spLocks noGrp="1"/>
           </p:cNvSpPr>
@@ -5916,7 +5890,7 @@
       </p:sp>
       <p:sp>
         <p:nvSpPr>
-          <p:cNvPr id="119812" name="Slide Number Placeholder 3"/>
+          <p:cNvPr id="117764" name="Slide Number Placeholder 3"/>
           <p:cNvSpPr>
             <a:spLocks noGrp="1"/>
           </p:cNvSpPr>
@@ -5935,7 +5909,7 @@
               <a:buFont typeface="Times New Roman" pitchFamily="18" charset="0"/>
               <a:buNone/>
             </a:pPr>
-            <a:fld id="{140A5596-AADD-4A65-A602-3BB88A460ED8}" type="slidenum">
+            <a:fld id="{48150279-B264-42AD-A770-E96FCD12659A}" type="slidenum">
               <a:rPr lang="en-GB" smtClean="0">
                 <a:latin typeface="Times New Roman" pitchFamily="18" charset="0"/>
                 <a:cs typeface="Times New Roman" pitchFamily="18" charset="0"/>
@@ -5980,7 +5954,7 @@
       </p:grpSpPr>
       <p:sp>
         <p:nvSpPr>
-          <p:cNvPr id="120834" name="Slide Image Placeholder 1"/>
+          <p:cNvPr id="118786" name="Slide Image Placeholder 1"/>
           <p:cNvSpPr>
             <a:spLocks noGrp="1" noRot="1" noChangeAspect="1" noTextEdit="1"/>
           </p:cNvSpPr>
@@ -5998,7 +5972,7 @@
       </p:sp>
       <p:sp>
         <p:nvSpPr>
-          <p:cNvPr id="120835" name="Notes Placeholder 2"/>
+          <p:cNvPr id="118787" name="Notes Placeholder 2"/>
           <p:cNvSpPr>
             <a:spLocks noGrp="1"/>
           </p:cNvSpPr>
@@ -6022,7 +5996,7 @@
       </p:sp>
       <p:sp>
         <p:nvSpPr>
-          <p:cNvPr id="120836" name="Slide Number Placeholder 3"/>
+          <p:cNvPr id="118788" name="Slide Number Placeholder 3"/>
           <p:cNvSpPr>
             <a:spLocks noGrp="1"/>
           </p:cNvSpPr>
@@ -6041,7 +6015,7 @@
               <a:buFont typeface="Times New Roman" pitchFamily="18" charset="0"/>
               <a:buNone/>
             </a:pPr>
-            <a:fld id="{64943C66-663B-4DC4-AEE3-122CC5440852}" type="slidenum">
+            <a:fld id="{2DBE5F33-B71A-4AB0-AE39-E2D17125DC63}" type="slidenum">
               <a:rPr lang="en-GB" smtClean="0">
                 <a:latin typeface="Times New Roman" pitchFamily="18" charset="0"/>
                 <a:cs typeface="Times New Roman" pitchFamily="18" charset="0"/>
@@ -6086,7 +6060,7 @@
       </p:grpSpPr>
       <p:sp>
         <p:nvSpPr>
-          <p:cNvPr id="121858" name="Slide Image Placeholder 1"/>
+          <p:cNvPr id="119810" name="Slide Image Placeholder 1"/>
           <p:cNvSpPr>
             <a:spLocks noGrp="1" noRot="1" noChangeAspect="1" noTextEdit="1"/>
           </p:cNvSpPr>
@@ -6104,7 +6078,7 @@
       </p:sp>
       <p:sp>
         <p:nvSpPr>
-          <p:cNvPr id="121859" name="Notes Placeholder 2"/>
+          <p:cNvPr id="119811" name="Notes Placeholder 2"/>
           <p:cNvSpPr>
             <a:spLocks noGrp="1"/>
           </p:cNvSpPr>
@@ -6128,7 +6102,7 @@
       </p:sp>
       <p:sp>
         <p:nvSpPr>
-          <p:cNvPr id="121860" name="Slide Number Placeholder 3"/>
+          <p:cNvPr id="119812" name="Slide Number Placeholder 3"/>
           <p:cNvSpPr>
             <a:spLocks noGrp="1"/>
           </p:cNvSpPr>
@@ -6147,7 +6121,7 @@
               <a:buFont typeface="Times New Roman" pitchFamily="18" charset="0"/>
               <a:buNone/>
             </a:pPr>
-            <a:fld id="{51D8FD88-6A62-4711-B84C-B3D5154BF6B0}" type="slidenum">
+            <a:fld id="{140A5596-AADD-4A65-A602-3BB88A460ED8}" type="slidenum">
               <a:rPr lang="en-GB" smtClean="0">
                 <a:latin typeface="Times New Roman" pitchFamily="18" charset="0"/>
                 <a:cs typeface="Times New Roman" pitchFamily="18" charset="0"/>
@@ -6192,7 +6166,7 @@
       </p:grpSpPr>
       <p:sp>
         <p:nvSpPr>
-          <p:cNvPr id="122882" name="Slide Image Placeholder 1"/>
+          <p:cNvPr id="120834" name="Slide Image Placeholder 1"/>
           <p:cNvSpPr>
             <a:spLocks noGrp="1" noRot="1" noChangeAspect="1" noTextEdit="1"/>
           </p:cNvSpPr>
@@ -6210,7 +6184,7 @@
       </p:sp>
       <p:sp>
         <p:nvSpPr>
-          <p:cNvPr id="122883" name="Notes Placeholder 2"/>
+          <p:cNvPr id="120835" name="Notes Placeholder 2"/>
           <p:cNvSpPr>
             <a:spLocks noGrp="1"/>
           </p:cNvSpPr>
@@ -6234,7 +6208,7 @@
       </p:sp>
       <p:sp>
         <p:nvSpPr>
-          <p:cNvPr id="122884" name="Slide Number Placeholder 3"/>
+          <p:cNvPr id="120836" name="Slide Number Placeholder 3"/>
           <p:cNvSpPr>
             <a:spLocks noGrp="1"/>
           </p:cNvSpPr>
@@ -6253,7 +6227,7 @@
               <a:buFont typeface="Times New Roman" pitchFamily="18" charset="0"/>
               <a:buNone/>
             </a:pPr>
-            <a:fld id="{E1411087-2B54-443F-8B9F-8556F89A25C5}" type="slidenum">
+            <a:fld id="{64943C66-663B-4DC4-AEE3-122CC5440852}" type="slidenum">
               <a:rPr lang="en-GB" smtClean="0">
                 <a:latin typeface="Times New Roman" pitchFamily="18" charset="0"/>
                 <a:cs typeface="Times New Roman" pitchFamily="18" charset="0"/>
@@ -6551,7 +6525,7 @@
       </p:grpSpPr>
       <p:sp>
         <p:nvSpPr>
-          <p:cNvPr id="123906" name="Slide Image Placeholder 1"/>
+          <p:cNvPr id="121858" name="Slide Image Placeholder 1"/>
           <p:cNvSpPr>
             <a:spLocks noGrp="1" noRot="1" noChangeAspect="1" noTextEdit="1"/>
           </p:cNvSpPr>
@@ -6569,7 +6543,7 @@
       </p:sp>
       <p:sp>
         <p:nvSpPr>
-          <p:cNvPr id="123907" name="Notes Placeholder 2"/>
+          <p:cNvPr id="121859" name="Notes Placeholder 2"/>
           <p:cNvSpPr>
             <a:spLocks noGrp="1"/>
           </p:cNvSpPr>
@@ -6593,7 +6567,7 @@
       </p:sp>
       <p:sp>
         <p:nvSpPr>
-          <p:cNvPr id="123908" name="Slide Number Placeholder 3"/>
+          <p:cNvPr id="121860" name="Slide Number Placeholder 3"/>
           <p:cNvSpPr>
             <a:spLocks noGrp="1"/>
           </p:cNvSpPr>
@@ -6612,7 +6586,7 @@
               <a:buFont typeface="Times New Roman" pitchFamily="18" charset="0"/>
               <a:buNone/>
             </a:pPr>
-            <a:fld id="{93A8C89B-CB73-4A15-8136-13F6ABB59B94}" type="slidenum">
+            <a:fld id="{51D8FD88-6A62-4711-B84C-B3D5154BF6B0}" type="slidenum">
               <a:rPr lang="en-GB" smtClean="0">
                 <a:latin typeface="Times New Roman" pitchFamily="18" charset="0"/>
                 <a:cs typeface="Times New Roman" pitchFamily="18" charset="0"/>
@@ -6657,7 +6631,7 @@
       </p:grpSpPr>
       <p:sp>
         <p:nvSpPr>
-          <p:cNvPr id="124930" name="Slide Image Placeholder 1"/>
+          <p:cNvPr id="122882" name="Slide Image Placeholder 1"/>
           <p:cNvSpPr>
             <a:spLocks noGrp="1" noRot="1" noChangeAspect="1" noTextEdit="1"/>
           </p:cNvSpPr>
@@ -6675,7 +6649,7 @@
       </p:sp>
       <p:sp>
         <p:nvSpPr>
-          <p:cNvPr id="124931" name="Notes Placeholder 2"/>
+          <p:cNvPr id="122883" name="Notes Placeholder 2"/>
           <p:cNvSpPr>
             <a:spLocks noGrp="1"/>
           </p:cNvSpPr>
@@ -6699,7 +6673,7 @@
       </p:sp>
       <p:sp>
         <p:nvSpPr>
-          <p:cNvPr id="124932" name="Slide Number Placeholder 3"/>
+          <p:cNvPr id="122884" name="Slide Number Placeholder 3"/>
           <p:cNvSpPr>
             <a:spLocks noGrp="1"/>
           </p:cNvSpPr>
@@ -6718,7 +6692,7 @@
               <a:buFont typeface="Times New Roman" pitchFamily="18" charset="0"/>
               <a:buNone/>
             </a:pPr>
-            <a:fld id="{C46CC18E-5DC0-487F-AF84-F1FB3CE9991B}" type="slidenum">
+            <a:fld id="{E1411087-2B54-443F-8B9F-8556F89A25C5}" type="slidenum">
               <a:rPr lang="en-GB" smtClean="0">
                 <a:latin typeface="Times New Roman" pitchFamily="18" charset="0"/>
                 <a:cs typeface="Times New Roman" pitchFamily="18" charset="0"/>
@@ -6763,7 +6737,7 @@
       </p:grpSpPr>
       <p:sp>
         <p:nvSpPr>
-          <p:cNvPr id="125954" name="Slide Image Placeholder 1"/>
+          <p:cNvPr id="123906" name="Slide Image Placeholder 1"/>
           <p:cNvSpPr>
             <a:spLocks noGrp="1" noRot="1" noChangeAspect="1" noTextEdit="1"/>
           </p:cNvSpPr>
@@ -6781,7 +6755,7 @@
       </p:sp>
       <p:sp>
         <p:nvSpPr>
-          <p:cNvPr id="125955" name="Notes Placeholder 2"/>
+          <p:cNvPr id="123907" name="Notes Placeholder 2"/>
           <p:cNvSpPr>
             <a:spLocks noGrp="1"/>
           </p:cNvSpPr>
@@ -6797,18 +6771,15 @@
           <a:bodyPr/>
           <a:lstStyle/>
           <a:p>
-            <a:r>
-              <a:rPr lang="en-US" smtClean="0">
-                <a:latin typeface="Times New Roman" pitchFamily="18" charset="0"/>
-              </a:rPr>
-              <a:t>The firstName corresponds to a property of the Foo class. The firstName is associated with the validation rules required and length. The length validation rule states the minimum and maximum allowed number of characters with the min and max parameters. </a:t>
-            </a:r>
-          </a:p>
-        </p:txBody>
-      </p:sp>
-      <p:sp>
-        <p:nvSpPr>
-          <p:cNvPr id="125956" name="Slide Number Placeholder 3"/>
+            <a:endParaRPr lang="en-US" smtClean="0">
+              <a:latin typeface="Times New Roman" pitchFamily="18" charset="0"/>
+            </a:endParaRPr>
+          </a:p>
+        </p:txBody>
+      </p:sp>
+      <p:sp>
+        <p:nvSpPr>
+          <p:cNvPr id="123908" name="Slide Number Placeholder 3"/>
           <p:cNvSpPr>
             <a:spLocks noGrp="1"/>
           </p:cNvSpPr>
@@ -6827,7 +6798,7 @@
               <a:buFont typeface="Times New Roman" pitchFamily="18" charset="0"/>
               <a:buNone/>
             </a:pPr>
-            <a:fld id="{22201E7B-66C9-429D-B0D1-1FBB64F2B664}" type="slidenum">
+            <a:fld id="{93A8C89B-CB73-4A15-8136-13F6ABB59B94}" type="slidenum">
               <a:rPr lang="en-GB" smtClean="0">
                 <a:latin typeface="Times New Roman" pitchFamily="18" charset="0"/>
                 <a:cs typeface="Times New Roman" pitchFamily="18" charset="0"/>
@@ -6872,7 +6843,7 @@
       </p:grpSpPr>
       <p:sp>
         <p:nvSpPr>
-          <p:cNvPr id="126978" name="Slide Image Placeholder 1"/>
+          <p:cNvPr id="124930" name="Slide Image Placeholder 1"/>
           <p:cNvSpPr>
             <a:spLocks noGrp="1" noRot="1" noChangeAspect="1" noTextEdit="1"/>
           </p:cNvSpPr>
@@ -6890,7 +6861,7 @@
       </p:sp>
       <p:sp>
         <p:nvSpPr>
-          <p:cNvPr id="126979" name="Notes Placeholder 2"/>
+          <p:cNvPr id="124931" name="Notes Placeholder 2"/>
           <p:cNvSpPr>
             <a:spLocks noGrp="1"/>
           </p:cNvSpPr>
@@ -6914,7 +6885,7 @@
       </p:sp>
       <p:sp>
         <p:nvSpPr>
-          <p:cNvPr id="126980" name="Slide Number Placeholder 3"/>
+          <p:cNvPr id="124932" name="Slide Number Placeholder 3"/>
           <p:cNvSpPr>
             <a:spLocks noGrp="1"/>
           </p:cNvSpPr>
@@ -6933,7 +6904,7 @@
               <a:buFont typeface="Times New Roman" pitchFamily="18" charset="0"/>
               <a:buNone/>
             </a:pPr>
-            <a:fld id="{F08DD13B-7774-4E75-935D-173C6F05003E}" type="slidenum">
+            <a:fld id="{C46CC18E-5DC0-487F-AF84-F1FB3CE9991B}" type="slidenum">
               <a:rPr lang="en-GB" smtClean="0">
                 <a:latin typeface="Times New Roman" pitchFamily="18" charset="0"/>
                 <a:cs typeface="Times New Roman" pitchFamily="18" charset="0"/>
@@ -6978,7 +6949,7 @@
       </p:grpSpPr>
       <p:sp>
         <p:nvSpPr>
-          <p:cNvPr id="128002" name="Slide Image Placeholder 1"/>
+          <p:cNvPr id="125954" name="Slide Image Placeholder 1"/>
           <p:cNvSpPr>
             <a:spLocks noGrp="1" noRot="1" noChangeAspect="1" noTextEdit="1"/>
           </p:cNvSpPr>
@@ -6996,7 +6967,7 @@
       </p:sp>
       <p:sp>
         <p:nvSpPr>
-          <p:cNvPr id="128003" name="Notes Placeholder 2"/>
+          <p:cNvPr id="125955" name="Notes Placeholder 2"/>
           <p:cNvSpPr>
             <a:spLocks noGrp="1"/>
           </p:cNvSpPr>
@@ -7012,15 +6983,18 @@
           <a:bodyPr/>
           <a:lstStyle/>
           <a:p>
-            <a:endParaRPr lang="en-US" smtClean="0">
-              <a:latin typeface="Times New Roman" pitchFamily="18" charset="0"/>
-            </a:endParaRPr>
-          </a:p>
-        </p:txBody>
-      </p:sp>
-      <p:sp>
-        <p:nvSpPr>
-          <p:cNvPr id="128004" name="Slide Number Placeholder 3"/>
+            <a:r>
+              <a:rPr lang="en-US" smtClean="0">
+                <a:latin typeface="Times New Roman" pitchFamily="18" charset="0"/>
+              </a:rPr>
+              <a:t>The firstName corresponds to a property of the Foo class. The firstName is associated with the validation rules required and length. The length validation rule states the minimum and maximum allowed number of characters with the min and max parameters. </a:t>
+            </a:r>
+          </a:p>
+        </p:txBody>
+      </p:sp>
+      <p:sp>
+        <p:nvSpPr>
+          <p:cNvPr id="125956" name="Slide Number Placeholder 3"/>
           <p:cNvSpPr>
             <a:spLocks noGrp="1"/>
           </p:cNvSpPr>
@@ -7039,7 +7013,7 @@
               <a:buFont typeface="Times New Roman" pitchFamily="18" charset="0"/>
               <a:buNone/>
             </a:pPr>
-            <a:fld id="{D03FE004-AF92-433A-8AF1-13994AECEAD5}" type="slidenum">
+            <a:fld id="{22201E7B-66C9-429D-B0D1-1FBB64F2B664}" type="slidenum">
               <a:rPr lang="en-GB" smtClean="0">
                 <a:latin typeface="Times New Roman" pitchFamily="18" charset="0"/>
                 <a:cs typeface="Times New Roman" pitchFamily="18" charset="0"/>
@@ -7084,7 +7058,7 @@
       </p:grpSpPr>
       <p:sp>
         <p:nvSpPr>
-          <p:cNvPr id="129026" name="Slide Image Placeholder 1"/>
+          <p:cNvPr id="126978" name="Slide Image Placeholder 1"/>
           <p:cNvSpPr>
             <a:spLocks noGrp="1" noRot="1" noChangeAspect="1" noTextEdit="1"/>
           </p:cNvSpPr>
@@ -7102,7 +7076,7 @@
       </p:sp>
       <p:sp>
         <p:nvSpPr>
-          <p:cNvPr id="129027" name="Notes Placeholder 2"/>
+          <p:cNvPr id="126979" name="Notes Placeholder 2"/>
           <p:cNvSpPr>
             <a:spLocks noGrp="1"/>
           </p:cNvSpPr>
@@ -7126,7 +7100,7 @@
       </p:sp>
       <p:sp>
         <p:nvSpPr>
-          <p:cNvPr id="129028" name="Slide Number Placeholder 3"/>
+          <p:cNvPr id="126980" name="Slide Number Placeholder 3"/>
           <p:cNvSpPr>
             <a:spLocks noGrp="1"/>
           </p:cNvSpPr>
@@ -7145,7 +7119,7 @@
               <a:buFont typeface="Times New Roman" pitchFamily="18" charset="0"/>
               <a:buNone/>
             </a:pPr>
-            <a:fld id="{B645BFC5-31F6-46A4-ABAF-D0D067EC2E6F}" type="slidenum">
+            <a:fld id="{F08DD13B-7774-4E75-935D-173C6F05003E}" type="slidenum">
               <a:rPr lang="en-GB" smtClean="0">
                 <a:latin typeface="Times New Roman" pitchFamily="18" charset="0"/>
                 <a:cs typeface="Times New Roman" pitchFamily="18" charset="0"/>
@@ -7190,7 +7164,7 @@
       </p:grpSpPr>
       <p:sp>
         <p:nvSpPr>
-          <p:cNvPr id="130050" name="Slide Image Placeholder 1"/>
+          <p:cNvPr id="128002" name="Slide Image Placeholder 1"/>
           <p:cNvSpPr>
             <a:spLocks noGrp="1" noRot="1" noChangeAspect="1" noTextEdit="1"/>
           </p:cNvSpPr>
@@ -7208,7 +7182,7 @@
       </p:sp>
       <p:sp>
         <p:nvSpPr>
-          <p:cNvPr id="130051" name="Notes Placeholder 2"/>
+          <p:cNvPr id="128003" name="Notes Placeholder 2"/>
           <p:cNvSpPr>
             <a:spLocks noGrp="1"/>
           </p:cNvSpPr>
@@ -7232,7 +7206,7 @@
       </p:sp>
       <p:sp>
         <p:nvSpPr>
-          <p:cNvPr id="130052" name="Slide Number Placeholder 3"/>
+          <p:cNvPr id="128004" name="Slide Number Placeholder 3"/>
           <p:cNvSpPr>
             <a:spLocks noGrp="1"/>
           </p:cNvSpPr>
@@ -7251,7 +7225,7 @@
               <a:buFont typeface="Times New Roman" pitchFamily="18" charset="0"/>
               <a:buNone/>
             </a:pPr>
-            <a:fld id="{D9951F72-34DF-4577-87D5-06C4E9533D4D}" type="slidenum">
+            <a:fld id="{D03FE004-AF92-433A-8AF1-13994AECEAD5}" type="slidenum">
               <a:rPr lang="en-GB" smtClean="0">
                 <a:latin typeface="Times New Roman" pitchFamily="18" charset="0"/>
                 <a:cs typeface="Times New Roman" pitchFamily="18" charset="0"/>
@@ -7296,7 +7270,7 @@
       </p:grpSpPr>
       <p:sp>
         <p:nvSpPr>
-          <p:cNvPr id="131074" name="Slide Image Placeholder 1"/>
+          <p:cNvPr id="129026" name="Slide Image Placeholder 1"/>
           <p:cNvSpPr>
             <a:spLocks noGrp="1" noRot="1" noChangeAspect="1" noTextEdit="1"/>
           </p:cNvSpPr>
@@ -7314,7 +7288,7 @@
       </p:sp>
       <p:sp>
         <p:nvSpPr>
-          <p:cNvPr id="131075" name="Notes Placeholder 2"/>
+          <p:cNvPr id="129027" name="Notes Placeholder 2"/>
           <p:cNvSpPr>
             <a:spLocks noGrp="1"/>
           </p:cNvSpPr>
@@ -7338,7 +7312,7 @@
       </p:sp>
       <p:sp>
         <p:nvSpPr>
-          <p:cNvPr id="131076" name="Slide Number Placeholder 3"/>
+          <p:cNvPr id="129028" name="Slide Number Placeholder 3"/>
           <p:cNvSpPr>
             <a:spLocks noGrp="1"/>
           </p:cNvSpPr>
@@ -7357,7 +7331,7 @@
               <a:buFont typeface="Times New Roman" pitchFamily="18" charset="0"/>
               <a:buNone/>
             </a:pPr>
-            <a:fld id="{2633506B-D02E-433A-BE71-8B81D2C48C45}" type="slidenum">
+            <a:fld id="{B645BFC5-31F6-46A4-ABAF-D0D067EC2E6F}" type="slidenum">
               <a:rPr lang="en-GB" smtClean="0">
                 <a:latin typeface="Times New Roman" pitchFamily="18" charset="0"/>
                 <a:cs typeface="Times New Roman" pitchFamily="18" charset="0"/>
@@ -7402,7 +7376,7 @@
       </p:grpSpPr>
       <p:sp>
         <p:nvSpPr>
-          <p:cNvPr id="132098" name="Slide Image Placeholder 1"/>
+          <p:cNvPr id="130050" name="Slide Image Placeholder 1"/>
           <p:cNvSpPr>
             <a:spLocks noGrp="1" noRot="1" noChangeAspect="1" noTextEdit="1"/>
           </p:cNvSpPr>
@@ -7420,7 +7394,7 @@
       </p:sp>
       <p:sp>
         <p:nvSpPr>
-          <p:cNvPr id="132099" name="Notes Placeholder 2"/>
+          <p:cNvPr id="130051" name="Notes Placeholder 2"/>
           <p:cNvSpPr>
             <a:spLocks noGrp="1"/>
           </p:cNvSpPr>
@@ -7444,7 +7418,7 @@
       </p:sp>
       <p:sp>
         <p:nvSpPr>
-          <p:cNvPr id="132100" name="Slide Number Placeholder 3"/>
+          <p:cNvPr id="130052" name="Slide Number Placeholder 3"/>
           <p:cNvSpPr>
             <a:spLocks noGrp="1"/>
           </p:cNvSpPr>
@@ -7463,7 +7437,7 @@
               <a:buFont typeface="Times New Roman" pitchFamily="18" charset="0"/>
               <a:buNone/>
             </a:pPr>
-            <a:fld id="{6DACF5D2-DD92-472D-B2BE-6B5FAD250039}" type="slidenum">
+            <a:fld id="{D9951F72-34DF-4577-87D5-06C4E9533D4D}" type="slidenum">
               <a:rPr lang="en-GB" smtClean="0">
                 <a:latin typeface="Times New Roman" pitchFamily="18" charset="0"/>
                 <a:cs typeface="Times New Roman" pitchFamily="18" charset="0"/>
@@ -7473,6 +7447,112 @@
                 <a:buNone/>
               </a:pPr>
               <a:t>58</a:t>
+            </a:fld>
+            <a:endParaRPr lang="en-GB" smtClean="0">
+              <a:latin typeface="Times New Roman" pitchFamily="18" charset="0"/>
+              <a:cs typeface="Times New Roman" pitchFamily="18" charset="0"/>
+            </a:endParaRPr>
+          </a:p>
+        </p:txBody>
+      </p:sp>
+    </p:spTree>
+  </p:cSld>
+  <p:clrMapOvr>
+    <a:masterClrMapping/>
+  </p:clrMapOvr>
+</p:notes>
+</file>
+
+<file path=ppt/notesSlides/notesSlide59.xml><?xml version="1.0" encoding="utf-8"?>
+<p:notes xmlns:a="http://schemas.openxmlformats.org/drawingml/2006/main" xmlns:r="http://schemas.openxmlformats.org/officeDocument/2006/relationships" xmlns:p="http://schemas.openxmlformats.org/presentationml/2006/main">
+  <p:cSld>
+    <p:spTree>
+      <p:nvGrpSpPr>
+        <p:cNvPr id="1" name=""/>
+        <p:cNvGrpSpPr/>
+        <p:nvPr/>
+      </p:nvGrpSpPr>
+      <p:grpSpPr>
+        <a:xfrm>
+          <a:off x="0" y="0"/>
+          <a:ext cx="0" cy="0"/>
+          <a:chOff x="0" y="0"/>
+          <a:chExt cx="0" cy="0"/>
+        </a:xfrm>
+      </p:grpSpPr>
+      <p:sp>
+        <p:nvSpPr>
+          <p:cNvPr id="131074" name="Slide Image Placeholder 1"/>
+          <p:cNvSpPr>
+            <a:spLocks noGrp="1" noRot="1" noChangeAspect="1" noTextEdit="1"/>
+          </p:cNvSpPr>
+          <p:nvPr>
+            <p:ph type="sldImg"/>
+          </p:nvPr>
+        </p:nvSpPr>
+        <p:spPr>
+          <a:xfrm>
+            <a:off x="889000" y="457200"/>
+            <a:ext cx="5076825" cy="3806825"/>
+          </a:xfrm>
+          <a:ln/>
+        </p:spPr>
+      </p:sp>
+      <p:sp>
+        <p:nvSpPr>
+          <p:cNvPr id="131075" name="Notes Placeholder 2"/>
+          <p:cNvSpPr>
+            <a:spLocks noGrp="1"/>
+          </p:cNvSpPr>
+          <p:nvPr>
+            <p:ph type="body" idx="1"/>
+          </p:nvPr>
+        </p:nvSpPr>
+        <p:spPr>
+          <a:noFill/>
+          <a:ln/>
+        </p:spPr>
+        <p:txBody>
+          <a:bodyPr/>
+          <a:lstStyle/>
+          <a:p>
+            <a:endParaRPr lang="en-US" smtClean="0">
+              <a:latin typeface="Times New Roman" pitchFamily="18" charset="0"/>
+            </a:endParaRPr>
+          </a:p>
+        </p:txBody>
+      </p:sp>
+      <p:sp>
+        <p:nvSpPr>
+          <p:cNvPr id="131076" name="Slide Number Placeholder 3"/>
+          <p:cNvSpPr>
+            <a:spLocks noGrp="1"/>
+          </p:cNvSpPr>
+          <p:nvPr>
+            <p:ph type="sldNum" sz="quarter"/>
+          </p:nvPr>
+        </p:nvSpPr>
+        <p:spPr>
+          <a:noFill/>
+        </p:spPr>
+        <p:txBody>
+          <a:bodyPr/>
+          <a:lstStyle/>
+          <a:p>
+            <a:pPr>
+              <a:buFont typeface="Times New Roman" pitchFamily="18" charset="0"/>
+              <a:buNone/>
+            </a:pPr>
+            <a:fld id="{2633506B-D02E-433A-BE71-8B81D2C48C45}" type="slidenum">
+              <a:rPr lang="en-GB" smtClean="0">
+                <a:latin typeface="Times New Roman" pitchFamily="18" charset="0"/>
+                <a:cs typeface="Times New Roman" pitchFamily="18" charset="0"/>
+              </a:rPr>
+              <a:pPr>
+                <a:buFont typeface="Times New Roman" pitchFamily="18" charset="0"/>
+                <a:buNone/>
+              </a:pPr>
+              <a:t>59</a:t>
             </a:fld>
             <a:endParaRPr lang="en-GB" smtClean="0">
               <a:latin typeface="Times New Roman" pitchFamily="18" charset="0"/>
@@ -7751,6 +7831,112 @@
           </a:xfrm>
           <a:ln/>
         </p:spPr>
+      </p:sp>
+    </p:spTree>
+  </p:cSld>
+  <p:clrMapOvr>
+    <a:masterClrMapping/>
+  </p:clrMapOvr>
+</p:notes>
+</file>
+
+<file path=ppt/notesSlides/notesSlide60.xml><?xml version="1.0" encoding="utf-8"?>
+<p:notes xmlns:a="http://schemas.openxmlformats.org/drawingml/2006/main" xmlns:r="http://schemas.openxmlformats.org/officeDocument/2006/relationships" xmlns:p="http://schemas.openxmlformats.org/presentationml/2006/main">
+  <p:cSld>
+    <p:spTree>
+      <p:nvGrpSpPr>
+        <p:cNvPr id="1" name=""/>
+        <p:cNvGrpSpPr/>
+        <p:nvPr/>
+      </p:nvGrpSpPr>
+      <p:grpSpPr>
+        <a:xfrm>
+          <a:off x="0" y="0"/>
+          <a:ext cx="0" cy="0"/>
+          <a:chOff x="0" y="0"/>
+          <a:chExt cx="0" cy="0"/>
+        </a:xfrm>
+      </p:grpSpPr>
+      <p:sp>
+        <p:nvSpPr>
+          <p:cNvPr id="132098" name="Slide Image Placeholder 1"/>
+          <p:cNvSpPr>
+            <a:spLocks noGrp="1" noRot="1" noChangeAspect="1" noTextEdit="1"/>
+          </p:cNvSpPr>
+          <p:nvPr>
+            <p:ph type="sldImg"/>
+          </p:nvPr>
+        </p:nvSpPr>
+        <p:spPr>
+          <a:xfrm>
+            <a:off x="889000" y="457200"/>
+            <a:ext cx="5076825" cy="3806825"/>
+          </a:xfrm>
+          <a:ln/>
+        </p:spPr>
+      </p:sp>
+      <p:sp>
+        <p:nvSpPr>
+          <p:cNvPr id="132099" name="Notes Placeholder 2"/>
+          <p:cNvSpPr>
+            <a:spLocks noGrp="1"/>
+          </p:cNvSpPr>
+          <p:nvPr>
+            <p:ph type="body" idx="1"/>
+          </p:nvPr>
+        </p:nvSpPr>
+        <p:spPr>
+          <a:noFill/>
+          <a:ln/>
+        </p:spPr>
+        <p:txBody>
+          <a:bodyPr/>
+          <a:lstStyle/>
+          <a:p>
+            <a:endParaRPr lang="en-US" smtClean="0">
+              <a:latin typeface="Times New Roman" pitchFamily="18" charset="0"/>
+            </a:endParaRPr>
+          </a:p>
+        </p:txBody>
+      </p:sp>
+      <p:sp>
+        <p:nvSpPr>
+          <p:cNvPr id="132100" name="Slide Number Placeholder 3"/>
+          <p:cNvSpPr>
+            <a:spLocks noGrp="1"/>
+          </p:cNvSpPr>
+          <p:nvPr>
+            <p:ph type="sldNum" sz="quarter"/>
+          </p:nvPr>
+        </p:nvSpPr>
+        <p:spPr>
+          <a:noFill/>
+        </p:spPr>
+        <p:txBody>
+          <a:bodyPr/>
+          <a:lstStyle/>
+          <a:p>
+            <a:pPr>
+              <a:buFont typeface="Times New Roman" pitchFamily="18" charset="0"/>
+              <a:buNone/>
+            </a:pPr>
+            <a:fld id="{6DACF5D2-DD92-472D-B2BE-6B5FAD250039}" type="slidenum">
+              <a:rPr lang="en-GB" smtClean="0">
+                <a:latin typeface="Times New Roman" pitchFamily="18" charset="0"/>
+                <a:cs typeface="Times New Roman" pitchFamily="18" charset="0"/>
+              </a:rPr>
+              <a:pPr>
+                <a:buFont typeface="Times New Roman" pitchFamily="18" charset="0"/>
+                <a:buNone/>
+              </a:pPr>
+              <a:t>60</a:t>
+            </a:fld>
+            <a:endParaRPr lang="en-GB" smtClean="0">
+              <a:latin typeface="Times New Roman" pitchFamily="18" charset="0"/>
+              <a:cs typeface="Times New Roman" pitchFamily="18" charset="0"/>
+            </a:endParaRPr>
+          </a:p>
+        </p:txBody>
       </p:sp>
     </p:spTree>
   </p:cSld>
@@ -22744,7 +22930,7 @@
               </a:pPr>
               <a:t>22</a:t>
             </a:fld>
-            <a:endParaRPr lang="en-GB" smtClean="0">
+            <a:endParaRPr lang="en-GB" dirty="0" smtClean="0">
               <a:latin typeface="Times New Roman" pitchFamily="18" charset="0"/>
               <a:ea typeface="Arial Unicode MS" pitchFamily="34" charset="-128"/>
               <a:cs typeface="Arial Unicode MS" pitchFamily="34" charset="-128"/>
@@ -22786,12 +22972,12 @@
       </p:grpSpPr>
       <p:sp>
         <p:nvSpPr>
-          <p:cNvPr id="35842" name="Title 1"/>
+          <p:cNvPr id="2" name="Title 1"/>
           <p:cNvSpPr>
             <a:spLocks noGrp="1"/>
           </p:cNvSpPr>
           <p:nvPr>
-            <p:ph type="ctrTitle"/>
+            <p:ph type="title"/>
           </p:nvPr>
         </p:nvSpPr>
         <p:spPr/>
@@ -22800,20 +22986,21 @@
           <a:lstStyle/>
           <a:p>
             <a:r>
-              <a:rPr lang="en-US" smtClean="0"/>
-              <a:t>Small History of Crank</a:t>
-            </a:r>
-          </a:p>
-        </p:txBody>
-      </p:sp>
-      <p:sp>
-        <p:nvSpPr>
-          <p:cNvPr id="35843" name="Subtitle 2"/>
+              <a:rPr lang="en-US" dirty="0" smtClean="0"/>
+              <a:t>Finder Methods get mixed in</a:t>
+            </a:r>
+            <a:endParaRPr lang="en-US" dirty="0"/>
+          </a:p>
+        </p:txBody>
+      </p:sp>
+      <p:sp>
+        <p:nvSpPr>
+          <p:cNvPr id="3" name="Footer Placeholder 2"/>
           <p:cNvSpPr>
             <a:spLocks noGrp="1"/>
           </p:cNvSpPr>
           <p:nvPr>
-            <p:ph type="subTitle" idx="1"/>
+            <p:ph type="ftr" idx="10"/>
           </p:nvPr>
         </p:nvSpPr>
         <p:spPr/>
@@ -22821,61 +23008,61 @@
           <a:bodyPr/>
           <a:lstStyle/>
           <a:p>
-            <a:endParaRPr lang="en-US" smtClean="0"/>
-          </a:p>
-        </p:txBody>
-      </p:sp>
-      <p:sp>
-        <p:nvSpPr>
-          <p:cNvPr id="35844" name="Footer Placeholder 3"/>
-          <p:cNvSpPr>
-            <a:spLocks noGrp="1"/>
-          </p:cNvSpPr>
-          <p:nvPr>
-            <p:ph type="ftr" sz="quarter" idx="10"/>
-          </p:nvPr>
-        </p:nvSpPr>
-        <p:spPr>
+            <a:pPr>
+              <a:defRPr/>
+            </a:pPr>
+            <a:r>
+              <a:rPr lang="en-GB" smtClean="0"/>
+              <a:t>©ArcMind, Inc. </a:t>
+            </a:r>
+            <a:r>
+              <a:rPr lang="en-GB" i="1" smtClean="0"/>
+              <a:t>“Know The Next”   </a:t>
+            </a:r>
+            <a:r>
+              <a:rPr lang="en-GB" smtClean="0"/>
+              <a:t>2004-2007</a:t>
+            </a:r>
+            <a:endParaRPr lang="en-GB"/>
+          </a:p>
+        </p:txBody>
+      </p:sp>
+      <p:pic>
+        <p:nvPicPr>
+          <p:cNvPr id="163843" name="Picture 3"/>
+          <p:cNvPicPr>
+            <a:picLocks noChangeAspect="1" noChangeArrowheads="1"/>
+          </p:cNvPicPr>
+          <p:nvPr/>
+        </p:nvPicPr>
+        <p:blipFill>
+          <a:blip r:embed="rId3"/>
+          <a:srcRect/>
+          <a:stretch>
+            <a:fillRect/>
+          </a:stretch>
+        </p:blipFill>
+        <p:spPr bwMode="auto">
+          <a:xfrm>
+            <a:off x="447675" y="1390650"/>
+            <a:ext cx="8248650" cy="5238750"/>
+          </a:xfrm>
+          <a:prstGeom prst="rect">
+            <a:avLst/>
+          </a:prstGeom>
           <a:noFill/>
-        </p:spPr>
-        <p:txBody>
-          <a:bodyPr/>
-          <a:lstStyle/>
-          <a:p>
-            <a:pPr>
-              <a:buFont typeface="verdana" pitchFamily="34" charset="0"/>
-              <a:buNone/>
-            </a:pPr>
-            <a:r>
-              <a:rPr lang="en-GB" smtClean="0">
-                <a:latin typeface="verdana" pitchFamily="34" charset="0"/>
-                <a:ea typeface="Arial Unicode MS" pitchFamily="34" charset="-128"/>
-                <a:cs typeface="Arial Unicode MS" pitchFamily="34" charset="-128"/>
-              </a:rPr>
-              <a:t>©ArcMind, Inc. </a:t>
-            </a:r>
-            <a:r>
-              <a:rPr lang="en-GB" i="1" smtClean="0">
-                <a:latin typeface="verdana" pitchFamily="34" charset="0"/>
-                <a:ea typeface="Arial Unicode MS" pitchFamily="34" charset="-128"/>
-                <a:cs typeface="Arial Unicode MS" pitchFamily="34" charset="-128"/>
-              </a:rPr>
-              <a:t>“Know The Next”   </a:t>
-            </a:r>
-            <a:r>
-              <a:rPr lang="en-GB" smtClean="0">
-                <a:latin typeface="verdana" pitchFamily="34" charset="0"/>
-                <a:ea typeface="Arial Unicode MS" pitchFamily="34" charset="-128"/>
-                <a:cs typeface="Arial Unicode MS" pitchFamily="34" charset="-128"/>
-              </a:rPr>
-              <a:t>2004-2008</a:t>
-            </a:r>
-          </a:p>
-        </p:txBody>
-      </p:sp>
-      <p:sp>
-        <p:nvSpPr>
-          <p:cNvPr id="35845" name="Rectangle 11"/>
+          <a:ln w="9525">
+            <a:noFill/>
+            <a:miter lim="800000"/>
+            <a:headEnd/>
+            <a:tailEnd/>
+          </a:ln>
+          <a:effectLst/>
+        </p:spPr>
+      </p:pic>
+      <p:sp>
+        <p:nvSpPr>
+          <p:cNvPr id="7" name="Rectangle 11"/>
           <p:cNvSpPr>
             <a:spLocks noGrp="1" noChangeArrowheads="1"/>
           </p:cNvSpPr>
@@ -22898,7 +23085,7 @@
               <a:buFont typeface="Wingdings" pitchFamily="2" charset="2"/>
               <a:buNone/>
             </a:pPr>
-            <a:fld id="{B670DE8D-777D-4F65-86FB-4EF089897A54}" type="slidenum">
+            <a:fld id="{8E99A93B-85EC-4D24-8B0B-59CEDE10E9C1}" type="slidenum">
               <a:rPr lang="en-GB" smtClean="0">
                 <a:latin typeface="Times New Roman" pitchFamily="18" charset="0"/>
                 <a:ea typeface="Arial Unicode MS" pitchFamily="34" charset="-128"/>
@@ -22910,7 +23097,7 @@
               </a:pPr>
               <a:t>23</a:t>
             </a:fld>
-            <a:endParaRPr lang="en-GB" smtClean="0">
+            <a:endParaRPr lang="en-GB" dirty="0" smtClean="0">
               <a:latin typeface="Times New Roman" pitchFamily="18" charset="0"/>
               <a:ea typeface="Arial Unicode MS" pitchFamily="34" charset="-128"/>
               <a:cs typeface="Arial Unicode MS" pitchFamily="34" charset="-128"/>
@@ -22945,7 +23132,7 @@
       </p:grpSpPr>
       <p:sp>
         <p:nvSpPr>
-          <p:cNvPr id="36866" name="Title 1"/>
+          <p:cNvPr id="2" name="Title 1"/>
           <p:cNvSpPr>
             <a:spLocks noGrp="1"/>
           </p:cNvSpPr>
@@ -22959,20 +23146,21 @@
           <a:lstStyle/>
           <a:p>
             <a:r>
-              <a:rPr lang="en-US" smtClean="0"/>
-              <a:t>Evolution of Crank</a:t>
-            </a:r>
-          </a:p>
-        </p:txBody>
-      </p:sp>
-      <p:sp>
-        <p:nvSpPr>
-          <p:cNvPr id="36867" name="Content Placeholder 2"/>
+              <a:rPr lang="en-US" dirty="0" smtClean="0"/>
+              <a:t>Finder Methods get mixed in</a:t>
+            </a:r>
+            <a:endParaRPr lang="en-US" dirty="0"/>
+          </a:p>
+        </p:txBody>
+      </p:sp>
+      <p:sp>
+        <p:nvSpPr>
+          <p:cNvPr id="3" name="Footer Placeholder 2"/>
           <p:cNvSpPr>
             <a:spLocks noGrp="1"/>
           </p:cNvSpPr>
           <p:nvPr>
-            <p:ph idx="1"/>
+            <p:ph type="ftr" idx="10"/>
           </p:nvPr>
         </p:nvSpPr>
         <p:spPr/>
@@ -22980,152 +23168,139 @@
           <a:bodyPr/>
           <a:lstStyle/>
           <a:p>
-            <a:r>
-              <a:rPr lang="en-US" smtClean="0"/>
-              <a:t>1</a:t>
-            </a:r>
-            <a:r>
-              <a:rPr lang="en-US" baseline="30000" smtClean="0"/>
-              <a:t>st</a:t>
-            </a:r>
-            <a:r>
-              <a:rPr lang="en-US" smtClean="0"/>
-              <a:t> Web Crud Framework I wrote written with Struts, EJB 2.x and JSP (2001)</a:t>
-            </a:r>
-          </a:p>
-          <a:p>
-            <a:r>
-              <a:rPr lang="en-US" smtClean="0"/>
-              <a:t>Had validation based on property names</a:t>
-            </a:r>
-          </a:p>
-          <a:p>
-            <a:r>
-              <a:rPr lang="en-US" smtClean="0"/>
-              <a:t>Used Jython to generate starter code</a:t>
-            </a:r>
-          </a:p>
-          <a:p>
-            <a:pPr lvl="1"/>
-            <a:r>
-              <a:rPr lang="en-US" smtClean="0"/>
-              <a:t>Learned about tradeoffs between code gen vs. framework</a:t>
-            </a:r>
-          </a:p>
-          <a:p>
-            <a:r>
-              <a:rPr lang="en-US" smtClean="0"/>
-              <a:t>2</a:t>
-            </a:r>
-            <a:r>
-              <a:rPr lang="en-US" baseline="30000" smtClean="0"/>
-              <a:t>nd</a:t>
-            </a:r>
-            <a:r>
-              <a:rPr lang="en-US" smtClean="0"/>
-              <a:t> Web Crud Framework JSF, 2004</a:t>
-            </a:r>
-          </a:p>
-          <a:p>
-            <a:pPr lvl="1"/>
-            <a:r>
-              <a:rPr lang="en-US" smtClean="0"/>
-              <a:t>Wow, nice and easy; needed many CRUD listings wrote small framework</a:t>
-            </a:r>
-          </a:p>
-          <a:p>
-            <a:r>
-              <a:rPr lang="en-US" smtClean="0"/>
-              <a:t>3</a:t>
-            </a:r>
-            <a:r>
-              <a:rPr lang="en-US" baseline="30000" smtClean="0"/>
-              <a:t>rd</a:t>
-            </a:r>
-            <a:r>
-              <a:rPr lang="en-US" smtClean="0"/>
-              <a:t> Web Crud Framework Presto, 2005</a:t>
-            </a:r>
-          </a:p>
-          <a:p>
-            <a:r>
-              <a:rPr lang="en-US" smtClean="0"/>
-              <a:t>4</a:t>
-            </a:r>
-            <a:r>
-              <a:rPr lang="en-US" baseline="30000" smtClean="0"/>
-              <a:t>th</a:t>
-            </a:r>
-            <a:r>
-              <a:rPr lang="en-US" smtClean="0"/>
-              <a:t> Web Crud Framework Crank</a:t>
-            </a:r>
-          </a:p>
-          <a:p>
-            <a:pPr lvl="1"/>
-            <a:endParaRPr lang="en-US" smtClean="0"/>
-          </a:p>
-        </p:txBody>
-      </p:sp>
-      <p:sp>
-        <p:nvSpPr>
-          <p:cNvPr id="36868" name="Footer Placeholder 3"/>
-          <p:cNvSpPr>
-            <a:spLocks noGrp="1"/>
-          </p:cNvSpPr>
-          <p:nvPr>
-            <p:ph type="ftr" sz="quarter" idx="10"/>
+            <a:pPr>
+              <a:defRPr/>
+            </a:pPr>
+            <a:r>
+              <a:rPr lang="en-GB" smtClean="0"/>
+              <a:t>©ArcMind, Inc. </a:t>
+            </a:r>
+            <a:r>
+              <a:rPr lang="en-GB" i="1" smtClean="0"/>
+              <a:t>“Know The Next”   </a:t>
+            </a:r>
+            <a:r>
+              <a:rPr lang="en-GB" smtClean="0"/>
+              <a:t>2004-2007</a:t>
+            </a:r>
+            <a:endParaRPr lang="en-GB"/>
+          </a:p>
+        </p:txBody>
+      </p:sp>
+      <p:pic>
+        <p:nvPicPr>
+          <p:cNvPr id="163843" name="Picture 3"/>
+          <p:cNvPicPr>
+            <a:picLocks noChangeAspect="1" noChangeArrowheads="1"/>
+          </p:cNvPicPr>
+          <p:nvPr/>
+        </p:nvPicPr>
+        <p:blipFill>
+          <a:blip r:embed="rId3"/>
+          <a:srcRect/>
+          <a:stretch>
+            <a:fillRect/>
+          </a:stretch>
+        </p:blipFill>
+        <p:spPr bwMode="auto">
+          <a:xfrm>
+            <a:off x="447675" y="1390650"/>
+            <a:ext cx="8248650" cy="5238750"/>
+          </a:xfrm>
+          <a:prstGeom prst="rect">
+            <a:avLst/>
+          </a:prstGeom>
+          <a:ln>
+            <a:noFill/>
+          </a:ln>
+          <a:effectLst>
+            <a:outerShdw blurRad="292100" dist="139700" dir="2700000" algn="tl" rotWithShape="0">
+              <a:srgbClr val="333333">
+                <a:alpha val="65000"/>
+              </a:srgbClr>
+            </a:outerShdw>
+          </a:effectLst>
+        </p:spPr>
+      </p:pic>
+      <p:pic>
+        <p:nvPicPr>
+          <p:cNvPr id="163844" name="Picture 4"/>
+          <p:cNvPicPr>
+            <a:picLocks noChangeAspect="1" noChangeArrowheads="1"/>
+          </p:cNvPicPr>
+          <p:nvPr/>
+        </p:nvPicPr>
+        <p:blipFill>
+          <a:blip r:embed="rId4"/>
+          <a:srcRect/>
+          <a:stretch>
+            <a:fillRect/>
+          </a:stretch>
+        </p:blipFill>
+        <p:spPr bwMode="auto">
+          <a:xfrm>
+            <a:off x="1600200" y="2590800"/>
+            <a:ext cx="7191375" cy="2619375"/>
+          </a:xfrm>
+          <a:prstGeom prst="rect">
+            <a:avLst/>
+          </a:prstGeom>
+          <a:ln>
+            <a:noFill/>
+          </a:ln>
+          <a:effectLst>
+            <a:outerShdw blurRad="292100" dist="139700" dir="2700000" algn="tl" rotWithShape="0">
+              <a:srgbClr val="333333">
+                <a:alpha val="65000"/>
+              </a:srgbClr>
+            </a:outerShdw>
+          </a:effectLst>
+        </p:spPr>
+      </p:pic>
+      <p:cxnSp>
+        <p:nvCxnSpPr>
+          <p:cNvPr id="7" name="Straight Connector 6"/>
+          <p:cNvCxnSpPr/>
+          <p:nvPr/>
+        </p:nvCxnSpPr>
+        <p:spPr bwMode="auto">
+          <a:xfrm rot="16200000" flipV="1">
+            <a:off x="4305300" y="3086100"/>
+            <a:ext cx="2590800" cy="381000"/>
+          </a:xfrm>
+          <a:prstGeom prst="line">
+            <a:avLst/>
+          </a:prstGeom>
+          <a:solidFill>
+            <a:srgbClr val="00B8FF"/>
+          </a:solidFill>
+          <a:ln w="9525" cap="flat" cmpd="sng" algn="ctr">
+            <a:solidFill>
+              <a:schemeClr val="tx1"/>
+            </a:solidFill>
+            <a:prstDash val="solid"/>
+            <a:round/>
+            <a:headEnd type="none" w="med" len="med"/>
+            <a:tailEnd type="none" w="med" len="med"/>
+          </a:ln>
+          <a:effectLst/>
+        </p:spPr>
+      </p:cxnSp>
+      <p:sp>
+        <p:nvSpPr>
+          <p:cNvPr id="8" name="Rectangle 11"/>
+          <p:cNvSpPr>
+            <a:spLocks noGrp="1" noChangeArrowheads="1"/>
+          </p:cNvSpPr>
+          <p:nvPr>
+            <p:ph type="sldNum" sz="quarter" idx="11"/>
           </p:nvPr>
         </p:nvSpPr>
         <p:spPr>
-          <a:noFill/>
-        </p:spPr>
-        <p:txBody>
-          <a:bodyPr/>
-          <a:lstStyle/>
-          <a:p>
-            <a:pPr>
-              <a:buFont typeface="verdana" pitchFamily="34" charset="0"/>
-              <a:buNone/>
-            </a:pPr>
-            <a:r>
-              <a:rPr lang="en-GB" smtClean="0">
-                <a:latin typeface="verdana" pitchFamily="34" charset="0"/>
-                <a:ea typeface="Arial Unicode MS" pitchFamily="34" charset="-128"/>
-                <a:cs typeface="Arial Unicode MS" pitchFamily="34" charset="-128"/>
-              </a:rPr>
-              <a:t>©ArcMind, Inc. </a:t>
-            </a:r>
-            <a:r>
-              <a:rPr lang="en-GB" i="1" smtClean="0">
-                <a:latin typeface="verdana" pitchFamily="34" charset="0"/>
-                <a:ea typeface="Arial Unicode MS" pitchFamily="34" charset="-128"/>
-                <a:cs typeface="Arial Unicode MS" pitchFamily="34" charset="-128"/>
-              </a:rPr>
-              <a:t>“Know The Next”   </a:t>
-            </a:r>
-            <a:r>
-              <a:rPr lang="en-GB" smtClean="0">
-                <a:latin typeface="verdana" pitchFamily="34" charset="0"/>
-                <a:ea typeface="Arial Unicode MS" pitchFamily="34" charset="-128"/>
-                <a:cs typeface="Arial Unicode MS" pitchFamily="34" charset="-128"/>
-              </a:rPr>
-              <a:t>2004-2008</a:t>
-            </a:r>
-          </a:p>
-        </p:txBody>
-      </p:sp>
-      <p:sp>
-        <p:nvSpPr>
-          <p:cNvPr id="36869" name="Rectangle 11"/>
-          <p:cNvSpPr>
-            <a:spLocks noGrp="1" noChangeArrowheads="1"/>
-          </p:cNvSpPr>
-          <p:nvPr>
-            <p:ph type="sldNum" sz="quarter" idx="11"/>
-          </p:nvPr>
-        </p:nvSpPr>
-        <p:spPr>
+          <a:xfrm>
+            <a:off x="7010400" y="6551613"/>
+            <a:ext cx="1901825" cy="306387"/>
+          </a:xfrm>
           <a:noFill/>
         </p:spPr>
         <p:txBody>
@@ -23136,7 +23311,7 @@
               <a:buFont typeface="Wingdings" pitchFamily="2" charset="2"/>
               <a:buNone/>
             </a:pPr>
-            <a:fld id="{73582466-C4F5-45E9-83F1-12F7003FA029}" type="slidenum">
+            <a:fld id="{8E99A93B-85EC-4D24-8B0B-59CEDE10E9C1}" type="slidenum">
               <a:rPr lang="en-GB" smtClean="0">
                 <a:latin typeface="Times New Roman" pitchFamily="18" charset="0"/>
                 <a:ea typeface="Arial Unicode MS" pitchFamily="34" charset="-128"/>
@@ -23148,7 +23323,7 @@
               </a:pPr>
               <a:t>24</a:t>
             </a:fld>
-            <a:endParaRPr lang="en-GB" smtClean="0">
+            <a:endParaRPr lang="en-GB" dirty="0" smtClean="0">
               <a:latin typeface="Times New Roman" pitchFamily="18" charset="0"/>
               <a:ea typeface="Arial Unicode MS" pitchFamily="34" charset="-128"/>
               <a:cs typeface="Arial Unicode MS" pitchFamily="34" charset="-128"/>
@@ -23183,12 +23358,12 @@
       </p:grpSpPr>
       <p:sp>
         <p:nvSpPr>
-          <p:cNvPr id="37890" name="Title 1"/>
+          <p:cNvPr id="35842" name="Title 1"/>
           <p:cNvSpPr>
             <a:spLocks noGrp="1"/>
           </p:cNvSpPr>
           <p:nvPr>
-            <p:ph type="title"/>
+            <p:ph type="ctrTitle"/>
           </p:nvPr>
         </p:nvSpPr>
         <p:spPr/>
@@ -23198,19 +23373,19 @@
           <a:p>
             <a:r>
               <a:rPr lang="en-US" smtClean="0"/>
-              <a:t>Presto (Crank’s closest cousin)</a:t>
-            </a:r>
-          </a:p>
-        </p:txBody>
-      </p:sp>
-      <p:sp>
-        <p:nvSpPr>
-          <p:cNvPr id="37891" name="Content Placeholder 2"/>
+              <a:t>Small History of Crank</a:t>
+            </a:r>
+          </a:p>
+        </p:txBody>
+      </p:sp>
+      <p:sp>
+        <p:nvSpPr>
+          <p:cNvPr id="35843" name="Subtitle 2"/>
           <p:cNvSpPr>
             <a:spLocks noGrp="1"/>
           </p:cNvSpPr>
           <p:nvPr>
-            <p:ph idx="1"/>
+            <p:ph type="subTitle" idx="1"/>
           </p:nvPr>
         </p:nvSpPr>
         <p:spPr/>
@@ -23218,77 +23393,13 @@
           <a:bodyPr/>
           <a:lstStyle/>
           <a:p>
-            <a:r>
-              <a:rPr lang="en-US" sz="2000" smtClean="0"/>
-              <a:t>Internal project, started as an example on how to combine JSF, Spring and Hibernate (Java 1.4 no annotations; big company)</a:t>
-            </a:r>
-          </a:p>
-          <a:p>
-            <a:pPr lvl="1"/>
-            <a:r>
-              <a:rPr lang="en-US" sz="1400" smtClean="0"/>
-              <a:t>18 months (3 day contract)</a:t>
-            </a:r>
-          </a:p>
-          <a:p>
-            <a:r>
-              <a:rPr lang="en-US" sz="2000" smtClean="0"/>
-              <a:t>Kept adding features, plan was to OpenSource</a:t>
-            </a:r>
-          </a:p>
-          <a:p>
-            <a:r>
-              <a:rPr lang="en-US" sz="2000" smtClean="0"/>
-              <a:t>Added code generator (Maven 2 plugins); heavy use of Facelets</a:t>
-            </a:r>
-          </a:p>
-          <a:p>
-            <a:r>
-              <a:rPr lang="en-US" sz="2000" smtClean="0"/>
-              <a:t>Now has fulltime support staff, writes documentation and FAQ</a:t>
-            </a:r>
-          </a:p>
-          <a:p>
-            <a:r>
-              <a:rPr lang="en-US" sz="2000" smtClean="0"/>
-              <a:t>Corporate Standard for new Apps (large corporation)</a:t>
-            </a:r>
-          </a:p>
-          <a:p>
-            <a:r>
-              <a:rPr lang="en-US" sz="2000" smtClean="0"/>
-              <a:t>20 to 30 applications launched on Presto, many more expected</a:t>
-            </a:r>
-          </a:p>
-          <a:p>
-            <a:r>
-              <a:rPr lang="en-US" sz="2000" smtClean="0"/>
-              <a:t>Very mature, lots of documentation, etc.</a:t>
-            </a:r>
-          </a:p>
-          <a:p>
-            <a:r>
-              <a:rPr lang="en-US" sz="2000" smtClean="0"/>
-              <a:t>Light on Java 5 features; </a:t>
-            </a:r>
-          </a:p>
-          <a:p>
-            <a:r>
-              <a:rPr lang="en-US" sz="2000" smtClean="0"/>
-              <a:t>Ported to work with iBatis in addition to JPA</a:t>
-            </a:r>
-          </a:p>
-          <a:p>
-            <a:r>
-              <a:rPr lang="en-US" sz="2000" smtClean="0"/>
-              <a:t>Crankification of Presto (possibly)</a:t>
-            </a:r>
-          </a:p>
-        </p:txBody>
-      </p:sp>
-      <p:sp>
-        <p:nvSpPr>
-          <p:cNvPr id="37892" name="Footer Placeholder 3"/>
+            <a:endParaRPr lang="en-US" smtClean="0"/>
+          </a:p>
+        </p:txBody>
+      </p:sp>
+      <p:sp>
+        <p:nvSpPr>
+          <p:cNvPr id="35844" name="Footer Placeholder 3"/>
           <p:cNvSpPr>
             <a:spLocks noGrp="1"/>
           </p:cNvSpPr>
@@ -23336,7 +23447,7 @@
       </p:sp>
       <p:sp>
         <p:nvSpPr>
-          <p:cNvPr id="37893" name="Rectangle 11"/>
+          <p:cNvPr id="35845" name="Rectangle 11"/>
           <p:cNvSpPr>
             <a:spLocks noGrp="1" noChangeArrowheads="1"/>
           </p:cNvSpPr>
@@ -23345,6 +23456,10 @@
           </p:nvPr>
         </p:nvSpPr>
         <p:spPr>
+          <a:xfrm>
+            <a:off x="7010400" y="6551613"/>
+            <a:ext cx="1901825" cy="306387"/>
+          </a:xfrm>
           <a:noFill/>
         </p:spPr>
         <p:txBody>
@@ -23355,7 +23470,7 @@
               <a:buFont typeface="Wingdings" pitchFamily="2" charset="2"/>
               <a:buNone/>
             </a:pPr>
-            <a:fld id="{DE2A9ED2-D69A-479B-8FE8-0624C78BDEBF}" type="slidenum">
+            <a:fld id="{B670DE8D-777D-4F65-86FB-4EF089897A54}" type="slidenum">
               <a:rPr lang="en-GB" smtClean="0">
                 <a:latin typeface="Times New Roman" pitchFamily="18" charset="0"/>
                 <a:ea typeface="Arial Unicode MS" pitchFamily="34" charset="-128"/>
@@ -23402,7 +23517,7 @@
       </p:grpSpPr>
       <p:sp>
         <p:nvSpPr>
-          <p:cNvPr id="38914" name="Title 1"/>
+          <p:cNvPr id="36866" name="Title 1"/>
           <p:cNvSpPr>
             <a:spLocks noGrp="1"/>
           </p:cNvSpPr>
@@ -23417,14 +23532,14 @@
           <a:p>
             <a:r>
               <a:rPr lang="en-US" smtClean="0"/>
-              <a:t>Crank</a:t>
-            </a:r>
-          </a:p>
-        </p:txBody>
-      </p:sp>
-      <p:sp>
-        <p:nvSpPr>
-          <p:cNvPr id="38915" name="Content Placeholder 2"/>
+              <a:t>Evolution of Crank</a:t>
+            </a:r>
+          </a:p>
+        </p:txBody>
+      </p:sp>
+      <p:sp>
+        <p:nvSpPr>
+          <p:cNvPr id="36867" name="Content Placeholder 2"/>
           <p:cNvSpPr>
             <a:spLocks noGrp="1"/>
           </p:cNvSpPr>
@@ -23438,77 +23553,95 @@
           <a:lstStyle/>
           <a:p>
             <a:r>
-              <a:rPr lang="en-US" sz="2000" smtClean="0"/>
-              <a:t>Open Source… Presto’s cousin (a rewrite)</a:t>
-            </a:r>
-          </a:p>
-          <a:p>
-            <a:r>
-              <a:rPr lang="en-US" sz="2000" smtClean="0"/>
-              <a:t>Developed while working on applications for Vantage Media </a:t>
+              <a:rPr lang="en-US" smtClean="0"/>
+              <a:t>1</a:t>
+            </a:r>
+            <a:r>
+              <a:rPr lang="en-US" baseline="30000" smtClean="0"/>
+              <a:t>st</a:t>
+            </a:r>
+            <a:r>
+              <a:rPr lang="en-US" smtClean="0"/>
+              <a:t> Web Crud Framework I wrote written with Struts, EJB 2.x and JSP (2001)</a:t>
+            </a:r>
+          </a:p>
+          <a:p>
+            <a:r>
+              <a:rPr lang="en-US" smtClean="0"/>
+              <a:t>Had validation based on property names</a:t>
+            </a:r>
+          </a:p>
+          <a:p>
+            <a:r>
+              <a:rPr lang="en-US" smtClean="0"/>
+              <a:t>Used Jython to generate starter code</a:t>
             </a:r>
           </a:p>
           <a:p>
             <a:pPr lvl="1"/>
             <a:r>
-              <a:rPr lang="en-US" sz="1800" smtClean="0"/>
-              <a:t>Vantage Media looking for senior Java developers, and is a great place to work</a:t>
-            </a:r>
+              <a:rPr lang="en-US" smtClean="0"/>
+              <a:t>Learned about tradeoffs between code gen vs. framework</a:t>
+            </a:r>
+          </a:p>
+          <a:p>
+            <a:r>
+              <a:rPr lang="en-US" smtClean="0"/>
+              <a:t>2</a:t>
+            </a:r>
+            <a:r>
+              <a:rPr lang="en-US" baseline="30000" smtClean="0"/>
+              <a:t>nd</a:t>
+            </a:r>
+            <a:r>
+              <a:rPr lang="en-US" smtClean="0"/>
+              <a:t> Web Crud Framework JSF, 2004</a:t>
+            </a:r>
+          </a:p>
+          <a:p>
+            <a:pPr lvl="1"/>
+            <a:r>
+              <a:rPr lang="en-US" smtClean="0"/>
+              <a:t>Wow, nice and easy; needed many CRUD listings wrote small framework</a:t>
+            </a:r>
+          </a:p>
+          <a:p>
+            <a:r>
+              <a:rPr lang="en-US" smtClean="0"/>
+              <a:t>3</a:t>
+            </a:r>
+            <a:r>
+              <a:rPr lang="en-US" baseline="30000" smtClean="0"/>
+              <a:t>rd</a:t>
+            </a:r>
+            <a:r>
+              <a:rPr lang="en-US" smtClean="0"/>
+              <a:t> Web Crud Framework Presto, 2005</a:t>
+            </a:r>
+          </a:p>
+          <a:p>
+            <a:r>
+              <a:rPr lang="en-US" smtClean="0"/>
+              <a:t>4</a:t>
+            </a:r>
+            <a:r>
+              <a:rPr lang="en-US" baseline="30000" smtClean="0"/>
+              <a:t>th</a:t>
+            </a:r>
+            <a:r>
+              <a:rPr lang="en-US" smtClean="0"/>
+              <a:t> Web Crud Framework Crank</a:t>
+            </a:r>
+          </a:p>
+          <a:p>
+            <a:pPr lvl="1"/>
             <a:endParaRPr lang="en-US" smtClean="0"/>
           </a:p>
-          <a:p>
-            <a:r>
-              <a:rPr lang="en-US" sz="2000" smtClean="0"/>
-              <a:t>Vantage Media, ArcMind Inc., corporate sponsors</a:t>
-            </a:r>
-          </a:p>
-          <a:p>
-            <a:r>
-              <a:rPr lang="en-US" sz="2000" smtClean="0"/>
-              <a:t>Crank makes heavy use of Annotations, and has support for Enums, etc.</a:t>
-            </a:r>
-          </a:p>
-          <a:p>
-            <a:r>
-              <a:rPr lang="en-US" sz="2000" smtClean="0"/>
-              <a:t>Crank is Ajaxified via Ajax4JSF</a:t>
-            </a:r>
-          </a:p>
-          <a:p>
-            <a:r>
-              <a:rPr lang="en-US" sz="2000" smtClean="0"/>
-              <a:t>Crank makes heavy use of Facelets</a:t>
-            </a:r>
-          </a:p>
-          <a:p>
-            <a:r>
-              <a:rPr lang="en-US" sz="2000" smtClean="0"/>
-              <a:t>Added Criteria API to base filtering and sorting on</a:t>
-            </a:r>
-          </a:p>
-          <a:p>
-            <a:r>
-              <a:rPr lang="en-US" sz="2000" smtClean="0"/>
-              <a:t>Controllers are divorced from JSF and are easier to test</a:t>
-            </a:r>
-          </a:p>
-          <a:p>
-            <a:r>
-              <a:rPr lang="en-US" sz="2000" smtClean="0"/>
-              <a:t>Not as mature as Presto, much more nascent</a:t>
-            </a:r>
-          </a:p>
-          <a:p>
-            <a:r>
-              <a:rPr lang="en-US" sz="2000" smtClean="0"/>
-              <a:t>No more reinventing the wheel</a:t>
-            </a:r>
-          </a:p>
-        </p:txBody>
-      </p:sp>
-      <p:sp>
-        <p:nvSpPr>
-          <p:cNvPr id="38916" name="Footer Placeholder 3"/>
+        </p:txBody>
+      </p:sp>
+      <p:sp>
+        <p:nvSpPr>
+          <p:cNvPr id="36868" name="Footer Placeholder 3"/>
           <p:cNvSpPr>
             <a:spLocks noGrp="1"/>
           </p:cNvSpPr>
@@ -23556,7 +23689,7 @@
       </p:sp>
       <p:sp>
         <p:nvSpPr>
-          <p:cNvPr id="38917" name="Rectangle 11"/>
+          <p:cNvPr id="36869" name="Rectangle 11"/>
           <p:cNvSpPr>
             <a:spLocks noGrp="1" noChangeArrowheads="1"/>
           </p:cNvSpPr>
@@ -23575,7 +23708,7 @@
               <a:buFont typeface="Wingdings" pitchFamily="2" charset="2"/>
               <a:buNone/>
             </a:pPr>
-            <a:fld id="{29D5392C-C990-434C-A1BF-ACD57A98C949}" type="slidenum">
+            <a:fld id="{73582466-C4F5-45E9-83F1-12F7003FA029}" type="slidenum">
               <a:rPr lang="en-GB" smtClean="0">
                 <a:latin typeface="Times New Roman" pitchFamily="18" charset="0"/>
                 <a:ea typeface="Arial Unicode MS" pitchFamily="34" charset="-128"/>
@@ -23622,7 +23755,7 @@
       </p:grpSpPr>
       <p:sp>
         <p:nvSpPr>
-          <p:cNvPr id="39938" name="Title 1"/>
+          <p:cNvPr id="37890" name="Title 1"/>
           <p:cNvSpPr>
             <a:spLocks noGrp="1"/>
           </p:cNvSpPr>
@@ -23637,14 +23770,14 @@
           <a:p>
             <a:r>
               <a:rPr lang="en-US" smtClean="0"/>
-              <a:t>Short term Roadmap (May 2008)</a:t>
-            </a:r>
-          </a:p>
-        </p:txBody>
-      </p:sp>
-      <p:sp>
-        <p:nvSpPr>
-          <p:cNvPr id="39939" name="Content Placeholder 2"/>
+              <a:t>Presto (Crank’s closest cousin)</a:t>
+            </a:r>
+          </a:p>
+        </p:txBody>
+      </p:sp>
+      <p:sp>
+        <p:nvSpPr>
+          <p:cNvPr id="37891" name="Content Placeholder 2"/>
           <p:cNvSpPr>
             <a:spLocks noGrp="1"/>
           </p:cNvSpPr>
@@ -23658,75 +23791,119 @@
           <a:lstStyle/>
           <a:p>
             <a:r>
-              <a:rPr lang="en-US" sz="2400" smtClean="0"/>
-              <a:t>Porting CRUD framework to Spring MVC (started)</a:t>
+              <a:rPr lang="en-US" sz="2000" dirty="0" smtClean="0"/>
+              <a:t>Internal project, started as an example on how to combine JSF, Spring and Hibernate (Java 1.4 no annotations; big company)</a:t>
             </a:r>
           </a:p>
           <a:p>
             <a:pPr lvl="1"/>
             <a:r>
-              <a:rPr lang="en-US" sz="2000" smtClean="0"/>
-              <a:t>Spin-off project started Crank on Struts (Struts 2)</a:t>
-            </a:r>
-          </a:p>
-          <a:p>
-            <a:r>
-              <a:rPr lang="en-US" sz="2400" smtClean="0"/>
-              <a:t>Writing Code generator for reverse engineering database tables into Crank listings (started)</a:t>
-            </a:r>
-          </a:p>
-          <a:p>
-            <a:r>
-              <a:rPr lang="en-US" sz="2400" smtClean="0"/>
-              <a:t>More integration with Seam (done at some level)</a:t>
-            </a:r>
-          </a:p>
-          <a:p>
-            <a:pPr lvl="1"/>
-            <a:r>
-              <a:rPr lang="en-US" sz="2000" smtClean="0"/>
-              <a:t>As an option, already started and already working</a:t>
-            </a:r>
-          </a:p>
-          <a:p>
-            <a:r>
-              <a:rPr lang="en-US" sz="2400" smtClean="0"/>
-              <a:t>More documentation </a:t>
-            </a:r>
-          </a:p>
-          <a:p>
-            <a:r>
-              <a:rPr lang="en-US" sz="2400" smtClean="0"/>
-              <a:t>Higher code coverage (started)</a:t>
-            </a:r>
-          </a:p>
-          <a:p>
-            <a:r>
-              <a:rPr lang="en-US" sz="2400" smtClean="0"/>
-              <a:t>Website, Public JIRA, Public Confluence (started process)</a:t>
-            </a:r>
-          </a:p>
-          <a:p>
-            <a:pPr lvl="1"/>
-            <a:r>
-              <a:rPr lang="en-US" sz="1800" smtClean="0"/>
-              <a:t>Currently hosted on google code, WIKI, etc.</a:t>
-            </a:r>
-          </a:p>
-          <a:p>
-            <a:r>
-              <a:rPr lang="en-US" sz="2000" smtClean="0"/>
-              <a:t>Crank 1.0 May 2008</a:t>
-            </a:r>
-          </a:p>
-          <a:p>
-            <a:endParaRPr lang="en-US" smtClean="0"/>
-          </a:p>
-        </p:txBody>
-      </p:sp>
-      <p:sp>
-        <p:nvSpPr>
-          <p:cNvPr id="39940" name="Footer Placeholder 3"/>
+              <a:rPr lang="en-US" sz="1400" dirty="0" smtClean="0"/>
+              <a:t>18 months (3 day contract)</a:t>
+            </a:r>
+          </a:p>
+          <a:p>
+            <a:r>
+              <a:rPr lang="en-US" sz="2000" dirty="0" smtClean="0"/>
+              <a:t>Kept adding features, plan was to </a:t>
+            </a:r>
+            <a:r>
+              <a:rPr lang="en-US" sz="2000" dirty="0" err="1" smtClean="0"/>
+              <a:t>OpenSource</a:t>
+            </a:r>
+            <a:endParaRPr lang="en-US" sz="2000" dirty="0" smtClean="0"/>
+          </a:p>
+          <a:p>
+            <a:r>
+              <a:rPr lang="en-US" sz="2000" dirty="0" smtClean="0"/>
+              <a:t>Added code generator (Maven 2 </a:t>
+            </a:r>
+            <a:r>
+              <a:rPr lang="en-US" sz="2000" dirty="0" err="1" smtClean="0"/>
+              <a:t>plugins</a:t>
+            </a:r>
+            <a:r>
+              <a:rPr lang="en-US" sz="2000" dirty="0" smtClean="0"/>
+              <a:t>); heavy use of </a:t>
+            </a:r>
+            <a:r>
+              <a:rPr lang="en-US" sz="2000" dirty="0" err="1" smtClean="0"/>
+              <a:t>Facelets</a:t>
+            </a:r>
+            <a:endParaRPr lang="en-US" sz="2000" dirty="0" smtClean="0"/>
+          </a:p>
+          <a:p>
+            <a:r>
+              <a:rPr lang="en-US" sz="2000" dirty="0" smtClean="0"/>
+              <a:t>Now has fulltime support staff, writes documentation and FAQ</a:t>
+            </a:r>
+          </a:p>
+          <a:p>
+            <a:r>
+              <a:rPr lang="en-US" sz="2000" dirty="0" smtClean="0"/>
+              <a:t>Corporate Standard for new Apps (large corporation)</a:t>
+            </a:r>
+          </a:p>
+          <a:p>
+            <a:r>
+              <a:rPr lang="en-US" sz="2000" dirty="0" smtClean="0"/>
+              <a:t>20 to 30 applications launched on Presto, many more expected</a:t>
+            </a:r>
+          </a:p>
+          <a:p>
+            <a:r>
+              <a:rPr lang="en-US" sz="2000" dirty="0" smtClean="0"/>
+              <a:t>Very mature, lots of documentation, etc.</a:t>
+            </a:r>
+          </a:p>
+          <a:p>
+            <a:r>
+              <a:rPr lang="en-US" sz="2000" dirty="0" smtClean="0"/>
+              <a:t>Light on Java 5 features; </a:t>
+            </a:r>
+          </a:p>
+          <a:p>
+            <a:r>
+              <a:rPr lang="en-US" sz="2000" dirty="0" smtClean="0"/>
+              <a:t>Ported to work with </a:t>
+            </a:r>
+            <a:r>
+              <a:rPr lang="en-US" sz="2000" dirty="0" err="1" smtClean="0"/>
+              <a:t>iBatis</a:t>
+            </a:r>
+            <a:r>
+              <a:rPr lang="en-US" sz="2000" dirty="0" smtClean="0"/>
+              <a:t> in addition to JPA</a:t>
+            </a:r>
+          </a:p>
+          <a:p>
+            <a:r>
+              <a:rPr lang="en-US" sz="2000" dirty="0" err="1" smtClean="0"/>
+              <a:t>Crankification</a:t>
+            </a:r>
+            <a:r>
+              <a:rPr lang="en-US" sz="2000" dirty="0" smtClean="0"/>
+              <a:t> of Presto (possibly</a:t>
+            </a:r>
+            <a:r>
+              <a:rPr lang="en-US" sz="2000" dirty="0" smtClean="0"/>
+              <a:t>);  </a:t>
+            </a:r>
+            <a:r>
+              <a:rPr lang="en-US" sz="2000" dirty="0" err="1" smtClean="0"/>
+              <a:t>Prestofication</a:t>
+            </a:r>
+            <a:r>
+              <a:rPr lang="en-US" sz="2000" dirty="0" smtClean="0"/>
+              <a:t> of Crank… (possibly)</a:t>
+            </a:r>
+            <a:endParaRPr lang="en-US" sz="2000" dirty="0" smtClean="0"/>
+          </a:p>
+        </p:txBody>
+      </p:sp>
+      <p:sp>
+        <p:nvSpPr>
+          <p:cNvPr id="37892" name="Footer Placeholder 3"/>
           <p:cNvSpPr>
             <a:spLocks noGrp="1"/>
           </p:cNvSpPr>
@@ -23774,7 +23951,7 @@
       </p:sp>
       <p:sp>
         <p:nvSpPr>
-          <p:cNvPr id="39941" name="Rectangle 11"/>
+          <p:cNvPr id="37893" name="Rectangle 11"/>
           <p:cNvSpPr>
             <a:spLocks noGrp="1" noChangeArrowheads="1"/>
           </p:cNvSpPr>
@@ -23793,7 +23970,7 @@
               <a:buFont typeface="Wingdings" pitchFamily="2" charset="2"/>
               <a:buNone/>
             </a:pPr>
-            <a:fld id="{2AB8450E-5737-42A6-8650-80FC138B46C6}" type="slidenum">
+            <a:fld id="{DE2A9ED2-D69A-479B-8FE8-0624C78BDEBF}" type="slidenum">
               <a:rPr lang="en-GB" smtClean="0">
                 <a:latin typeface="Times New Roman" pitchFamily="18" charset="0"/>
                 <a:ea typeface="Arial Unicode MS" pitchFamily="34" charset="-128"/>
@@ -23840,7 +24017,7 @@
       </p:grpSpPr>
       <p:sp>
         <p:nvSpPr>
-          <p:cNvPr id="40962" name="Title 1"/>
+          <p:cNvPr id="38914" name="Title 1"/>
           <p:cNvSpPr>
             <a:spLocks noGrp="1"/>
           </p:cNvSpPr>
@@ -23855,14 +24032,14 @@
           <a:p>
             <a:r>
               <a:rPr lang="en-US" smtClean="0"/>
-              <a:t>Longer Term Roadmap (Late 2008 and beyond)</a:t>
-            </a:r>
-          </a:p>
-        </p:txBody>
-      </p:sp>
-      <p:sp>
-        <p:nvSpPr>
-          <p:cNvPr id="40963" name="Content Placeholder 2"/>
+              <a:t>Crank</a:t>
+            </a:r>
+          </a:p>
+        </p:txBody>
+      </p:sp>
+      <p:sp>
+        <p:nvSpPr>
+          <p:cNvPr id="38915" name="Content Placeholder 2"/>
           <p:cNvSpPr>
             <a:spLocks noGrp="1"/>
           </p:cNvSpPr>
@@ -23876,57 +24053,77 @@
           <a:lstStyle/>
           <a:p>
             <a:r>
-              <a:rPr lang="en-US" sz="2800" smtClean="0"/>
-              <a:t>Port to JSF 2.0 when it comes out</a:t>
-            </a:r>
-          </a:p>
-          <a:p>
-            <a:r>
-              <a:rPr lang="en-US" sz="2800" smtClean="0"/>
-              <a:t>Port Facelets Composition components to other component frameworks (current uses Ajax4JSF, RichFaces and Tomahawk)</a:t>
+              <a:rPr lang="en-US" sz="2000" smtClean="0"/>
+              <a:t>Open Source… Presto’s cousin (a rewrite)</a:t>
+            </a:r>
+          </a:p>
+          <a:p>
+            <a:r>
+              <a:rPr lang="en-US" sz="2000" smtClean="0"/>
+              <a:t>Developed while working on applications for Vantage Media </a:t>
             </a:r>
           </a:p>
           <a:p>
             <a:pPr lvl="1"/>
             <a:r>
-              <a:rPr lang="en-US" sz="2400" smtClean="0"/>
-              <a:t>IceFaces</a:t>
-            </a:r>
-          </a:p>
-          <a:p>
-            <a:pPr lvl="1"/>
-            <a:r>
-              <a:rPr lang="en-US" sz="2400" smtClean="0"/>
-              <a:t>Trinidad</a:t>
-            </a:r>
-          </a:p>
-          <a:p>
-            <a:r>
-              <a:rPr lang="en-US" sz="2800" smtClean="0"/>
-              <a:t>Improve JPA handling via Apache Orchestra</a:t>
-            </a:r>
-          </a:p>
-          <a:p>
-            <a:r>
-              <a:rPr lang="en-US" sz="2800" smtClean="0"/>
-              <a:t>Port to other frontends, Swing, GWT, Flex?</a:t>
-            </a:r>
-          </a:p>
-          <a:p>
-            <a:r>
-              <a:rPr lang="en-US" sz="2800" smtClean="0"/>
-              <a:t>Really driven by needs of members</a:t>
-            </a:r>
-          </a:p>
-          <a:p>
-            <a:pPr lvl="1"/>
+              <a:rPr lang="en-US" sz="1800" smtClean="0"/>
+              <a:t>Vantage Media looking for senior Java developers, and is a great place to work</a:t>
+            </a:r>
             <a:endParaRPr lang="en-US" smtClean="0"/>
           </a:p>
-        </p:txBody>
-      </p:sp>
-      <p:sp>
-        <p:nvSpPr>
-          <p:cNvPr id="40964" name="Footer Placeholder 3"/>
+          <a:p>
+            <a:r>
+              <a:rPr lang="en-US" sz="2000" smtClean="0"/>
+              <a:t>Vantage Media, ArcMind Inc., corporate sponsors</a:t>
+            </a:r>
+          </a:p>
+          <a:p>
+            <a:r>
+              <a:rPr lang="en-US" sz="2000" smtClean="0"/>
+              <a:t>Crank makes heavy use of Annotations, and has support for Enums, etc.</a:t>
+            </a:r>
+          </a:p>
+          <a:p>
+            <a:r>
+              <a:rPr lang="en-US" sz="2000" smtClean="0"/>
+              <a:t>Crank is Ajaxified via Ajax4JSF</a:t>
+            </a:r>
+          </a:p>
+          <a:p>
+            <a:r>
+              <a:rPr lang="en-US" sz="2000" smtClean="0"/>
+              <a:t>Crank makes heavy use of Facelets</a:t>
+            </a:r>
+          </a:p>
+          <a:p>
+            <a:r>
+              <a:rPr lang="en-US" sz="2000" smtClean="0"/>
+              <a:t>Added Criteria API to base filtering and sorting on</a:t>
+            </a:r>
+          </a:p>
+          <a:p>
+            <a:r>
+              <a:rPr lang="en-US" sz="2000" smtClean="0"/>
+              <a:t>Controllers are divorced from JSF and are easier to test</a:t>
+            </a:r>
+          </a:p>
+          <a:p>
+            <a:r>
+              <a:rPr lang="en-US" sz="2000" smtClean="0"/>
+              <a:t>Not as mature as Presto, much more nascent</a:t>
+            </a:r>
+          </a:p>
+          <a:p>
+            <a:r>
+              <a:rPr lang="en-US" sz="2000" smtClean="0"/>
+              <a:t>No more reinventing the wheel</a:t>
+            </a:r>
+          </a:p>
+        </p:txBody>
+      </p:sp>
+      <p:sp>
+        <p:nvSpPr>
+          <p:cNvPr id="38916" name="Footer Placeholder 3"/>
           <p:cNvSpPr>
             <a:spLocks noGrp="1"/>
           </p:cNvSpPr>
@@ -23974,7 +24171,7 @@
       </p:sp>
       <p:sp>
         <p:nvSpPr>
-          <p:cNvPr id="40965" name="Rectangle 11"/>
+          <p:cNvPr id="38917" name="Rectangle 11"/>
           <p:cNvSpPr>
             <a:spLocks noGrp="1" noChangeArrowheads="1"/>
           </p:cNvSpPr>
@@ -23993,7 +24190,7 @@
               <a:buFont typeface="Wingdings" pitchFamily="2" charset="2"/>
               <a:buNone/>
             </a:pPr>
-            <a:fld id="{1A7C080E-004A-41B3-95F7-955BF5AAE91A}" type="slidenum">
+            <a:fld id="{29D5392C-C990-434C-A1BF-ACD57A98C949}" type="slidenum">
               <a:rPr lang="en-GB" smtClean="0">
                 <a:latin typeface="Times New Roman" pitchFamily="18" charset="0"/>
                 <a:ea typeface="Arial Unicode MS" pitchFamily="34" charset="-128"/>
@@ -24040,12 +24237,12 @@
       </p:grpSpPr>
       <p:sp>
         <p:nvSpPr>
-          <p:cNvPr id="41986" name="Title 1"/>
+          <p:cNvPr id="39938" name="Title 1"/>
           <p:cNvSpPr>
             <a:spLocks noGrp="1"/>
           </p:cNvSpPr>
           <p:nvPr>
-            <p:ph type="ctrTitle"/>
+            <p:ph type="title"/>
           </p:nvPr>
         </p:nvSpPr>
         <p:spPr/>
@@ -24055,19 +24252,19 @@
           <a:p>
             <a:r>
               <a:rPr lang="en-US" smtClean="0"/>
-              <a:t>Getting Started with Crank Worked Example</a:t>
-            </a:r>
-          </a:p>
-        </p:txBody>
-      </p:sp>
-      <p:sp>
-        <p:nvSpPr>
-          <p:cNvPr id="41987" name="Subtitle 2"/>
+              <a:t>Short term Roadmap (May 2008)</a:t>
+            </a:r>
+          </a:p>
+        </p:txBody>
+      </p:sp>
+      <p:sp>
+        <p:nvSpPr>
+          <p:cNvPr id="39939" name="Content Placeholder 2"/>
           <p:cNvSpPr>
             <a:spLocks noGrp="1"/>
           </p:cNvSpPr>
           <p:nvPr>
-            <p:ph type="subTitle" idx="1"/>
+            <p:ph idx="1"/>
           </p:nvPr>
         </p:nvSpPr>
         <p:spPr/>
@@ -24075,13 +24272,76 @@
           <a:bodyPr/>
           <a:lstStyle/>
           <a:p>
+            <a:r>
+              <a:rPr lang="en-US" sz="2400" smtClean="0"/>
+              <a:t>Porting CRUD framework to Spring MVC (started)</a:t>
+            </a:r>
+          </a:p>
+          <a:p>
+            <a:pPr lvl="1"/>
+            <a:r>
+              <a:rPr lang="en-US" sz="2000" smtClean="0"/>
+              <a:t>Spin-off project started Crank on Struts (Struts 2)</a:t>
+            </a:r>
+          </a:p>
+          <a:p>
+            <a:r>
+              <a:rPr lang="en-US" sz="2400" smtClean="0"/>
+              <a:t>Writing Code generator for reverse engineering database tables into Crank listings (started)</a:t>
+            </a:r>
+          </a:p>
+          <a:p>
+            <a:r>
+              <a:rPr lang="en-US" sz="2400" smtClean="0"/>
+              <a:t>More integration with Seam (done at some level)</a:t>
+            </a:r>
+          </a:p>
+          <a:p>
+            <a:pPr lvl="1"/>
+            <a:r>
+              <a:rPr lang="en-US" sz="2000" smtClean="0"/>
+              <a:t>As an option, already started and already working</a:t>
+            </a:r>
+          </a:p>
+          <a:p>
+            <a:r>
+              <a:rPr lang="en-US" sz="2400" smtClean="0"/>
+              <a:t>More documentation </a:t>
+            </a:r>
+          </a:p>
+          <a:p>
+            <a:r>
+              <a:rPr lang="en-US" sz="2400" smtClean="0"/>
+              <a:t>Higher code coverage (started)</a:t>
+            </a:r>
+          </a:p>
+          <a:p>
+            <a:r>
+              <a:rPr lang="en-US" sz="2400" smtClean="0"/>
+              <a:t>Website, Public JIRA, Public Confluence (started process)</a:t>
+            </a:r>
+          </a:p>
+          <a:p>
+            <a:pPr lvl="1"/>
+            <a:r>
+              <a:rPr lang="en-US" sz="1800" smtClean="0"/>
+              <a:t>Currently hosted on google code, WIKI, etc.</a:t>
+            </a:r>
+          </a:p>
+          <a:p>
+            <a:r>
+              <a:rPr lang="en-US" sz="2000" smtClean="0"/>
+              <a:t>Crank 1.0 May 2008</a:t>
+            </a:r>
+          </a:p>
+          <a:p>
             <a:endParaRPr lang="en-US" smtClean="0"/>
           </a:p>
         </p:txBody>
       </p:sp>
       <p:sp>
         <p:nvSpPr>
-          <p:cNvPr id="41988" name="Footer Placeholder 3"/>
+          <p:cNvPr id="39940" name="Footer Placeholder 3"/>
           <p:cNvSpPr>
             <a:spLocks noGrp="1"/>
           </p:cNvSpPr>
@@ -24129,7 +24389,7 @@
       </p:sp>
       <p:sp>
         <p:nvSpPr>
-          <p:cNvPr id="41989" name="Rectangle 11"/>
+          <p:cNvPr id="39941" name="Rectangle 11"/>
           <p:cNvSpPr>
             <a:spLocks noGrp="1" noChangeArrowheads="1"/>
           </p:cNvSpPr>
@@ -24138,10 +24398,6 @@
           </p:nvPr>
         </p:nvSpPr>
         <p:spPr>
-          <a:xfrm>
-            <a:off x="7010400" y="6551613"/>
-            <a:ext cx="1901825" cy="306387"/>
-          </a:xfrm>
           <a:noFill/>
         </p:spPr>
         <p:txBody>
@@ -24152,7 +24408,7 @@
               <a:buFont typeface="Wingdings" pitchFamily="2" charset="2"/>
               <a:buNone/>
             </a:pPr>
-            <a:fld id="{015C9A55-C2EA-48CD-9CED-D68F22F6A864}" type="slidenum">
+            <a:fld id="{2AB8450E-5737-42A6-8650-80FC138B46C6}" type="slidenum">
               <a:rPr lang="en-GB" smtClean="0">
                 <a:latin typeface="Times New Roman" pitchFamily="18" charset="0"/>
                 <a:ea typeface="Arial Unicode MS" pitchFamily="34" charset="-128"/>
@@ -24177,13 +24433,6 @@
   <p:clrMapOvr>
     <a:masterClrMapping/>
   </p:clrMapOvr>
-  <p:timing>
-    <p:tnLst>
-      <p:par>
-        <p:cTn id="1" dur="indefinite" restart="never" nodeType="tmRoot"/>
-      </p:par>
-    </p:tnLst>
-  </p:timing>
 </p:sld>
 </file>
 
@@ -24397,7 +24646,7 @@
       </p:grpSpPr>
       <p:sp>
         <p:nvSpPr>
-          <p:cNvPr id="43010" name="Title 1"/>
+          <p:cNvPr id="40962" name="Title 1"/>
           <p:cNvSpPr>
             <a:spLocks noGrp="1"/>
           </p:cNvSpPr>
@@ -24412,14 +24661,14 @@
           <a:p>
             <a:r>
               <a:rPr lang="en-US" smtClean="0"/>
-              <a:t>Getting started with Crank (1 of 2)</a:t>
-            </a:r>
-          </a:p>
-        </p:txBody>
-      </p:sp>
-      <p:sp>
-        <p:nvSpPr>
-          <p:cNvPr id="18435" name="Content Placeholder 2"/>
+              <a:t>Longer Term Roadmap (Late 2008 and beyond)</a:t>
+            </a:r>
+          </a:p>
+        </p:txBody>
+      </p:sp>
+      <p:sp>
+        <p:nvSpPr>
+          <p:cNvPr id="40963" name="Content Placeholder 2"/>
           <p:cNvSpPr>
             <a:spLocks noGrp="1"/>
           </p:cNvSpPr>
@@ -24432,124 +24681,58 @@
           <a:bodyPr/>
           <a:lstStyle/>
           <a:p>
-            <a:pPr marL="514350" indent="-514350">
-              <a:buFont typeface="+mj-lt"/>
-              <a:buAutoNum type="arabicPeriod"/>
-              <a:defRPr/>
-            </a:pPr>
-            <a:r>
-              <a:rPr lang="en-US" b="0" dirty="0" smtClean="0"/>
-              <a:t>Check out crank project</a:t>
-            </a:r>
-          </a:p>
-          <a:p>
-            <a:pPr marL="514350" indent="-514350">
-              <a:buFont typeface="+mj-lt"/>
-              <a:buAutoNum type="arabicPeriod"/>
-              <a:defRPr/>
-            </a:pPr>
-            <a:r>
-              <a:rPr lang="en-US" b="0" dirty="0" smtClean="0"/>
-              <a:t>Build Crank</a:t>
-            </a:r>
-          </a:p>
-          <a:p>
-            <a:pPr marL="514350" indent="-514350">
-              <a:buFont typeface="+mj-lt"/>
-              <a:buAutoNum type="arabicPeriod"/>
-              <a:defRPr/>
-            </a:pPr>
-            <a:r>
-              <a:rPr lang="en-US" b="0" dirty="0" smtClean="0"/>
-              <a:t>Copy the </a:t>
-            </a:r>
-            <a:r>
-              <a:rPr lang="en-US" i="1" dirty="0" smtClean="0"/>
-              <a:t>blank-project</a:t>
-            </a:r>
-            <a:r>
-              <a:rPr lang="en-US" b="0" dirty="0" smtClean="0"/>
-              <a:t>  from examples</a:t>
-            </a:r>
-          </a:p>
-          <a:p>
-            <a:pPr marL="800100" lvl="1" indent="-342900">
-              <a:buFont typeface="Arial Unicode MS" pitchFamily="34" charset="-128"/>
-              <a:buNone/>
-              <a:defRPr/>
-            </a:pPr>
-            <a:r>
-              <a:rPr lang="en-US" dirty="0" smtClean="0"/>
-              <a:t>Use Beyond Compare or </a:t>
-            </a:r>
-            <a:r>
-              <a:rPr lang="en-US" dirty="0" err="1" smtClean="0"/>
-              <a:t>Araxis</a:t>
-            </a:r>
-            <a:r>
-              <a:rPr lang="en-US" dirty="0" smtClean="0"/>
-              <a:t> (don’t copy .</a:t>
-            </a:r>
-            <a:r>
-              <a:rPr lang="en-US" dirty="0" err="1" smtClean="0"/>
-              <a:t>svn</a:t>
-            </a:r>
-            <a:r>
-              <a:rPr lang="en-US" dirty="0" smtClean="0"/>
-              <a:t> folders)</a:t>
-            </a:r>
-          </a:p>
-          <a:p>
-            <a:pPr marL="514350" indent="-514350">
-              <a:buFont typeface="+mj-lt"/>
-              <a:buAutoNum type="arabicPeriod"/>
-              <a:defRPr/>
-            </a:pPr>
-            <a:r>
-              <a:rPr lang="en-US" b="0" dirty="0" smtClean="0"/>
-              <a:t>Edit </a:t>
-            </a:r>
-            <a:r>
-              <a:rPr lang="en-US" i="1" dirty="0" smtClean="0"/>
-              <a:t>pom.xml</a:t>
-            </a:r>
-            <a:r>
-              <a:rPr lang="en-US" b="0" dirty="0" smtClean="0"/>
-              <a:t>  file and rename project</a:t>
-            </a:r>
-          </a:p>
-          <a:p>
-            <a:pPr marL="514350" indent="-514350">
-              <a:buFont typeface="+mj-lt"/>
-              <a:buAutoNum type="arabicPeriod"/>
-              <a:defRPr/>
-            </a:pPr>
-            <a:r>
-              <a:rPr lang="en-US" b="0" dirty="0" smtClean="0"/>
-              <a:t>Create Eclipse projects or </a:t>
-            </a:r>
-            <a:r>
-              <a:rPr lang="en-US" b="0" dirty="0" err="1" smtClean="0"/>
-              <a:t>IntelliJ</a:t>
-            </a:r>
-            <a:r>
-              <a:rPr lang="en-US" b="0" dirty="0" smtClean="0"/>
-              <a:t>, import project into IDE</a:t>
-            </a:r>
-          </a:p>
-          <a:p>
-            <a:pPr>
-              <a:buFont typeface="Arial Unicode MS" pitchFamily="34" charset="-128"/>
-              <a:buNone/>
-              <a:defRPr/>
-            </a:pPr>
-            <a:endParaRPr lang="en-US" dirty="0" smtClean="0"/>
-          </a:p>
-        </p:txBody>
-      </p:sp>
-      <p:sp>
-        <p:nvSpPr>
-          <p:cNvPr id="43012" name="Footer Placeholder 3"/>
+            <a:r>
+              <a:rPr lang="en-US" sz="2800" smtClean="0"/>
+              <a:t>Port to JSF 2.0 when it comes out</a:t>
+            </a:r>
+          </a:p>
+          <a:p>
+            <a:r>
+              <a:rPr lang="en-US" sz="2800" smtClean="0"/>
+              <a:t>Port Facelets Composition components to other component frameworks (current uses Ajax4JSF, RichFaces and Tomahawk)</a:t>
+            </a:r>
+          </a:p>
+          <a:p>
+            <a:pPr lvl="1"/>
+            <a:r>
+              <a:rPr lang="en-US" sz="2400" smtClean="0"/>
+              <a:t>IceFaces</a:t>
+            </a:r>
+          </a:p>
+          <a:p>
+            <a:pPr lvl="1"/>
+            <a:r>
+              <a:rPr lang="en-US" sz="2400" smtClean="0"/>
+              <a:t>Trinidad</a:t>
+            </a:r>
+          </a:p>
+          <a:p>
+            <a:r>
+              <a:rPr lang="en-US" sz="2800" smtClean="0"/>
+              <a:t>Improve JPA handling via Apache Orchestra</a:t>
+            </a:r>
+          </a:p>
+          <a:p>
+            <a:r>
+              <a:rPr lang="en-US" sz="2800" smtClean="0"/>
+              <a:t>Port to other frontends, Swing, GWT, Flex?</a:t>
+            </a:r>
+          </a:p>
+          <a:p>
+            <a:r>
+              <a:rPr lang="en-US" sz="2800" smtClean="0"/>
+              <a:t>Really driven by needs of members</a:t>
+            </a:r>
+          </a:p>
+          <a:p>
+            <a:pPr lvl="1"/>
+            <a:endParaRPr lang="en-US" smtClean="0"/>
+          </a:p>
+        </p:txBody>
+      </p:sp>
+      <p:sp>
+        <p:nvSpPr>
+          <p:cNvPr id="40964" name="Footer Placeholder 3"/>
           <p:cNvSpPr>
             <a:spLocks noGrp="1"/>
           </p:cNvSpPr>
@@ -24597,7 +24780,7 @@
       </p:sp>
       <p:sp>
         <p:nvSpPr>
-          <p:cNvPr id="43013" name="Rectangle 11"/>
+          <p:cNvPr id="40965" name="Rectangle 11"/>
           <p:cNvSpPr>
             <a:spLocks noGrp="1" noChangeArrowheads="1"/>
           </p:cNvSpPr>
@@ -24616,7 +24799,7 @@
               <a:buFont typeface="Wingdings" pitchFamily="2" charset="2"/>
               <a:buNone/>
             </a:pPr>
-            <a:fld id="{CDC703F2-27B8-4C13-9E1C-BAD6F6B49C0E}" type="slidenum">
+            <a:fld id="{1A7C080E-004A-41B3-95F7-955BF5AAE91A}" type="slidenum">
               <a:rPr lang="en-GB" smtClean="0">
                 <a:latin typeface="Times New Roman" pitchFamily="18" charset="0"/>
                 <a:ea typeface="Arial Unicode MS" pitchFamily="34" charset="-128"/>
@@ -24641,13 +24824,6 @@
   <p:clrMapOvr>
     <a:masterClrMapping/>
   </p:clrMapOvr>
-  <p:timing>
-    <p:tnLst>
-      <p:par>
-        <p:cTn id="1" dur="indefinite" restart="never" nodeType="tmRoot"/>
-      </p:par>
-    </p:tnLst>
-  </p:timing>
 </p:sld>
 </file>
 
@@ -24670,12 +24846,12 @@
       </p:grpSpPr>
       <p:sp>
         <p:nvSpPr>
-          <p:cNvPr id="44034" name="Title 1"/>
+          <p:cNvPr id="41986" name="Title 1"/>
           <p:cNvSpPr>
             <a:spLocks noGrp="1"/>
           </p:cNvSpPr>
           <p:nvPr>
-            <p:ph type="title"/>
+            <p:ph type="ctrTitle"/>
           </p:nvPr>
         </p:nvSpPr>
         <p:spPr/>
@@ -24685,19 +24861,19 @@
           <a:p>
             <a:r>
               <a:rPr lang="en-US" smtClean="0"/>
-              <a:t>Getting started with Crank (2 of 2)</a:t>
-            </a:r>
-          </a:p>
-        </p:txBody>
-      </p:sp>
-      <p:sp>
-        <p:nvSpPr>
-          <p:cNvPr id="44035" name="Content Placeholder 2"/>
+              <a:t>Getting Started with Crank Worked Example</a:t>
+            </a:r>
+          </a:p>
+        </p:txBody>
+      </p:sp>
+      <p:sp>
+        <p:nvSpPr>
+          <p:cNvPr id="41987" name="Subtitle 2"/>
           <p:cNvSpPr>
             <a:spLocks noGrp="1"/>
           </p:cNvSpPr>
           <p:nvPr>
-            <p:ph idx="1"/>
+            <p:ph type="subTitle" idx="1"/>
           </p:nvPr>
         </p:nvSpPr>
         <p:spPr/>
@@ -24705,78 +24881,13 @@
           <a:bodyPr/>
           <a:lstStyle/>
           <a:p>
-            <a:r>
-              <a:rPr lang="en-US" b="0" smtClean="0"/>
-              <a:t>Refactor/Rename </a:t>
-            </a:r>
-            <a:r>
-              <a:rPr lang="en-US" i="1" smtClean="0"/>
-              <a:t>CrankCrudExampleApplicationContext</a:t>
-            </a:r>
-          </a:p>
-          <a:p>
-            <a:r>
-              <a:rPr lang="en-US" b="0" smtClean="0"/>
-              <a:t>Create JPA enabled </a:t>
-            </a:r>
-            <a:r>
-              <a:rPr lang="en-US" i="1" smtClean="0"/>
-              <a:t>Task</a:t>
-            </a:r>
-            <a:r>
-              <a:rPr lang="en-US" b="0" smtClean="0"/>
-              <a:t>  class</a:t>
-            </a:r>
-          </a:p>
-          <a:p>
-            <a:r>
-              <a:rPr lang="en-US" b="0" smtClean="0"/>
-              <a:t>Add entry in new App context for </a:t>
-            </a:r>
-            <a:r>
-              <a:rPr lang="en-US" i="1" smtClean="0"/>
-              <a:t>Task</a:t>
-            </a:r>
-          </a:p>
-          <a:p>
-            <a:r>
-              <a:rPr lang="en-US" b="0" smtClean="0"/>
-              <a:t>Add persistence.xml entry for </a:t>
-            </a:r>
-            <a:r>
-              <a:rPr lang="en-US" i="1" smtClean="0"/>
-              <a:t>Task</a:t>
-            </a:r>
-            <a:r>
-              <a:rPr lang="en-US" b="0" smtClean="0"/>
-              <a:t> persistence object</a:t>
-            </a:r>
-          </a:p>
-          <a:p>
-            <a:r>
-              <a:rPr lang="en-US" b="0" smtClean="0"/>
-              <a:t>Add form and listing to </a:t>
-            </a:r>
-            <a:r>
-              <a:rPr lang="en-US" i="1" smtClean="0"/>
-              <a:t>home.xhtml</a:t>
-            </a:r>
-          </a:p>
-          <a:p>
-            <a:endParaRPr lang="en-US" b="0" smtClean="0"/>
-          </a:p>
-          <a:p>
-            <a:pPr>
-              <a:buFont typeface="Arial Unicode MS" pitchFamily="34" charset="-128"/>
-              <a:buNone/>
-            </a:pPr>
             <a:endParaRPr lang="en-US" smtClean="0"/>
           </a:p>
         </p:txBody>
       </p:sp>
       <p:sp>
         <p:nvSpPr>
-          <p:cNvPr id="44036" name="Footer Placeholder 3"/>
+          <p:cNvPr id="41988" name="Footer Placeholder 3"/>
           <p:cNvSpPr>
             <a:spLocks noGrp="1"/>
           </p:cNvSpPr>
@@ -24824,7 +24935,7 @@
       </p:sp>
       <p:sp>
         <p:nvSpPr>
-          <p:cNvPr id="44037" name="Rectangle 11"/>
+          <p:cNvPr id="41989" name="Rectangle 11"/>
           <p:cNvSpPr>
             <a:spLocks noGrp="1" noChangeArrowheads="1"/>
           </p:cNvSpPr>
@@ -24833,6 +24944,10 @@
           </p:nvPr>
         </p:nvSpPr>
         <p:spPr>
+          <a:xfrm>
+            <a:off x="7010400" y="6551613"/>
+            <a:ext cx="1901825" cy="306387"/>
+          </a:xfrm>
           <a:noFill/>
         </p:spPr>
         <p:txBody>
@@ -24843,7 +24958,7 @@
               <a:buFont typeface="Wingdings" pitchFamily="2" charset="2"/>
               <a:buNone/>
             </a:pPr>
-            <a:fld id="{4522B87F-C033-4D39-9F60-6EE62D535ED3}" type="slidenum">
+            <a:fld id="{015C9A55-C2EA-48CD-9CED-D68F22F6A864}" type="slidenum">
               <a:rPr lang="en-GB" smtClean="0">
                 <a:latin typeface="Times New Roman" pitchFamily="18" charset="0"/>
                 <a:ea typeface="Arial Unicode MS" pitchFamily="34" charset="-128"/>
@@ -24897,7 +25012,7 @@
       </p:grpSpPr>
       <p:sp>
         <p:nvSpPr>
-          <p:cNvPr id="45058" name="Title 1"/>
+          <p:cNvPr id="43010" name="Title 1"/>
           <p:cNvSpPr>
             <a:spLocks noGrp="1"/>
           </p:cNvSpPr>
@@ -24912,91 +25027,144 @@
           <a:p>
             <a:r>
               <a:rPr lang="en-US" smtClean="0"/>
+              <a:t>Getting started with Crank (1 of 2)</a:t>
+            </a:r>
+          </a:p>
+        </p:txBody>
+      </p:sp>
+      <p:sp>
+        <p:nvSpPr>
+          <p:cNvPr id="18435" name="Content Placeholder 2"/>
+          <p:cNvSpPr>
+            <a:spLocks noGrp="1"/>
+          </p:cNvSpPr>
+          <p:nvPr>
+            <p:ph idx="1"/>
+          </p:nvPr>
+        </p:nvSpPr>
+        <p:spPr/>
+        <p:txBody>
+          <a:bodyPr/>
+          <a:lstStyle/>
+          <a:p>
+            <a:pPr marL="514350" indent="-514350">
+              <a:buFont typeface="+mj-lt"/>
+              <a:buAutoNum type="arabicPeriod"/>
+              <a:defRPr/>
+            </a:pPr>
+            <a:r>
+              <a:rPr lang="en-US" b="0" dirty="0" smtClean="0"/>
               <a:t>Check out crank project</a:t>
             </a:r>
           </a:p>
-        </p:txBody>
-      </p:sp>
-      <p:sp>
-        <p:nvSpPr>
-          <p:cNvPr id="45059" name="Content Placeholder 2"/>
-          <p:cNvSpPr>
-            <a:spLocks noGrp="1"/>
-          </p:cNvSpPr>
-          <p:nvPr>
-            <p:ph idx="1"/>
-          </p:nvPr>
-        </p:nvSpPr>
-        <p:spPr>
-          <a:xfrm>
-            <a:off x="0" y="1371600"/>
-            <a:ext cx="9144000" cy="4940300"/>
-          </a:xfrm>
-        </p:spPr>
-        <p:txBody>
-          <a:bodyPr/>
-          <a:lstStyle/>
-          <a:p>
-            <a:r>
-              <a:rPr lang="en-US" sz="2800" smtClean="0"/>
-              <a:t>Using subversion, you need to check out crank</a:t>
-            </a:r>
-          </a:p>
-          <a:p>
-            <a:r>
-              <a:rPr lang="en-US" sz="2800" b="0" smtClean="0"/>
-              <a:t>We created a tag called </a:t>
-            </a:r>
-            <a:r>
-              <a:rPr lang="en-US" sz="2800" i="1" smtClean="0"/>
-              <a:t>good</a:t>
-            </a:r>
-            <a:r>
-              <a:rPr lang="en-US" sz="2800" b="0" smtClean="0"/>
-              <a:t>, which is the last known </a:t>
-            </a:r>
-            <a:r>
-              <a:rPr lang="en-US" sz="2800" i="1" smtClean="0"/>
-              <a:t>good</a:t>
-            </a:r>
-            <a:r>
-              <a:rPr lang="en-US" sz="2800" b="0" smtClean="0"/>
-              <a:t>  build</a:t>
-            </a:r>
-          </a:p>
-          <a:p>
-            <a:r>
-              <a:rPr lang="en-US" sz="2800" b="0" smtClean="0"/>
-              <a:t>Create a new directory, in the new directory run the following command from the command line:</a:t>
+          <a:p>
+            <a:pPr marL="514350" indent="-514350">
+              <a:buFont typeface="+mj-lt"/>
+              <a:buAutoNum type="arabicPeriod"/>
+              <a:defRPr/>
+            </a:pPr>
+            <a:r>
+              <a:rPr lang="en-US" b="0" dirty="0" smtClean="0"/>
+              <a:t>Build Crank</a:t>
+            </a:r>
+          </a:p>
+          <a:p>
+            <a:pPr marL="514350" indent="-514350">
+              <a:buFont typeface="+mj-lt"/>
+              <a:buAutoNum type="arabicPeriod"/>
+              <a:defRPr/>
+            </a:pPr>
+            <a:r>
+              <a:rPr lang="en-US" b="0" dirty="0" smtClean="0"/>
+              <a:t>Copy the </a:t>
+            </a:r>
+            <a:r>
+              <a:rPr lang="en-US" i="1" dirty="0" smtClean="0"/>
+              <a:t>blank-project</a:t>
+            </a:r>
+            <a:r>
+              <a:rPr lang="en-US" b="0" dirty="0" smtClean="0"/>
+              <a:t>  from examples</a:t>
+            </a:r>
+          </a:p>
+          <a:p>
+            <a:pPr marL="800100" lvl="1" indent="-342900">
+              <a:buFont typeface="Arial Unicode MS" pitchFamily="34" charset="-128"/>
+              <a:buNone/>
+              <a:defRPr/>
+            </a:pPr>
+            <a:r>
+              <a:rPr lang="en-US" dirty="0" smtClean="0"/>
+              <a:t>Use Beyond Compare or </a:t>
+            </a:r>
+            <a:r>
+              <a:rPr lang="en-US" dirty="0" err="1" smtClean="0"/>
+              <a:t>Araxis</a:t>
+            </a:r>
+            <a:r>
+              <a:rPr lang="en-US" dirty="0" smtClean="0"/>
+              <a:t> (don’t copy .</a:t>
+            </a:r>
+            <a:r>
+              <a:rPr lang="en-US" dirty="0" err="1" smtClean="0"/>
+              <a:t>svn</a:t>
+            </a:r>
+            <a:r>
+              <a:rPr lang="en-US" dirty="0" smtClean="0"/>
+              <a:t> folders)</a:t>
+            </a:r>
+          </a:p>
+          <a:p>
+            <a:pPr marL="514350" indent="-514350">
+              <a:buFont typeface="+mj-lt"/>
+              <a:buAutoNum type="arabicPeriod"/>
+              <a:defRPr/>
+            </a:pPr>
+            <a:r>
+              <a:rPr lang="en-US" b="0" dirty="0" smtClean="0"/>
+              <a:t>Edit </a:t>
+            </a:r>
+            <a:r>
+              <a:rPr lang="en-US" i="1" dirty="0" smtClean="0"/>
+              <a:t>pom.xml</a:t>
+            </a:r>
+            <a:r>
+              <a:rPr lang="en-US" b="0" dirty="0" smtClean="0"/>
+              <a:t>  file and rename project</a:t>
+            </a:r>
+          </a:p>
+          <a:p>
+            <a:pPr marL="514350" indent="-514350">
+              <a:buFont typeface="+mj-lt"/>
+              <a:buAutoNum type="arabicPeriod"/>
+              <a:defRPr/>
+            </a:pPr>
+            <a:r>
+              <a:rPr lang="en-US" b="0" dirty="0" smtClean="0"/>
+              <a:t>Create Eclipse projects or </a:t>
+            </a:r>
+            <a:r>
+              <a:rPr lang="en-US" b="0" dirty="0" err="1" smtClean="0"/>
+              <a:t>IntelliJ</a:t>
+            </a:r>
+            <a:r>
+              <a:rPr lang="en-US" b="0" dirty="0" smtClean="0"/>
+              <a:t>, import project into IDE</a:t>
             </a:r>
           </a:p>
           <a:p>
             <a:pPr>
               <a:buFont typeface="Arial Unicode MS" pitchFamily="34" charset="-128"/>
               <a:buNone/>
-            </a:pPr>
-            <a:endParaRPr lang="en-US" sz="2800" b="0" smtClean="0"/>
-          </a:p>
-          <a:p>
-            <a:pPr>
-              <a:buFont typeface="Arial Unicode MS" pitchFamily="34" charset="-128"/>
-              <a:buNone/>
-            </a:pPr>
-            <a:r>
-              <a:rPr lang="en-US" sz="1800" smtClean="0">
-                <a:solidFill>
-                  <a:schemeClr val="tx1"/>
-                </a:solidFill>
-                <a:latin typeface="Courier" pitchFamily="49" charset="0"/>
-              </a:rPr>
-              <a:t>svn checkout http://krank.googlecode.com/svn/tags/good crank</a:t>
-            </a:r>
-          </a:p>
-        </p:txBody>
-      </p:sp>
-      <p:sp>
-        <p:nvSpPr>
-          <p:cNvPr id="45060" name="Footer Placeholder 3"/>
+              <a:defRPr/>
+            </a:pPr>
+            <a:endParaRPr lang="en-US" dirty="0" smtClean="0"/>
+          </a:p>
+        </p:txBody>
+      </p:sp>
+      <p:sp>
+        <p:nvSpPr>
+          <p:cNvPr id="43012" name="Footer Placeholder 3"/>
           <p:cNvSpPr>
             <a:spLocks noGrp="1"/>
           </p:cNvSpPr>
@@ -25044,7 +25212,7 @@
       </p:sp>
       <p:sp>
         <p:nvSpPr>
-          <p:cNvPr id="45061" name="Rectangle 11"/>
+          <p:cNvPr id="43013" name="Rectangle 11"/>
           <p:cNvSpPr>
             <a:spLocks noGrp="1" noChangeArrowheads="1"/>
           </p:cNvSpPr>
@@ -25063,7 +25231,7 @@
               <a:buFont typeface="Wingdings" pitchFamily="2" charset="2"/>
               <a:buNone/>
             </a:pPr>
-            <a:fld id="{80AD2BDC-680E-45E3-92FA-F9DCE8659679}" type="slidenum">
+            <a:fld id="{CDC703F2-27B8-4C13-9E1C-BAD6F6B49C0E}" type="slidenum">
               <a:rPr lang="en-GB" smtClean="0">
                 <a:latin typeface="Times New Roman" pitchFamily="18" charset="0"/>
                 <a:ea typeface="Arial Unicode MS" pitchFamily="34" charset="-128"/>
@@ -25117,7 +25285,7 @@
       </p:grpSpPr>
       <p:sp>
         <p:nvSpPr>
-          <p:cNvPr id="46082" name="Title 1"/>
+          <p:cNvPr id="44034" name="Title 1"/>
           <p:cNvSpPr>
             <a:spLocks noGrp="1"/>
           </p:cNvSpPr>
@@ -25132,14 +25300,14 @@
           <a:p>
             <a:r>
               <a:rPr lang="en-US" smtClean="0"/>
-              <a:t>Build Crank</a:t>
-            </a:r>
-          </a:p>
-        </p:txBody>
-      </p:sp>
-      <p:sp>
-        <p:nvSpPr>
-          <p:cNvPr id="46083" name="Content Placeholder 2"/>
+              <a:t>Getting started with Crank (2 of 2)</a:t>
+            </a:r>
+          </a:p>
+        </p:txBody>
+      </p:sp>
+      <p:sp>
+        <p:nvSpPr>
+          <p:cNvPr id="44035" name="Content Placeholder 2"/>
           <p:cNvSpPr>
             <a:spLocks noGrp="1"/>
           </p:cNvSpPr>
@@ -25153,57 +25321,77 @@
           <a:lstStyle/>
           <a:p>
             <a:r>
-              <a:rPr lang="en-US" sz="2800" smtClean="0"/>
-              <a:t>Crank uses maven for builds</a:t>
-            </a:r>
-          </a:p>
-          <a:p>
-            <a:r>
-              <a:rPr lang="en-US" sz="2800" smtClean="0"/>
-              <a:t>Before you can use an example Crank project you need the Crank jar files</a:t>
-            </a:r>
-          </a:p>
-          <a:p>
-            <a:r>
-              <a:rPr lang="en-US" sz="2800" smtClean="0"/>
-              <a:t>The easiest way to get the Crank jar files is to build Crank as follows from the command line:</a:t>
-            </a:r>
+              <a:rPr lang="en-US" b="0" smtClean="0"/>
+              <a:t>Refactor/Rename </a:t>
+            </a:r>
+            <a:r>
+              <a:rPr lang="en-US" i="1" smtClean="0"/>
+              <a:t>CrankCrudExampleApplicationContext</a:t>
+            </a:r>
+          </a:p>
+          <a:p>
+            <a:r>
+              <a:rPr lang="en-US" b="0" smtClean="0"/>
+              <a:t>Create JPA enabled </a:t>
+            </a:r>
+            <a:r>
+              <a:rPr lang="en-US" i="1" smtClean="0"/>
+              <a:t>Task</a:t>
+            </a:r>
+            <a:r>
+              <a:rPr lang="en-US" b="0" smtClean="0"/>
+              <a:t>  class</a:t>
+            </a:r>
+          </a:p>
+          <a:p>
+            <a:r>
+              <a:rPr lang="en-US" b="0" smtClean="0"/>
+              <a:t>Add entry in new App context for </a:t>
+            </a:r>
+            <a:r>
+              <a:rPr lang="en-US" i="1" smtClean="0"/>
+              <a:t>Task</a:t>
+            </a:r>
+          </a:p>
+          <a:p>
+            <a:r>
+              <a:rPr lang="en-US" b="0" smtClean="0"/>
+              <a:t>Add persistence.xml entry for </a:t>
+            </a:r>
+            <a:r>
+              <a:rPr lang="en-US" i="1" smtClean="0"/>
+              <a:t>Task</a:t>
+            </a:r>
+            <a:r>
+              <a:rPr lang="en-US" b="0" smtClean="0"/>
+              <a:t> persistence object</a:t>
+            </a:r>
+          </a:p>
+          <a:p>
+            <a:r>
+              <a:rPr lang="en-US" b="0" smtClean="0"/>
+              <a:t>Add form and listing to </a:t>
+            </a:r>
+            <a:r>
+              <a:rPr lang="en-US" i="1" smtClean="0"/>
+              <a:t>home.xhtml</a:t>
+            </a:r>
+          </a:p>
+          <a:p>
+            <a:endParaRPr lang="en-US" b="0" smtClean="0"/>
           </a:p>
           <a:p>
             <a:pPr>
               <a:buFont typeface="Arial Unicode MS" pitchFamily="34" charset="-128"/>
               <a:buNone/>
             </a:pPr>
-            <a:r>
-              <a:rPr lang="en-US" sz="2800" smtClean="0">
-                <a:solidFill>
-                  <a:schemeClr val="tx1"/>
-                </a:solidFill>
-                <a:latin typeface="Courier" pitchFamily="49" charset="0"/>
-              </a:rPr>
-              <a:t>cd crank</a:t>
-            </a:r>
-          </a:p>
-          <a:p>
-            <a:pPr>
-              <a:buFont typeface="Arial Unicode MS" pitchFamily="34" charset="-128"/>
-              <a:buNone/>
-            </a:pPr>
-            <a:r>
-              <a:rPr lang="en-US" sz="2800" smtClean="0">
-                <a:solidFill>
-                  <a:schemeClr val="tx1"/>
-                </a:solidFill>
-                <a:latin typeface="Courier" pitchFamily="49" charset="0"/>
-              </a:rPr>
-              <a:t>mvn clean install -Dmaven.test.skip=true</a:t>
-            </a:r>
-          </a:p>
-        </p:txBody>
-      </p:sp>
-      <p:sp>
-        <p:nvSpPr>
-          <p:cNvPr id="46084" name="Footer Placeholder 3"/>
+            <a:endParaRPr lang="en-US" smtClean="0"/>
+          </a:p>
+        </p:txBody>
+      </p:sp>
+      <p:sp>
+        <p:nvSpPr>
+          <p:cNvPr id="44036" name="Footer Placeholder 3"/>
           <p:cNvSpPr>
             <a:spLocks noGrp="1"/>
           </p:cNvSpPr>
@@ -25251,7 +25439,7 @@
       </p:sp>
       <p:sp>
         <p:nvSpPr>
-          <p:cNvPr id="46085" name="Rectangle 11"/>
+          <p:cNvPr id="44037" name="Rectangle 11"/>
           <p:cNvSpPr>
             <a:spLocks noGrp="1" noChangeArrowheads="1"/>
           </p:cNvSpPr>
@@ -25270,7 +25458,7 @@
               <a:buFont typeface="Wingdings" pitchFamily="2" charset="2"/>
               <a:buNone/>
             </a:pPr>
-            <a:fld id="{9DE4EF92-A094-4F0A-8821-0E9690313FE9}" type="slidenum">
+            <a:fld id="{4522B87F-C033-4D39-9F60-6EE62D535ED3}" type="slidenum">
               <a:rPr lang="en-GB" smtClean="0">
                 <a:latin typeface="Times New Roman" pitchFamily="18" charset="0"/>
                 <a:ea typeface="Arial Unicode MS" pitchFamily="34" charset="-128"/>
@@ -25324,7 +25512,7 @@
       </p:grpSpPr>
       <p:sp>
         <p:nvSpPr>
-          <p:cNvPr id="47106" name="Title 1"/>
+          <p:cNvPr id="45058" name="Title 1"/>
           <p:cNvSpPr>
             <a:spLocks noGrp="1"/>
           </p:cNvSpPr>
@@ -25339,14 +25527,14 @@
           <a:p>
             <a:r>
               <a:rPr lang="en-US" smtClean="0"/>
-              <a:t>Copy the blank-project  from examples</a:t>
-            </a:r>
-          </a:p>
-        </p:txBody>
-      </p:sp>
-      <p:sp>
-        <p:nvSpPr>
-          <p:cNvPr id="47107" name="Content Placeholder 2"/>
+              <a:t>Check out crank project</a:t>
+            </a:r>
+          </a:p>
+        </p:txBody>
+      </p:sp>
+      <p:sp>
+        <p:nvSpPr>
+          <p:cNvPr id="45059" name="Content Placeholder 2"/>
           <p:cNvSpPr>
             <a:spLocks noGrp="1"/>
           </p:cNvSpPr>
@@ -25354,53 +25542,76 @@
             <p:ph idx="1"/>
           </p:nvPr>
         </p:nvSpPr>
-        <p:spPr/>
-        <p:txBody>
-          <a:bodyPr/>
-          <a:lstStyle/>
-          <a:p>
-            <a:r>
-              <a:rPr lang="en-US" b="0" smtClean="0"/>
-              <a:t>Copy the </a:t>
-            </a:r>
-            <a:r>
-              <a:rPr lang="en-US" i="1" smtClean="0"/>
-              <a:t>blank-project</a:t>
-            </a:r>
-            <a:r>
-              <a:rPr lang="en-US" b="0" smtClean="0"/>
-              <a:t>  from examples</a:t>
-            </a:r>
-          </a:p>
-          <a:p>
-            <a:r>
-              <a:rPr lang="en-US" smtClean="0"/>
-              <a:t>Crank ships with a blank-project</a:t>
-            </a:r>
-          </a:p>
-          <a:p>
-            <a:r>
-              <a:rPr lang="en-US" smtClean="0"/>
-              <a:t>The blank-project is everything you need to create your first crank project</a:t>
-            </a:r>
-          </a:p>
-          <a:p>
-            <a:r>
-              <a:rPr lang="en-US" smtClean="0"/>
-              <a:t>JSF, Facelets, Ajax4JSF, Spring and JPA are preconfigured</a:t>
-            </a:r>
-          </a:p>
-          <a:p>
-            <a:r>
-              <a:rPr lang="en-US" smtClean="0"/>
-              <a:t>Copy examples\blank-project (in the crank directory) to a new location</a:t>
-            </a:r>
-          </a:p>
-        </p:txBody>
-      </p:sp>
-      <p:sp>
-        <p:nvSpPr>
-          <p:cNvPr id="47108" name="Footer Placeholder 3"/>
+        <p:spPr>
+          <a:xfrm>
+            <a:off x="0" y="1371600"/>
+            <a:ext cx="9144000" cy="4940300"/>
+          </a:xfrm>
+        </p:spPr>
+        <p:txBody>
+          <a:bodyPr/>
+          <a:lstStyle/>
+          <a:p>
+            <a:r>
+              <a:rPr lang="en-US" sz="2800" smtClean="0"/>
+              <a:t>Using subversion, you need to check out crank</a:t>
+            </a:r>
+          </a:p>
+          <a:p>
+            <a:r>
+              <a:rPr lang="en-US" sz="2800" b="0" smtClean="0"/>
+              <a:t>We created a tag called </a:t>
+            </a:r>
+            <a:r>
+              <a:rPr lang="en-US" sz="2800" i="1" smtClean="0"/>
+              <a:t>good</a:t>
+            </a:r>
+            <a:r>
+              <a:rPr lang="en-US" sz="2800" b="0" smtClean="0"/>
+              <a:t>, which is the last known </a:t>
+            </a:r>
+            <a:r>
+              <a:rPr lang="en-US" sz="2800" i="1" smtClean="0"/>
+              <a:t>good</a:t>
+            </a:r>
+            <a:r>
+              <a:rPr lang="en-US" sz="2800" b="0" smtClean="0"/>
+              <a:t>  build</a:t>
+            </a:r>
+          </a:p>
+          <a:p>
+            <a:r>
+              <a:rPr lang="en-US" sz="2800" b="0" smtClean="0"/>
+              <a:t>Create a new directory, in the new directory run the following command from the command line:</a:t>
+            </a:r>
+          </a:p>
+          <a:p>
+            <a:pPr>
+              <a:buFont typeface="Arial Unicode MS" pitchFamily="34" charset="-128"/>
+              <a:buNone/>
+            </a:pPr>
+            <a:endParaRPr lang="en-US" sz="2800" b="0" smtClean="0"/>
+          </a:p>
+          <a:p>
+            <a:pPr>
+              <a:buFont typeface="Arial Unicode MS" pitchFamily="34" charset="-128"/>
+              <a:buNone/>
+            </a:pPr>
+            <a:r>
+              <a:rPr lang="en-US" sz="1800" smtClean="0">
+                <a:solidFill>
+                  <a:schemeClr val="tx1"/>
+                </a:solidFill>
+                <a:latin typeface="Courier" pitchFamily="49" charset="0"/>
+              </a:rPr>
+              <a:t>svn checkout http://krank.googlecode.com/svn/tags/good crank</a:t>
+            </a:r>
+          </a:p>
+        </p:txBody>
+      </p:sp>
+      <p:sp>
+        <p:nvSpPr>
+          <p:cNvPr id="45060" name="Footer Placeholder 3"/>
           <p:cNvSpPr>
             <a:spLocks noGrp="1"/>
           </p:cNvSpPr>
@@ -25448,7 +25659,7 @@
       </p:sp>
       <p:sp>
         <p:nvSpPr>
-          <p:cNvPr id="47109" name="Rectangle 11"/>
+          <p:cNvPr id="45061" name="Rectangle 11"/>
           <p:cNvSpPr>
             <a:spLocks noGrp="1" noChangeArrowheads="1"/>
           </p:cNvSpPr>
@@ -25467,7 +25678,7 @@
               <a:buFont typeface="Wingdings" pitchFamily="2" charset="2"/>
               <a:buNone/>
             </a:pPr>
-            <a:fld id="{55590787-A6A8-40AA-A783-187C3C180866}" type="slidenum">
+            <a:fld id="{80AD2BDC-680E-45E3-92FA-F9DCE8659679}" type="slidenum">
               <a:rPr lang="en-GB" smtClean="0">
                 <a:latin typeface="Times New Roman" pitchFamily="18" charset="0"/>
                 <a:ea typeface="Arial Unicode MS" pitchFamily="34" charset="-128"/>
@@ -25521,7 +25732,7 @@
       </p:grpSpPr>
       <p:sp>
         <p:nvSpPr>
-          <p:cNvPr id="48130" name="Title 1"/>
+          <p:cNvPr id="46082" name="Title 1"/>
           <p:cNvSpPr>
             <a:spLocks noGrp="1"/>
           </p:cNvSpPr>
@@ -25536,14 +25747,14 @@
           <a:p>
             <a:r>
               <a:rPr lang="en-US" smtClean="0"/>
-              <a:t>Edit pom.xml  file and rename project  (1 of 2)</a:t>
-            </a:r>
-          </a:p>
-        </p:txBody>
-      </p:sp>
-      <p:sp>
-        <p:nvSpPr>
-          <p:cNvPr id="48131" name="Content Placeholder 2"/>
+              <a:t>Build Crank</a:t>
+            </a:r>
+          </a:p>
+        </p:txBody>
+      </p:sp>
+      <p:sp>
+        <p:nvSpPr>
+          <p:cNvPr id="46083" name="Content Placeholder 2"/>
           <p:cNvSpPr>
             <a:spLocks noGrp="1"/>
           </p:cNvSpPr>
@@ -25557,36 +25768,57 @@
           <a:lstStyle/>
           <a:p>
             <a:r>
-              <a:rPr lang="en-US" smtClean="0"/>
-              <a:t>In the new folder, edit the pom.xml file</a:t>
-            </a:r>
-          </a:p>
-          <a:p>
-            <a:r>
-              <a:rPr lang="en-US" smtClean="0"/>
-              <a:t>Change the artifact-id from blank-project to todo-example </a:t>
-            </a:r>
-          </a:p>
-          <a:p>
-            <a:r>
-              <a:rPr lang="en-US" smtClean="0"/>
-              <a:t>&lt;artifactId&gt;todo-example&lt;/artifactId&gt;</a:t>
-            </a:r>
-          </a:p>
-          <a:p>
-            <a:endParaRPr lang="en-US" smtClean="0"/>
-          </a:p>
-          <a:p>
-            <a:r>
-              <a:rPr lang="en-US" smtClean="0"/>
-              <a:t>DO NOT MODIFY THE PARENT artifactId</a:t>
-            </a:r>
-          </a:p>
-        </p:txBody>
-      </p:sp>
-      <p:sp>
-        <p:nvSpPr>
-          <p:cNvPr id="48132" name="Footer Placeholder 3"/>
+              <a:rPr lang="en-US" sz="2800" smtClean="0"/>
+              <a:t>Crank uses maven for builds</a:t>
+            </a:r>
+          </a:p>
+          <a:p>
+            <a:r>
+              <a:rPr lang="en-US" sz="2800" smtClean="0"/>
+              <a:t>Before you can use an example Crank project you need the Crank jar files</a:t>
+            </a:r>
+          </a:p>
+          <a:p>
+            <a:r>
+              <a:rPr lang="en-US" sz="2800" smtClean="0"/>
+              <a:t>The easiest way to get the Crank jar files is to build Crank as follows from the command line:</a:t>
+            </a:r>
+          </a:p>
+          <a:p>
+            <a:pPr>
+              <a:buFont typeface="Arial Unicode MS" pitchFamily="34" charset="-128"/>
+              <a:buNone/>
+            </a:pPr>
+            <a:r>
+              <a:rPr lang="en-US" sz="2800" smtClean="0">
+                <a:solidFill>
+                  <a:schemeClr val="tx1"/>
+                </a:solidFill>
+                <a:latin typeface="Courier" pitchFamily="49" charset="0"/>
+              </a:rPr>
+              <a:t>cd crank</a:t>
+            </a:r>
+          </a:p>
+          <a:p>
+            <a:pPr>
+              <a:buFont typeface="Arial Unicode MS" pitchFamily="34" charset="-128"/>
+              <a:buNone/>
+            </a:pPr>
+            <a:r>
+              <a:rPr lang="en-US" sz="2800" smtClean="0">
+                <a:solidFill>
+                  <a:schemeClr val="tx1"/>
+                </a:solidFill>
+                <a:latin typeface="Courier" pitchFamily="49" charset="0"/>
+              </a:rPr>
+              <a:t>mvn clean install -Dmaven.test.skip=true</a:t>
+            </a:r>
+          </a:p>
+        </p:txBody>
+      </p:sp>
+      <p:sp>
+        <p:nvSpPr>
+          <p:cNvPr id="46084" name="Footer Placeholder 3"/>
           <p:cNvSpPr>
             <a:spLocks noGrp="1"/>
           </p:cNvSpPr>
@@ -25634,7 +25866,7 @@
       </p:sp>
       <p:sp>
         <p:nvSpPr>
-          <p:cNvPr id="48133" name="Rectangle 11"/>
+          <p:cNvPr id="46085" name="Rectangle 11"/>
           <p:cNvSpPr>
             <a:spLocks noGrp="1" noChangeArrowheads="1"/>
           </p:cNvSpPr>
@@ -25653,7 +25885,7 @@
               <a:buFont typeface="Wingdings" pitchFamily="2" charset="2"/>
               <a:buNone/>
             </a:pPr>
-            <a:fld id="{847EFA17-4974-42FD-A82E-785DA5F12118}" type="slidenum">
+            <a:fld id="{9DE4EF92-A094-4F0A-8821-0E9690313FE9}" type="slidenum">
               <a:rPr lang="en-GB" smtClean="0">
                 <a:latin typeface="Times New Roman" pitchFamily="18" charset="0"/>
                 <a:ea typeface="Arial Unicode MS" pitchFamily="34" charset="-128"/>
@@ -25689,6 +25921,389 @@
 </file>
 
 <file path=ppt/slides/slide36.xml><?xml version="1.0" encoding="utf-8"?>
+<p:sld xmlns:a="http://schemas.openxmlformats.org/drawingml/2006/main" xmlns:r="http://schemas.openxmlformats.org/officeDocument/2006/relationships" xmlns:p="http://schemas.openxmlformats.org/presentationml/2006/main">
+  <p:cSld>
+    <p:spTree>
+      <p:nvGrpSpPr>
+        <p:cNvPr id="1" name=""/>
+        <p:cNvGrpSpPr/>
+        <p:nvPr/>
+      </p:nvGrpSpPr>
+      <p:grpSpPr>
+        <a:xfrm>
+          <a:off x="0" y="0"/>
+          <a:ext cx="0" cy="0"/>
+          <a:chOff x="0" y="0"/>
+          <a:chExt cx="0" cy="0"/>
+        </a:xfrm>
+      </p:grpSpPr>
+      <p:sp>
+        <p:nvSpPr>
+          <p:cNvPr id="47106" name="Title 1"/>
+          <p:cNvSpPr>
+            <a:spLocks noGrp="1"/>
+          </p:cNvSpPr>
+          <p:nvPr>
+            <p:ph type="title"/>
+          </p:nvPr>
+        </p:nvSpPr>
+        <p:spPr/>
+        <p:txBody>
+          <a:bodyPr/>
+          <a:lstStyle/>
+          <a:p>
+            <a:r>
+              <a:rPr lang="en-US" smtClean="0"/>
+              <a:t>Copy the blank-project  from examples</a:t>
+            </a:r>
+          </a:p>
+        </p:txBody>
+      </p:sp>
+      <p:sp>
+        <p:nvSpPr>
+          <p:cNvPr id="47107" name="Content Placeholder 2"/>
+          <p:cNvSpPr>
+            <a:spLocks noGrp="1"/>
+          </p:cNvSpPr>
+          <p:nvPr>
+            <p:ph idx="1"/>
+          </p:nvPr>
+        </p:nvSpPr>
+        <p:spPr/>
+        <p:txBody>
+          <a:bodyPr/>
+          <a:lstStyle/>
+          <a:p>
+            <a:r>
+              <a:rPr lang="en-US" b="0" smtClean="0"/>
+              <a:t>Copy the </a:t>
+            </a:r>
+            <a:r>
+              <a:rPr lang="en-US" i="1" smtClean="0"/>
+              <a:t>blank-project</a:t>
+            </a:r>
+            <a:r>
+              <a:rPr lang="en-US" b="0" smtClean="0"/>
+              <a:t>  from examples</a:t>
+            </a:r>
+          </a:p>
+          <a:p>
+            <a:r>
+              <a:rPr lang="en-US" smtClean="0"/>
+              <a:t>Crank ships with a blank-project</a:t>
+            </a:r>
+          </a:p>
+          <a:p>
+            <a:r>
+              <a:rPr lang="en-US" smtClean="0"/>
+              <a:t>The blank-project is everything you need to create your first crank project</a:t>
+            </a:r>
+          </a:p>
+          <a:p>
+            <a:r>
+              <a:rPr lang="en-US" smtClean="0"/>
+              <a:t>JSF, Facelets, Ajax4JSF, Spring and JPA are preconfigured</a:t>
+            </a:r>
+          </a:p>
+          <a:p>
+            <a:r>
+              <a:rPr lang="en-US" smtClean="0"/>
+              <a:t>Copy examples\blank-project (in the crank directory) to a new location</a:t>
+            </a:r>
+          </a:p>
+        </p:txBody>
+      </p:sp>
+      <p:sp>
+        <p:nvSpPr>
+          <p:cNvPr id="47108" name="Footer Placeholder 3"/>
+          <p:cNvSpPr>
+            <a:spLocks noGrp="1"/>
+          </p:cNvSpPr>
+          <p:nvPr>
+            <p:ph type="ftr" sz="quarter" idx="10"/>
+          </p:nvPr>
+        </p:nvSpPr>
+        <p:spPr>
+          <a:noFill/>
+        </p:spPr>
+        <p:txBody>
+          <a:bodyPr/>
+          <a:lstStyle/>
+          <a:p>
+            <a:pPr>
+              <a:buFont typeface="verdana" pitchFamily="34" charset="0"/>
+              <a:buNone/>
+            </a:pPr>
+            <a:r>
+              <a:rPr lang="en-GB" smtClean="0">
+                <a:latin typeface="verdana" pitchFamily="34" charset="0"/>
+                <a:ea typeface="Arial Unicode MS" pitchFamily="34" charset="-128"/>
+                <a:cs typeface="Arial Unicode MS" pitchFamily="34" charset="-128"/>
+              </a:rPr>
+              <a:t>©ArcMind, Inc. </a:t>
+            </a:r>
+            <a:r>
+              <a:rPr lang="en-GB" i="1" smtClean="0">
+                <a:latin typeface="verdana" pitchFamily="34" charset="0"/>
+                <a:ea typeface="Arial Unicode MS" pitchFamily="34" charset="-128"/>
+                <a:cs typeface="Arial Unicode MS" pitchFamily="34" charset="-128"/>
+              </a:rPr>
+              <a:t>“Know The Next”   </a:t>
+            </a:r>
+            <a:r>
+              <a:rPr lang="en-GB" smtClean="0">
+                <a:latin typeface="verdana" pitchFamily="34" charset="0"/>
+                <a:ea typeface="Arial Unicode MS" pitchFamily="34" charset="-128"/>
+                <a:cs typeface="Arial Unicode MS" pitchFamily="34" charset="-128"/>
+              </a:rPr>
+              <a:t>2004-2008</a:t>
+            </a:r>
+          </a:p>
+        </p:txBody>
+      </p:sp>
+      <p:sp>
+        <p:nvSpPr>
+          <p:cNvPr id="47109" name="Rectangle 11"/>
+          <p:cNvSpPr>
+            <a:spLocks noGrp="1" noChangeArrowheads="1"/>
+          </p:cNvSpPr>
+          <p:nvPr>
+            <p:ph type="sldNum" sz="quarter" idx="11"/>
+          </p:nvPr>
+        </p:nvSpPr>
+        <p:spPr>
+          <a:noFill/>
+        </p:spPr>
+        <p:txBody>
+          <a:bodyPr/>
+          <a:lstStyle/>
+          <a:p>
+            <a:pPr>
+              <a:buFont typeface="Wingdings" pitchFamily="2" charset="2"/>
+              <a:buNone/>
+            </a:pPr>
+            <a:fld id="{55590787-A6A8-40AA-A783-187C3C180866}" type="slidenum">
+              <a:rPr lang="en-GB" smtClean="0">
+                <a:latin typeface="Times New Roman" pitchFamily="18" charset="0"/>
+                <a:ea typeface="Arial Unicode MS" pitchFamily="34" charset="-128"/>
+                <a:cs typeface="Arial Unicode MS" pitchFamily="34" charset="-128"/>
+              </a:rPr>
+              <a:pPr>
+                <a:buFont typeface="Wingdings" pitchFamily="2" charset="2"/>
+                <a:buNone/>
+              </a:pPr>
+              <a:t>36</a:t>
+            </a:fld>
+            <a:endParaRPr lang="en-GB" smtClean="0">
+              <a:latin typeface="Times New Roman" pitchFamily="18" charset="0"/>
+              <a:ea typeface="Arial Unicode MS" pitchFamily="34" charset="-128"/>
+              <a:cs typeface="Arial Unicode MS" pitchFamily="34" charset="-128"/>
+            </a:endParaRPr>
+          </a:p>
+        </p:txBody>
+      </p:sp>
+    </p:spTree>
+  </p:cSld>
+  <p:clrMapOvr>
+    <a:masterClrMapping/>
+  </p:clrMapOvr>
+  <p:timing>
+    <p:tnLst>
+      <p:par>
+        <p:cTn id="1" dur="indefinite" restart="never" nodeType="tmRoot"/>
+      </p:par>
+    </p:tnLst>
+  </p:timing>
+</p:sld>
+</file>
+
+<file path=ppt/slides/slide37.xml><?xml version="1.0" encoding="utf-8"?>
+<p:sld xmlns:a="http://schemas.openxmlformats.org/drawingml/2006/main" xmlns:r="http://schemas.openxmlformats.org/officeDocument/2006/relationships" xmlns:p="http://schemas.openxmlformats.org/presentationml/2006/main">
+  <p:cSld>
+    <p:spTree>
+      <p:nvGrpSpPr>
+        <p:cNvPr id="1" name=""/>
+        <p:cNvGrpSpPr/>
+        <p:nvPr/>
+      </p:nvGrpSpPr>
+      <p:grpSpPr>
+        <a:xfrm>
+          <a:off x="0" y="0"/>
+          <a:ext cx="0" cy="0"/>
+          <a:chOff x="0" y="0"/>
+          <a:chExt cx="0" cy="0"/>
+        </a:xfrm>
+      </p:grpSpPr>
+      <p:sp>
+        <p:nvSpPr>
+          <p:cNvPr id="48130" name="Title 1"/>
+          <p:cNvSpPr>
+            <a:spLocks noGrp="1"/>
+          </p:cNvSpPr>
+          <p:nvPr>
+            <p:ph type="title"/>
+          </p:nvPr>
+        </p:nvSpPr>
+        <p:spPr/>
+        <p:txBody>
+          <a:bodyPr/>
+          <a:lstStyle/>
+          <a:p>
+            <a:r>
+              <a:rPr lang="en-US" smtClean="0"/>
+              <a:t>Edit pom.xml  file and rename project  (1 of 2)</a:t>
+            </a:r>
+          </a:p>
+        </p:txBody>
+      </p:sp>
+      <p:sp>
+        <p:nvSpPr>
+          <p:cNvPr id="48131" name="Content Placeholder 2"/>
+          <p:cNvSpPr>
+            <a:spLocks noGrp="1"/>
+          </p:cNvSpPr>
+          <p:nvPr>
+            <p:ph idx="1"/>
+          </p:nvPr>
+        </p:nvSpPr>
+        <p:spPr/>
+        <p:txBody>
+          <a:bodyPr/>
+          <a:lstStyle/>
+          <a:p>
+            <a:r>
+              <a:rPr lang="en-US" smtClean="0"/>
+              <a:t>In the new folder, edit the pom.xml file</a:t>
+            </a:r>
+          </a:p>
+          <a:p>
+            <a:r>
+              <a:rPr lang="en-US" smtClean="0"/>
+              <a:t>Change the artifact-id from blank-project to todo-example </a:t>
+            </a:r>
+          </a:p>
+          <a:p>
+            <a:r>
+              <a:rPr lang="en-US" smtClean="0"/>
+              <a:t>&lt;artifactId&gt;todo-example&lt;/artifactId&gt;</a:t>
+            </a:r>
+          </a:p>
+          <a:p>
+            <a:endParaRPr lang="en-US" smtClean="0"/>
+          </a:p>
+          <a:p>
+            <a:r>
+              <a:rPr lang="en-US" smtClean="0"/>
+              <a:t>DO NOT MODIFY THE PARENT artifactId</a:t>
+            </a:r>
+          </a:p>
+        </p:txBody>
+      </p:sp>
+      <p:sp>
+        <p:nvSpPr>
+          <p:cNvPr id="48132" name="Footer Placeholder 3"/>
+          <p:cNvSpPr>
+            <a:spLocks noGrp="1"/>
+          </p:cNvSpPr>
+          <p:nvPr>
+            <p:ph type="ftr" sz="quarter" idx="10"/>
+          </p:nvPr>
+        </p:nvSpPr>
+        <p:spPr>
+          <a:noFill/>
+        </p:spPr>
+        <p:txBody>
+          <a:bodyPr/>
+          <a:lstStyle/>
+          <a:p>
+            <a:pPr>
+              <a:buFont typeface="verdana" pitchFamily="34" charset="0"/>
+              <a:buNone/>
+            </a:pPr>
+            <a:r>
+              <a:rPr lang="en-GB" smtClean="0">
+                <a:latin typeface="verdana" pitchFamily="34" charset="0"/>
+                <a:ea typeface="Arial Unicode MS" pitchFamily="34" charset="-128"/>
+                <a:cs typeface="Arial Unicode MS" pitchFamily="34" charset="-128"/>
+              </a:rPr>
+              <a:t>©ArcMind, Inc. </a:t>
+            </a:r>
+            <a:r>
+              <a:rPr lang="en-GB" i="1" smtClean="0">
+                <a:latin typeface="verdana" pitchFamily="34" charset="0"/>
+                <a:ea typeface="Arial Unicode MS" pitchFamily="34" charset="-128"/>
+                <a:cs typeface="Arial Unicode MS" pitchFamily="34" charset="-128"/>
+              </a:rPr>
+              <a:t>“Know The Next”   </a:t>
+            </a:r>
+            <a:r>
+              <a:rPr lang="en-GB" smtClean="0">
+                <a:latin typeface="verdana" pitchFamily="34" charset="0"/>
+                <a:ea typeface="Arial Unicode MS" pitchFamily="34" charset="-128"/>
+                <a:cs typeface="Arial Unicode MS" pitchFamily="34" charset="-128"/>
+              </a:rPr>
+              <a:t>2004-2008</a:t>
+            </a:r>
+          </a:p>
+        </p:txBody>
+      </p:sp>
+      <p:sp>
+        <p:nvSpPr>
+          <p:cNvPr id="48133" name="Rectangle 11"/>
+          <p:cNvSpPr>
+            <a:spLocks noGrp="1" noChangeArrowheads="1"/>
+          </p:cNvSpPr>
+          <p:nvPr>
+            <p:ph type="sldNum" sz="quarter" idx="11"/>
+          </p:nvPr>
+        </p:nvSpPr>
+        <p:spPr>
+          <a:noFill/>
+        </p:spPr>
+        <p:txBody>
+          <a:bodyPr/>
+          <a:lstStyle/>
+          <a:p>
+            <a:pPr>
+              <a:buFont typeface="Wingdings" pitchFamily="2" charset="2"/>
+              <a:buNone/>
+            </a:pPr>
+            <a:fld id="{847EFA17-4974-42FD-A82E-785DA5F12118}" type="slidenum">
+              <a:rPr lang="en-GB" smtClean="0">
+                <a:latin typeface="Times New Roman" pitchFamily="18" charset="0"/>
+                <a:ea typeface="Arial Unicode MS" pitchFamily="34" charset="-128"/>
+                <a:cs typeface="Arial Unicode MS" pitchFamily="34" charset="-128"/>
+              </a:rPr>
+              <a:pPr>
+                <a:buFont typeface="Wingdings" pitchFamily="2" charset="2"/>
+                <a:buNone/>
+              </a:pPr>
+              <a:t>37</a:t>
+            </a:fld>
+            <a:endParaRPr lang="en-GB" smtClean="0">
+              <a:latin typeface="Times New Roman" pitchFamily="18" charset="0"/>
+              <a:ea typeface="Arial Unicode MS" pitchFamily="34" charset="-128"/>
+              <a:cs typeface="Arial Unicode MS" pitchFamily="34" charset="-128"/>
+            </a:endParaRPr>
+          </a:p>
+        </p:txBody>
+      </p:sp>
+    </p:spTree>
+  </p:cSld>
+  <p:clrMapOvr>
+    <a:masterClrMapping/>
+  </p:clrMapOvr>
+  <p:timing>
+    <p:tnLst>
+      <p:par>
+        <p:cTn id="1" dur="indefinite" restart="never" nodeType="tmRoot"/>
+      </p:par>
+    </p:tnLst>
+  </p:timing>
+</p:sld>
+</file>
+
+<file path=ppt/slides/slide38.xml><?xml version="1.0" encoding="utf-8"?>
 <p:sld xmlns:a="http://schemas.openxmlformats.org/drawingml/2006/main" xmlns:r="http://schemas.openxmlformats.org/officeDocument/2006/relationships" xmlns:p="http://schemas.openxmlformats.org/presentationml/2006/main">
   <p:cSld>
     <p:spTree>
@@ -25928,7 +26543,7 @@
                 <a:buFont typeface="Wingdings" pitchFamily="2" charset="2"/>
                 <a:buNone/>
               </a:pPr>
-              <a:t>36</a:t>
+              <a:t>38</a:t>
             </a:fld>
             <a:endParaRPr lang="en-GB" smtClean="0">
               <a:latin typeface="Times New Roman" pitchFamily="18" charset="0"/>
@@ -25953,7 +26568,7 @@
 </p:sld>
 </file>
 
-<file path=ppt/slides/slide37.xml><?xml version="1.0" encoding="utf-8"?>
+<file path=ppt/slides/slide39.xml><?xml version="1.0" encoding="utf-8"?>
 <p:sld xmlns:a="http://schemas.openxmlformats.org/drawingml/2006/main" xmlns:r="http://schemas.openxmlformats.org/officeDocument/2006/relationships" xmlns:p="http://schemas.openxmlformats.org/presentationml/2006/main">
   <p:cSld>
     <p:spTree>
@@ -26161,7 +26776,7 @@
                 <a:buFont typeface="Wingdings" pitchFamily="2" charset="2"/>
                 <a:buNone/>
               </a:pPr>
-              <a:t>37</a:t>
+              <a:t>39</a:t>
             </a:fld>
             <a:endParaRPr lang="en-GB" smtClean="0">
               <a:latin typeface="Times New Roman" pitchFamily="18" charset="0"/>
@@ -26186,7 +26801,7 @@
 </p:sld>
 </file>
 
-<file path=ppt/slides/slide38.xml><?xml version="1.0" encoding="utf-8"?>
+<file path=ppt/slides/slide4.xml><?xml version="1.0" encoding="utf-8"?>
 <p:sld xmlns:a="http://schemas.openxmlformats.org/drawingml/2006/main" xmlns:r="http://schemas.openxmlformats.org/officeDocument/2006/relationships" xmlns:p="http://schemas.openxmlformats.org/presentationml/2006/main">
   <p:cSld>
     <p:spTree>
@@ -26205,6 +26820,190 @@
       </p:grpSpPr>
       <p:sp>
         <p:nvSpPr>
+          <p:cNvPr id="16386" name="Title 1"/>
+          <p:cNvSpPr>
+            <a:spLocks noGrp="1"/>
+          </p:cNvSpPr>
+          <p:nvPr>
+            <p:ph type="title"/>
+          </p:nvPr>
+        </p:nvSpPr>
+        <p:spPr/>
+        <p:txBody>
+          <a:bodyPr/>
+          <a:lstStyle/>
+          <a:p>
+            <a:r>
+              <a:rPr lang="en-US" smtClean="0"/>
+              <a:t>Crank Members</a:t>
+            </a:r>
+          </a:p>
+        </p:txBody>
+      </p:sp>
+      <p:sp>
+        <p:nvSpPr>
+          <p:cNvPr id="16387" name="Footer Placeholder 2"/>
+          <p:cNvSpPr>
+            <a:spLocks noGrp="1"/>
+          </p:cNvSpPr>
+          <p:nvPr>
+            <p:ph type="ftr" sz="quarter" idx="10"/>
+          </p:nvPr>
+        </p:nvSpPr>
+        <p:spPr>
+          <a:noFill/>
+        </p:spPr>
+        <p:txBody>
+          <a:bodyPr/>
+          <a:lstStyle/>
+          <a:p>
+            <a:pPr>
+              <a:buFont typeface="verdana" pitchFamily="34" charset="0"/>
+              <a:buNone/>
+            </a:pPr>
+            <a:r>
+              <a:rPr lang="en-GB" smtClean="0">
+                <a:latin typeface="verdana" pitchFamily="34" charset="0"/>
+                <a:ea typeface="Arial Unicode MS" pitchFamily="34" charset="-128"/>
+                <a:cs typeface="Arial Unicode MS" pitchFamily="34" charset="-128"/>
+              </a:rPr>
+              <a:t>©ArcMind, Inc. </a:t>
+            </a:r>
+            <a:r>
+              <a:rPr lang="en-GB" i="1" smtClean="0">
+                <a:latin typeface="verdana" pitchFamily="34" charset="0"/>
+                <a:ea typeface="Arial Unicode MS" pitchFamily="34" charset="-128"/>
+                <a:cs typeface="Arial Unicode MS" pitchFamily="34" charset="-128"/>
+              </a:rPr>
+              <a:t>“Know The Next”   </a:t>
+            </a:r>
+            <a:r>
+              <a:rPr lang="en-GB" smtClean="0">
+                <a:latin typeface="verdana" pitchFamily="34" charset="0"/>
+                <a:ea typeface="Arial Unicode MS" pitchFamily="34" charset="-128"/>
+                <a:cs typeface="Arial Unicode MS" pitchFamily="34" charset="-128"/>
+              </a:rPr>
+              <a:t>2004-2008</a:t>
+            </a:r>
+          </a:p>
+        </p:txBody>
+      </p:sp>
+      <p:pic>
+        <p:nvPicPr>
+          <p:cNvPr id="16388" name="Picture 2"/>
+          <p:cNvPicPr>
+            <a:picLocks noChangeAspect="1" noChangeArrowheads="1"/>
+          </p:cNvPicPr>
+          <p:nvPr/>
+        </p:nvPicPr>
+        <p:blipFill>
+          <a:blip r:embed="rId3"/>
+          <a:srcRect/>
+          <a:stretch>
+            <a:fillRect/>
+          </a:stretch>
+        </p:blipFill>
+        <p:spPr bwMode="auto">
+          <a:xfrm>
+            <a:off x="0" y="1676400"/>
+            <a:ext cx="5138714" cy="4648200"/>
+          </a:xfrm>
+          <a:prstGeom prst="rect">
+            <a:avLst/>
+          </a:prstGeom>
+          <a:noFill/>
+          <a:ln w="9525">
+            <a:noFill/>
+            <a:miter lim="800000"/>
+            <a:headEnd/>
+            <a:tailEnd/>
+          </a:ln>
+        </p:spPr>
+      </p:pic>
+      <p:sp>
+        <p:nvSpPr>
+          <p:cNvPr id="16389" name="TextBox 4"/>
+          <p:cNvSpPr txBox="1">
+            <a:spLocks noChangeArrowheads="1"/>
+          </p:cNvSpPr>
+          <p:nvPr/>
+        </p:nvSpPr>
+        <p:spPr bwMode="auto">
+          <a:xfrm>
+            <a:off x="5208588" y="2590800"/>
+            <a:ext cx="3935412" cy="1570038"/>
+          </a:xfrm>
+          <a:prstGeom prst="rect">
+            <a:avLst/>
+          </a:prstGeom>
+          <a:noFill/>
+          <a:ln w="9525">
+            <a:noFill/>
+            <a:miter lim="800000"/>
+            <a:headEnd/>
+            <a:tailEnd/>
+          </a:ln>
+        </p:spPr>
+        <p:txBody>
+          <a:bodyPr>
+            <a:spAutoFit/>
+          </a:bodyPr>
+          <a:lstStyle/>
+          <a:p>
+            <a:r>
+              <a:rPr lang="en-US" dirty="0">
+                <a:solidFill>
+                  <a:schemeClr val="tx1"/>
+                </a:solidFill>
+              </a:rPr>
+              <a:t>We have members from all </a:t>
+            </a:r>
+            <a:r>
+              <a:rPr lang="en-US" dirty="0" smtClean="0">
+                <a:solidFill>
+                  <a:schemeClr val="tx1"/>
+                </a:solidFill>
+              </a:rPr>
+              <a:t>over the </a:t>
+            </a:r>
+            <a:r>
+              <a:rPr lang="en-US" dirty="0">
+                <a:solidFill>
+                  <a:schemeClr val="tx1"/>
+                </a:solidFill>
+              </a:rPr>
+              <a:t>U.S and the world. One member is South Africa, another hails from Turkey</a:t>
+            </a:r>
+          </a:p>
+        </p:txBody>
+      </p:sp>
+    </p:spTree>
+  </p:cSld>
+  <p:clrMapOvr>
+    <a:masterClrMapping/>
+  </p:clrMapOvr>
+</p:sld>
+</file>
+
+<file path=ppt/slides/slide40.xml><?xml version="1.0" encoding="utf-8"?>
+<p:sld xmlns:a="http://schemas.openxmlformats.org/drawingml/2006/main" xmlns:r="http://schemas.openxmlformats.org/officeDocument/2006/relationships" xmlns:p="http://schemas.openxmlformats.org/presentationml/2006/main">
+  <p:cSld>
+    <p:spTree>
+      <p:nvGrpSpPr>
+        <p:cNvPr id="1" name=""/>
+        <p:cNvGrpSpPr/>
+        <p:nvPr/>
+      </p:nvGrpSpPr>
+      <p:grpSpPr>
+        <a:xfrm>
+          <a:off x="0" y="0"/>
+          <a:ext cx="0" cy="0"/>
+          <a:chOff x="0" y="0"/>
+          <a:chExt cx="0" cy="0"/>
+        </a:xfrm>
+      </p:grpSpPr>
+      <p:sp>
+        <p:nvSpPr>
           <p:cNvPr id="51202" name="Title 1"/>
           <p:cNvSpPr>
             <a:spLocks noGrp="1"/>
@@ -26343,7 +27142,7 @@
                 <a:buFont typeface="Wingdings" pitchFamily="2" charset="2"/>
                 <a:buNone/>
               </a:pPr>
-              <a:t>38</a:t>
+              <a:t>40</a:t>
             </a:fld>
             <a:endParaRPr lang="en-GB" smtClean="0">
               <a:latin typeface="Times New Roman" pitchFamily="18" charset="0"/>
@@ -26368,7 +27167,7 @@
 </p:sld>
 </file>
 
-<file path=ppt/slides/slide39.xml><?xml version="1.0" encoding="utf-8"?>
+<file path=ppt/slides/slide41.xml><?xml version="1.0" encoding="utf-8"?>
 <p:sld xmlns:a="http://schemas.openxmlformats.org/drawingml/2006/main" xmlns:r="http://schemas.openxmlformats.org/officeDocument/2006/relationships" xmlns:p="http://schemas.openxmlformats.org/presentationml/2006/main">
   <p:cSld>
     <p:spTree>
@@ -26616,7 +27415,7 @@
                 <a:buFont typeface="Wingdings" pitchFamily="2" charset="2"/>
                 <a:buNone/>
               </a:pPr>
-              <a:t>39</a:t>
+              <a:t>41</a:t>
             </a:fld>
             <a:endParaRPr lang="en-GB" smtClean="0">
               <a:latin typeface="Times New Roman" pitchFamily="18" charset="0"/>
@@ -26641,191 +27440,7 @@
 </p:sld>
 </file>
 
-<file path=ppt/slides/slide4.xml><?xml version="1.0" encoding="utf-8"?>
-<p:sld xmlns:a="http://schemas.openxmlformats.org/drawingml/2006/main" xmlns:r="http://schemas.openxmlformats.org/officeDocument/2006/relationships" xmlns:p="http://schemas.openxmlformats.org/presentationml/2006/main">
-  <p:cSld>
-    <p:spTree>
-      <p:nvGrpSpPr>
-        <p:cNvPr id="1" name=""/>
-        <p:cNvGrpSpPr/>
-        <p:nvPr/>
-      </p:nvGrpSpPr>
-      <p:grpSpPr>
-        <a:xfrm>
-          <a:off x="0" y="0"/>
-          <a:ext cx="0" cy="0"/>
-          <a:chOff x="0" y="0"/>
-          <a:chExt cx="0" cy="0"/>
-        </a:xfrm>
-      </p:grpSpPr>
-      <p:sp>
-        <p:nvSpPr>
-          <p:cNvPr id="16386" name="Title 1"/>
-          <p:cNvSpPr>
-            <a:spLocks noGrp="1"/>
-          </p:cNvSpPr>
-          <p:nvPr>
-            <p:ph type="title"/>
-          </p:nvPr>
-        </p:nvSpPr>
-        <p:spPr/>
-        <p:txBody>
-          <a:bodyPr/>
-          <a:lstStyle/>
-          <a:p>
-            <a:r>
-              <a:rPr lang="en-US" smtClean="0"/>
-              <a:t>Crank Members</a:t>
-            </a:r>
-          </a:p>
-        </p:txBody>
-      </p:sp>
-      <p:sp>
-        <p:nvSpPr>
-          <p:cNvPr id="16387" name="Footer Placeholder 2"/>
-          <p:cNvSpPr>
-            <a:spLocks noGrp="1"/>
-          </p:cNvSpPr>
-          <p:nvPr>
-            <p:ph type="ftr" sz="quarter" idx="10"/>
-          </p:nvPr>
-        </p:nvSpPr>
-        <p:spPr>
-          <a:noFill/>
-        </p:spPr>
-        <p:txBody>
-          <a:bodyPr/>
-          <a:lstStyle/>
-          <a:p>
-            <a:pPr>
-              <a:buFont typeface="verdana" pitchFamily="34" charset="0"/>
-              <a:buNone/>
-            </a:pPr>
-            <a:r>
-              <a:rPr lang="en-GB" smtClean="0">
-                <a:latin typeface="verdana" pitchFamily="34" charset="0"/>
-                <a:ea typeface="Arial Unicode MS" pitchFamily="34" charset="-128"/>
-                <a:cs typeface="Arial Unicode MS" pitchFamily="34" charset="-128"/>
-              </a:rPr>
-              <a:t>©ArcMind, Inc. </a:t>
-            </a:r>
-            <a:r>
-              <a:rPr lang="en-GB" i="1" smtClean="0">
-                <a:latin typeface="verdana" pitchFamily="34" charset="0"/>
-                <a:ea typeface="Arial Unicode MS" pitchFamily="34" charset="-128"/>
-                <a:cs typeface="Arial Unicode MS" pitchFamily="34" charset="-128"/>
-              </a:rPr>
-              <a:t>“Know The Next”   </a:t>
-            </a:r>
-            <a:r>
-              <a:rPr lang="en-GB" smtClean="0">
-                <a:latin typeface="verdana" pitchFamily="34" charset="0"/>
-                <a:ea typeface="Arial Unicode MS" pitchFamily="34" charset="-128"/>
-                <a:cs typeface="Arial Unicode MS" pitchFamily="34" charset="-128"/>
-              </a:rPr>
-              <a:t>2004-2008</a:t>
-            </a:r>
-          </a:p>
-        </p:txBody>
-      </p:sp>
-      <p:pic>
-        <p:nvPicPr>
-          <p:cNvPr id="16388" name="Picture 2"/>
-          <p:cNvPicPr>
-            <a:picLocks noChangeAspect="1" noChangeArrowheads="1"/>
-          </p:cNvPicPr>
-          <p:nvPr/>
-        </p:nvPicPr>
-        <p:blipFill>
-          <a:blip r:embed="rId3"/>
-          <a:srcRect/>
-          <a:stretch>
-            <a:fillRect/>
-          </a:stretch>
-        </p:blipFill>
-        <p:spPr bwMode="auto">
-          <a:xfrm>
-            <a:off x="533400" y="2133600"/>
-            <a:ext cx="4191000" cy="3790950"/>
-          </a:xfrm>
-          <a:prstGeom prst="rect">
-            <a:avLst/>
-          </a:prstGeom>
-          <a:noFill/>
-          <a:ln w="9525">
-            <a:noFill/>
-            <a:miter lim="800000"/>
-            <a:headEnd/>
-            <a:tailEnd/>
-          </a:ln>
-        </p:spPr>
-      </p:pic>
-      <p:sp>
-        <p:nvSpPr>
-          <p:cNvPr id="16389" name="TextBox 4"/>
-          <p:cNvSpPr txBox="1">
-            <a:spLocks noChangeArrowheads="1"/>
-          </p:cNvSpPr>
-          <p:nvPr/>
-        </p:nvSpPr>
-        <p:spPr bwMode="auto">
-          <a:xfrm>
-            <a:off x="4979988" y="2590800"/>
-            <a:ext cx="3935412" cy="1570038"/>
-          </a:xfrm>
-          <a:prstGeom prst="rect">
-            <a:avLst/>
-          </a:prstGeom>
-          <a:noFill/>
-          <a:ln w="9525">
-            <a:noFill/>
-            <a:miter lim="800000"/>
-            <a:headEnd/>
-            <a:tailEnd/>
-          </a:ln>
-        </p:spPr>
-        <p:txBody>
-          <a:bodyPr>
-            <a:spAutoFit/>
-          </a:bodyPr>
-          <a:lstStyle/>
-          <a:p>
-            <a:r>
-              <a:rPr lang="en-US" dirty="0">
-                <a:solidFill>
-                  <a:schemeClr val="tx1"/>
-                </a:solidFill>
-              </a:rPr>
-              <a:t>We have members from all </a:t>
-            </a:r>
-            <a:r>
-              <a:rPr lang="en-US" dirty="0" smtClean="0">
-                <a:solidFill>
-                  <a:schemeClr val="tx1"/>
-                </a:solidFill>
-              </a:rPr>
-              <a:t>over the </a:t>
-            </a:r>
-            <a:r>
-              <a:rPr lang="en-US" dirty="0">
-                <a:solidFill>
-                  <a:schemeClr val="tx1"/>
-                </a:solidFill>
-              </a:rPr>
-              <a:t>U.S and the world. One member is South Africa, another hails from Turkey</a:t>
-            </a:r>
-          </a:p>
-        </p:txBody>
-      </p:sp>
-    </p:spTree>
-  </p:cSld>
-  <p:clrMapOvr>
-    <a:masterClrMapping/>
-  </p:clrMapOvr>
-</p:sld>
-</file>
-
-<file path=ppt/slides/slide40.xml><?xml version="1.0" encoding="utf-8"?>
+<file path=ppt/slides/slide42.xml><?xml version="1.0" encoding="utf-8"?>
 <p:sld xmlns:a="http://schemas.openxmlformats.org/drawingml/2006/main" xmlns:r="http://schemas.openxmlformats.org/officeDocument/2006/relationships" xmlns:p="http://schemas.openxmlformats.org/presentationml/2006/main">
   <p:cSld>
     <p:spTree>
@@ -26997,7 +27612,7 @@
                 <a:buFont typeface="Wingdings" pitchFamily="2" charset="2"/>
                 <a:buNone/>
               </a:pPr>
-              <a:t>40</a:t>
+              <a:t>42</a:t>
             </a:fld>
             <a:endParaRPr lang="en-GB" smtClean="0">
               <a:latin typeface="Times New Roman" pitchFamily="18" charset="0"/>
@@ -27022,7 +27637,7 @@
 </p:sld>
 </file>
 
-<file path=ppt/slides/slide41.xml><?xml version="1.0" encoding="utf-8"?>
+<file path=ppt/slides/slide43.xml><?xml version="1.0" encoding="utf-8"?>
 <p:sld xmlns:a="http://schemas.openxmlformats.org/drawingml/2006/main" xmlns:r="http://schemas.openxmlformats.org/officeDocument/2006/relationships" xmlns:p="http://schemas.openxmlformats.org/presentationml/2006/main">
   <p:cSld>
     <p:spTree>
@@ -27224,7 +27839,7 @@
                 <a:buFont typeface="Wingdings" pitchFamily="2" charset="2"/>
                 <a:buNone/>
               </a:pPr>
-              <a:t>41</a:t>
+              <a:t>43</a:t>
             </a:fld>
             <a:endParaRPr lang="en-GB" smtClean="0">
               <a:latin typeface="Times New Roman" pitchFamily="18" charset="0"/>
@@ -27249,7 +27864,7 @@
 </p:sld>
 </file>
 
-<file path=ppt/slides/slide42.xml><?xml version="1.0" encoding="utf-8"?>
+<file path=ppt/slides/slide44.xml><?xml version="1.0" encoding="utf-8"?>
 <p:sld xmlns:a="http://schemas.openxmlformats.org/drawingml/2006/main" xmlns:r="http://schemas.openxmlformats.org/officeDocument/2006/relationships" xmlns:p="http://schemas.openxmlformats.org/presentationml/2006/main">
   <p:cSld>
     <p:spTree>
@@ -27489,7 +28104,7 @@
                 <a:buFont typeface="Wingdings" pitchFamily="2" charset="2"/>
                 <a:buNone/>
               </a:pPr>
-              <a:t>42</a:t>
+              <a:t>44</a:t>
             </a:fld>
             <a:endParaRPr lang="en-GB" smtClean="0">
               <a:latin typeface="Times New Roman" pitchFamily="18" charset="0"/>
@@ -27514,7 +28129,7 @@
 </p:sld>
 </file>
 
-<file path=ppt/slides/slide43.xml><?xml version="1.0" encoding="utf-8"?>
+<file path=ppt/slides/slide45.xml><?xml version="1.0" encoding="utf-8"?>
 <p:sld xmlns:a="http://schemas.openxmlformats.org/drawingml/2006/main" xmlns:r="http://schemas.openxmlformats.org/officeDocument/2006/relationships" xmlns:p="http://schemas.openxmlformats.org/presentationml/2006/main">
   <p:cSld>
     <p:spTree>
@@ -27833,7 +28448,7 @@
                 <a:buFont typeface="Wingdings" pitchFamily="2" charset="2"/>
                 <a:buNone/>
               </a:pPr>
-              <a:t>43</a:t>
+              <a:t>45</a:t>
             </a:fld>
             <a:endParaRPr lang="en-GB" smtClean="0">
               <a:latin typeface="Times New Roman" pitchFamily="18" charset="0"/>
@@ -28159,7 +28774,7 @@
 </p:sld>
 </file>
 
-<file path=ppt/slides/slide44.xml><?xml version="1.0" encoding="utf-8"?>
+<file path=ppt/slides/slide46.xml><?xml version="1.0" encoding="utf-8"?>
 <p:sld xmlns:a="http://schemas.openxmlformats.org/drawingml/2006/main" xmlns:r="http://schemas.openxmlformats.org/officeDocument/2006/relationships" xmlns:p="http://schemas.openxmlformats.org/presentationml/2006/main">
   <p:cSld>
     <p:spTree>
@@ -28321,7 +28936,7 @@
                 <a:buFont typeface="Wingdings" pitchFamily="2" charset="2"/>
                 <a:buNone/>
               </a:pPr>
-              <a:t>44</a:t>
+              <a:t>46</a:t>
             </a:fld>
             <a:endParaRPr lang="en-GB" smtClean="0">
               <a:latin typeface="Times New Roman" pitchFamily="18" charset="0"/>
@@ -28346,7 +28961,7 @@
 </p:sld>
 </file>
 
-<file path=ppt/slides/slide45.xml><?xml version="1.0" encoding="utf-8"?>
+<file path=ppt/slides/slide47.xml><?xml version="1.0" encoding="utf-8"?>
 <p:sld xmlns:a="http://schemas.openxmlformats.org/drawingml/2006/main" xmlns:r="http://schemas.openxmlformats.org/officeDocument/2006/relationships" xmlns:p="http://schemas.openxmlformats.org/presentationml/2006/main">
   <p:cSld>
     <p:spTree>
@@ -28569,7 +29184,7 @@
                 <a:buFont typeface="Wingdings" pitchFamily="2" charset="2"/>
                 <a:buNone/>
               </a:pPr>
-              <a:t>45</a:t>
+              <a:t>47</a:t>
             </a:fld>
             <a:endParaRPr lang="en-GB" smtClean="0">
               <a:latin typeface="Times New Roman" pitchFamily="18" charset="0"/>
@@ -28591,427 +29206,6 @@
       </p:par>
     </p:tnLst>
   </p:timing>
-</p:sld>
-</file>
-
-<file path=ppt/slides/slide46.xml><?xml version="1.0" encoding="utf-8"?>
-<p:sld xmlns:a="http://schemas.openxmlformats.org/drawingml/2006/main" xmlns:r="http://schemas.openxmlformats.org/officeDocument/2006/relationships" xmlns:p="http://schemas.openxmlformats.org/presentationml/2006/main">
-  <p:cSld>
-    <p:spTree>
-      <p:nvGrpSpPr>
-        <p:cNvPr id="1" name=""/>
-        <p:cNvGrpSpPr/>
-        <p:nvPr/>
-      </p:nvGrpSpPr>
-      <p:grpSpPr>
-        <a:xfrm>
-          <a:off x="0" y="0"/>
-          <a:ext cx="0" cy="0"/>
-          <a:chOff x="0" y="0"/>
-          <a:chExt cx="0" cy="0"/>
-        </a:xfrm>
-      </p:grpSpPr>
-      <p:sp>
-        <p:nvSpPr>
-          <p:cNvPr id="59394" name="Title 1"/>
-          <p:cNvSpPr>
-            <a:spLocks noGrp="1"/>
-          </p:cNvSpPr>
-          <p:nvPr>
-            <p:ph type="title"/>
-          </p:nvPr>
-        </p:nvSpPr>
-        <p:spPr/>
-        <p:txBody>
-          <a:bodyPr/>
-          <a:lstStyle/>
-          <a:p>
-            <a:r>
-              <a:rPr lang="en-US" smtClean="0"/>
-              <a:t>Where to go from here</a:t>
-            </a:r>
-          </a:p>
-        </p:txBody>
-      </p:sp>
-      <p:sp>
-        <p:nvSpPr>
-          <p:cNvPr id="59395" name="Content Placeholder 2"/>
-          <p:cNvSpPr>
-            <a:spLocks noGrp="1"/>
-          </p:cNvSpPr>
-          <p:nvPr>
-            <p:ph idx="1"/>
-          </p:nvPr>
-        </p:nvSpPr>
-        <p:spPr/>
-        <p:txBody>
-          <a:bodyPr/>
-          <a:lstStyle/>
-          <a:p>
-            <a:r>
-              <a:rPr lang="en-US" smtClean="0"/>
-              <a:t>Crank home page</a:t>
-            </a:r>
-            <a:endParaRPr lang="en-US" smtClean="0">
-              <a:solidFill>
-                <a:srgbClr val="C00000"/>
-              </a:solidFill>
-              <a:hlinkClick r:id="rId3"/>
-            </a:endParaRPr>
-          </a:p>
-          <a:p>
-            <a:pPr lvl="1"/>
-            <a:r>
-              <a:rPr lang="en-US" smtClean="0">
-                <a:solidFill>
-                  <a:srgbClr val="C00000"/>
-                </a:solidFill>
-                <a:hlinkClick r:id="rId3"/>
-              </a:rPr>
-              <a:t>http://code.google.com/p/krank/</a:t>
-            </a:r>
-            <a:endParaRPr lang="en-US" smtClean="0">
-              <a:solidFill>
-                <a:srgbClr val="C00000"/>
-              </a:solidFill>
-            </a:endParaRPr>
-          </a:p>
-          <a:p>
-            <a:r>
-              <a:rPr lang="en-US" smtClean="0"/>
-              <a:t>Crank Crud Design Document</a:t>
-            </a:r>
-            <a:endParaRPr lang="en-US" smtClean="0">
-              <a:solidFill>
-                <a:srgbClr val="C00000"/>
-              </a:solidFill>
-            </a:endParaRPr>
-          </a:p>
-          <a:p>
-            <a:pPr lvl="1"/>
-            <a:r>
-              <a:rPr lang="en-US" smtClean="0">
-                <a:solidFill>
-                  <a:srgbClr val="C00000"/>
-                </a:solidFill>
-                <a:hlinkClick r:id="rId4"/>
-              </a:rPr>
-              <a:t>http://code.google.com/p/krank/wiki/CrankCrudDesignDocs</a:t>
-            </a:r>
-            <a:endParaRPr lang="en-US" smtClean="0">
-              <a:solidFill>
-                <a:srgbClr val="C00000"/>
-              </a:solidFill>
-            </a:endParaRPr>
-          </a:p>
-          <a:p>
-            <a:pPr lvl="1"/>
-            <a:r>
-              <a:rPr lang="en-US" smtClean="0"/>
-              <a:t>If the instructor has time, go through the design document</a:t>
-            </a:r>
-          </a:p>
-          <a:p>
-            <a:r>
-              <a:rPr lang="en-US" smtClean="0"/>
-              <a:t>Crank Crud Intro</a:t>
-            </a:r>
-          </a:p>
-          <a:p>
-            <a:pPr lvl="1"/>
-            <a:r>
-              <a:rPr lang="en-US" smtClean="0">
-                <a:hlinkClick r:id="rId5"/>
-              </a:rPr>
-              <a:t>http://code.google.com/p/krank/wiki/CrankCrudIntro</a:t>
-            </a:r>
-            <a:endParaRPr lang="en-US" smtClean="0"/>
-          </a:p>
-          <a:p>
-            <a:r>
-              <a:rPr lang="en-US" smtClean="0"/>
-              <a:t>More involved Crank Crud Tutorial</a:t>
-            </a:r>
-          </a:p>
-          <a:p>
-            <a:pPr lvl="1"/>
-            <a:r>
-              <a:rPr lang="en-US" smtClean="0">
-                <a:hlinkClick r:id="rId6"/>
-              </a:rPr>
-              <a:t>http://code.google.com/p/krank/wiki/CrankCrudTutorial</a:t>
-            </a:r>
-            <a:endParaRPr lang="en-US" smtClean="0"/>
-          </a:p>
-          <a:p>
-            <a:pPr lvl="1"/>
-            <a:endParaRPr lang="en-US" smtClean="0"/>
-          </a:p>
-          <a:p>
-            <a:endParaRPr lang="en-US" smtClean="0"/>
-          </a:p>
-        </p:txBody>
-      </p:sp>
-      <p:sp>
-        <p:nvSpPr>
-          <p:cNvPr id="59396" name="Footer Placeholder 3"/>
-          <p:cNvSpPr>
-            <a:spLocks noGrp="1"/>
-          </p:cNvSpPr>
-          <p:nvPr>
-            <p:ph type="ftr" sz="quarter" idx="10"/>
-          </p:nvPr>
-        </p:nvSpPr>
-        <p:spPr>
-          <a:noFill/>
-        </p:spPr>
-        <p:txBody>
-          <a:bodyPr/>
-          <a:lstStyle/>
-          <a:p>
-            <a:pPr>
-              <a:buFont typeface="verdana" pitchFamily="34" charset="0"/>
-              <a:buNone/>
-            </a:pPr>
-            <a:r>
-              <a:rPr lang="en-GB" smtClean="0">
-                <a:latin typeface="verdana" pitchFamily="34" charset="0"/>
-                <a:ea typeface="Arial Unicode MS" pitchFamily="34" charset="-128"/>
-                <a:cs typeface="Arial Unicode MS" pitchFamily="34" charset="-128"/>
-              </a:rPr>
-              <a:t>©ArcMind, Inc. </a:t>
-            </a:r>
-            <a:r>
-              <a:rPr lang="en-GB" i="1" smtClean="0">
-                <a:latin typeface="verdana" pitchFamily="34" charset="0"/>
-                <a:ea typeface="Arial Unicode MS" pitchFamily="34" charset="-128"/>
-                <a:cs typeface="Arial Unicode MS" pitchFamily="34" charset="-128"/>
-              </a:rPr>
-              <a:t>“Know The Next”   </a:t>
-            </a:r>
-            <a:r>
-              <a:rPr lang="en-GB" smtClean="0">
-                <a:latin typeface="verdana" pitchFamily="34" charset="0"/>
-                <a:ea typeface="Arial Unicode MS" pitchFamily="34" charset="-128"/>
-                <a:cs typeface="Arial Unicode MS" pitchFamily="34" charset="-128"/>
-              </a:rPr>
-              <a:t>2004-2008</a:t>
-            </a:r>
-          </a:p>
-        </p:txBody>
-      </p:sp>
-      <p:sp>
-        <p:nvSpPr>
-          <p:cNvPr id="59397" name="Rectangle 11"/>
-          <p:cNvSpPr>
-            <a:spLocks noGrp="1" noChangeArrowheads="1"/>
-          </p:cNvSpPr>
-          <p:nvPr>
-            <p:ph type="sldNum" sz="quarter" idx="11"/>
-          </p:nvPr>
-        </p:nvSpPr>
-        <p:spPr>
-          <a:noFill/>
-        </p:spPr>
-        <p:txBody>
-          <a:bodyPr/>
-          <a:lstStyle/>
-          <a:p>
-            <a:pPr>
-              <a:buFont typeface="Wingdings" pitchFamily="2" charset="2"/>
-              <a:buNone/>
-            </a:pPr>
-            <a:fld id="{0AA64B37-6D8F-44DF-B531-232792CA71B0}" type="slidenum">
-              <a:rPr lang="en-GB" smtClean="0">
-                <a:latin typeface="Times New Roman" pitchFamily="18" charset="0"/>
-                <a:ea typeface="Arial Unicode MS" pitchFamily="34" charset="-128"/>
-                <a:cs typeface="Arial Unicode MS" pitchFamily="34" charset="-128"/>
-              </a:rPr>
-              <a:pPr>
-                <a:buFont typeface="Wingdings" pitchFamily="2" charset="2"/>
-                <a:buNone/>
-              </a:pPr>
-              <a:t>46</a:t>
-            </a:fld>
-            <a:endParaRPr lang="en-GB" smtClean="0">
-              <a:latin typeface="Times New Roman" pitchFamily="18" charset="0"/>
-              <a:ea typeface="Arial Unicode MS" pitchFamily="34" charset="-128"/>
-              <a:cs typeface="Arial Unicode MS" pitchFamily="34" charset="-128"/>
-            </a:endParaRPr>
-          </a:p>
-        </p:txBody>
-      </p:sp>
-    </p:spTree>
-  </p:cSld>
-  <p:clrMapOvr>
-    <a:masterClrMapping/>
-  </p:clrMapOvr>
-  <p:timing>
-    <p:tnLst>
-      <p:par>
-        <p:cTn id="1" dur="indefinite" restart="never" nodeType="tmRoot"/>
-      </p:par>
-    </p:tnLst>
-  </p:timing>
-</p:sld>
-</file>
-
-<file path=ppt/slides/slide47.xml><?xml version="1.0" encoding="utf-8"?>
-<p:sld xmlns:a="http://schemas.openxmlformats.org/drawingml/2006/main" xmlns:r="http://schemas.openxmlformats.org/officeDocument/2006/relationships" xmlns:p="http://schemas.openxmlformats.org/presentationml/2006/main">
-  <p:cSld>
-    <p:spTree>
-      <p:nvGrpSpPr>
-        <p:cNvPr id="1" name=""/>
-        <p:cNvGrpSpPr/>
-        <p:nvPr/>
-      </p:nvGrpSpPr>
-      <p:grpSpPr>
-        <a:xfrm>
-          <a:off x="0" y="0"/>
-          <a:ext cx="0" cy="0"/>
-          <a:chOff x="0" y="0"/>
-          <a:chExt cx="0" cy="0"/>
-        </a:xfrm>
-      </p:grpSpPr>
-      <p:sp>
-        <p:nvSpPr>
-          <p:cNvPr id="60418" name="Title 1"/>
-          <p:cNvSpPr>
-            <a:spLocks noGrp="1"/>
-          </p:cNvSpPr>
-          <p:nvPr>
-            <p:ph type="ctrTitle"/>
-          </p:nvPr>
-        </p:nvSpPr>
-        <p:spPr/>
-        <p:txBody>
-          <a:bodyPr/>
-          <a:lstStyle/>
-          <a:p>
-            <a:r>
-              <a:rPr lang="en-US" smtClean="0"/>
-              <a:t>Validation Framework Design Overview</a:t>
-            </a:r>
-          </a:p>
-        </p:txBody>
-      </p:sp>
-      <p:sp>
-        <p:nvSpPr>
-          <p:cNvPr id="60419" name="Subtitle 2"/>
-          <p:cNvSpPr>
-            <a:spLocks noGrp="1"/>
-          </p:cNvSpPr>
-          <p:nvPr>
-            <p:ph type="subTitle" idx="1"/>
-          </p:nvPr>
-        </p:nvSpPr>
-        <p:spPr/>
-        <p:txBody>
-          <a:bodyPr/>
-          <a:lstStyle/>
-          <a:p>
-            <a:endParaRPr lang="en-US" smtClean="0"/>
-          </a:p>
-        </p:txBody>
-      </p:sp>
-      <p:sp>
-        <p:nvSpPr>
-          <p:cNvPr id="60420" name="Footer Placeholder 3"/>
-          <p:cNvSpPr>
-            <a:spLocks noGrp="1"/>
-          </p:cNvSpPr>
-          <p:nvPr>
-            <p:ph type="ftr" sz="quarter" idx="10"/>
-          </p:nvPr>
-        </p:nvSpPr>
-        <p:spPr>
-          <a:noFill/>
-        </p:spPr>
-        <p:txBody>
-          <a:bodyPr/>
-          <a:lstStyle/>
-          <a:p>
-            <a:pPr>
-              <a:buFont typeface="verdana" pitchFamily="34" charset="0"/>
-              <a:buNone/>
-            </a:pPr>
-            <a:r>
-              <a:rPr lang="en-GB" smtClean="0">
-                <a:latin typeface="verdana" pitchFamily="34" charset="0"/>
-                <a:ea typeface="Arial Unicode MS" pitchFamily="34" charset="-128"/>
-                <a:cs typeface="Arial Unicode MS" pitchFamily="34" charset="-128"/>
-              </a:rPr>
-              <a:t>©ArcMind, Inc. </a:t>
-            </a:r>
-            <a:r>
-              <a:rPr lang="en-GB" i="1" smtClean="0">
-                <a:latin typeface="verdana" pitchFamily="34" charset="0"/>
-                <a:ea typeface="Arial Unicode MS" pitchFamily="34" charset="-128"/>
-                <a:cs typeface="Arial Unicode MS" pitchFamily="34" charset="-128"/>
-              </a:rPr>
-              <a:t>“Know The Next”   </a:t>
-            </a:r>
-            <a:r>
-              <a:rPr lang="en-GB" smtClean="0">
-                <a:latin typeface="verdana" pitchFamily="34" charset="0"/>
-                <a:ea typeface="Arial Unicode MS" pitchFamily="34" charset="-128"/>
-                <a:cs typeface="Arial Unicode MS" pitchFamily="34" charset="-128"/>
-              </a:rPr>
-              <a:t>2004-2008</a:t>
-            </a:r>
-          </a:p>
-        </p:txBody>
-      </p:sp>
-      <p:sp>
-        <p:nvSpPr>
-          <p:cNvPr id="60421" name="Rectangle 11"/>
-          <p:cNvSpPr>
-            <a:spLocks noGrp="1" noChangeArrowheads="1"/>
-          </p:cNvSpPr>
-          <p:nvPr>
-            <p:ph type="sldNum" sz="quarter" idx="11"/>
-          </p:nvPr>
-        </p:nvSpPr>
-        <p:spPr>
-          <a:xfrm>
-            <a:off x="7010400" y="6551613"/>
-            <a:ext cx="1901825" cy="306387"/>
-          </a:xfrm>
-          <a:noFill/>
-        </p:spPr>
-        <p:txBody>
-          <a:bodyPr/>
-          <a:lstStyle/>
-          <a:p>
-            <a:pPr>
-              <a:buFont typeface="Wingdings" pitchFamily="2" charset="2"/>
-              <a:buNone/>
-            </a:pPr>
-            <a:fld id="{40174DAA-5210-4BD3-B7C3-E1297FFE5740}" type="slidenum">
-              <a:rPr lang="en-GB" smtClean="0">
-                <a:latin typeface="Times New Roman" pitchFamily="18" charset="0"/>
-                <a:ea typeface="Arial Unicode MS" pitchFamily="34" charset="-128"/>
-                <a:cs typeface="Arial Unicode MS" pitchFamily="34" charset="-128"/>
-              </a:rPr>
-              <a:pPr>
-                <a:buFont typeface="Wingdings" pitchFamily="2" charset="2"/>
-                <a:buNone/>
-              </a:pPr>
-              <a:t>47</a:t>
-            </a:fld>
-            <a:endParaRPr lang="en-GB" smtClean="0">
-              <a:latin typeface="Times New Roman" pitchFamily="18" charset="0"/>
-              <a:ea typeface="Arial Unicode MS" pitchFamily="34" charset="-128"/>
-              <a:cs typeface="Arial Unicode MS" pitchFamily="34" charset="-128"/>
-            </a:endParaRPr>
-          </a:p>
-        </p:txBody>
-      </p:sp>
-    </p:spTree>
-  </p:cSld>
-  <p:clrMapOvr>
-    <a:masterClrMapping/>
-  </p:clrMapOvr>
 </p:sld>
 </file>
 
@@ -29034,7 +29228,7 @@
       </p:grpSpPr>
       <p:sp>
         <p:nvSpPr>
-          <p:cNvPr id="61442" name="Title 1"/>
+          <p:cNvPr id="59394" name="Title 1"/>
           <p:cNvSpPr>
             <a:spLocks noGrp="1"/>
           </p:cNvSpPr>
@@ -29049,14 +29243,133 @@
           <a:p>
             <a:r>
               <a:rPr lang="en-US" smtClean="0"/>
-              <a:t>Easy to plugin meta-data sources for Validation</a:t>
-            </a:r>
-          </a:p>
-        </p:txBody>
-      </p:sp>
-      <p:sp>
-        <p:nvSpPr>
-          <p:cNvPr id="61443" name="Footer Placeholder 2"/>
+              <a:t>Where to go from here</a:t>
+            </a:r>
+          </a:p>
+        </p:txBody>
+      </p:sp>
+      <p:sp>
+        <p:nvSpPr>
+          <p:cNvPr id="59395" name="Content Placeholder 2"/>
+          <p:cNvSpPr>
+            <a:spLocks noGrp="1"/>
+          </p:cNvSpPr>
+          <p:nvPr>
+            <p:ph idx="1"/>
+          </p:nvPr>
+        </p:nvSpPr>
+        <p:spPr/>
+        <p:txBody>
+          <a:bodyPr/>
+          <a:lstStyle/>
+          <a:p>
+            <a:r>
+              <a:rPr lang="en-US" smtClean="0"/>
+              <a:t>Crank home page</a:t>
+            </a:r>
+            <a:endParaRPr lang="en-US" smtClean="0">
+              <a:solidFill>
+                <a:srgbClr val="C00000"/>
+              </a:solidFill>
+              <a:hlinkClick r:id="rId3"/>
+            </a:endParaRPr>
+          </a:p>
+          <a:p>
+            <a:pPr lvl="1"/>
+            <a:r>
+              <a:rPr lang="en-US" smtClean="0">
+                <a:solidFill>
+                  <a:srgbClr val="C00000"/>
+                </a:solidFill>
+                <a:hlinkClick r:id="rId3"/>
+              </a:rPr>
+              <a:t>http://code.google.com/p/krank/</a:t>
+            </a:r>
+            <a:endParaRPr lang="en-US" smtClean="0">
+              <a:solidFill>
+                <a:srgbClr val="C00000"/>
+              </a:solidFill>
+            </a:endParaRPr>
+          </a:p>
+          <a:p>
+            <a:r>
+              <a:rPr lang="en-US" smtClean="0"/>
+              <a:t>Crank Crud Design Document</a:t>
+            </a:r>
+            <a:endParaRPr lang="en-US" smtClean="0">
+              <a:solidFill>
+                <a:srgbClr val="C00000"/>
+              </a:solidFill>
+            </a:endParaRPr>
+          </a:p>
+          <a:p>
+            <a:pPr lvl="1"/>
+            <a:r>
+              <a:rPr lang="en-US" smtClean="0">
+                <a:solidFill>
+                  <a:srgbClr val="C00000"/>
+                </a:solidFill>
+                <a:hlinkClick r:id="rId4"/>
+              </a:rPr>
+              <a:t>http://code.google.com/p/krank/wiki/CrankCrudDesignDocs</a:t>
+            </a:r>
+            <a:endParaRPr lang="en-US" smtClean="0">
+              <a:solidFill>
+                <a:srgbClr val="C00000"/>
+              </a:solidFill>
+            </a:endParaRPr>
+          </a:p>
+          <a:p>
+            <a:pPr lvl="1"/>
+            <a:r>
+              <a:rPr lang="en-US" smtClean="0"/>
+              <a:t>If the instructor has time, go through the design document</a:t>
+            </a:r>
+          </a:p>
+          <a:p>
+            <a:r>
+              <a:rPr lang="en-US" smtClean="0"/>
+              <a:t>Crank Crud Intro</a:t>
+            </a:r>
+          </a:p>
+          <a:p>
+            <a:pPr lvl="1"/>
+            <a:r>
+              <a:rPr lang="en-US" smtClean="0">
+                <a:hlinkClick r:id="rId5"/>
+              </a:rPr>
+              <a:t>http://code.google.com/p/krank/wiki/CrankCrudIntro</a:t>
+            </a:r>
+            <a:endParaRPr lang="en-US" smtClean="0"/>
+          </a:p>
+          <a:p>
+            <a:r>
+              <a:rPr lang="en-US" smtClean="0"/>
+              <a:t>More involved Crank Crud Tutorial</a:t>
+            </a:r>
+          </a:p>
+          <a:p>
+            <a:pPr lvl="1"/>
+            <a:r>
+              <a:rPr lang="en-US" smtClean="0">
+                <a:hlinkClick r:id="rId6"/>
+              </a:rPr>
+              <a:t>http://code.google.com/p/krank/wiki/CrankCrudTutorial</a:t>
+            </a:r>
+            <a:endParaRPr lang="en-US" smtClean="0"/>
+          </a:p>
+          <a:p>
+            <a:pPr lvl="1"/>
+            <a:endParaRPr lang="en-US" smtClean="0"/>
+          </a:p>
+          <a:p>
+            <a:endParaRPr lang="en-US" smtClean="0"/>
+          </a:p>
+        </p:txBody>
+      </p:sp>
+      <p:sp>
+        <p:nvSpPr>
+          <p:cNvPr id="59396" name="Footer Placeholder 3"/>
           <p:cNvSpPr>
             <a:spLocks noGrp="1"/>
           </p:cNvSpPr>
@@ -29102,41 +29415,9 @@
           </a:p>
         </p:txBody>
       </p:sp>
-      <p:pic>
-        <p:nvPicPr>
-          <p:cNvPr id="61444" name="Picture 2" descr="http://krank.googlecode.com/svn/wiki/img/validation-metadata.png"/>
-          <p:cNvPicPr>
-            <a:picLocks noChangeAspect="1" noChangeArrowheads="1"/>
-          </p:cNvPicPr>
-          <p:nvPr/>
-        </p:nvPicPr>
-        <p:blipFill>
-          <a:blip r:embed="rId3"/>
-          <a:srcRect/>
-          <a:stretch>
-            <a:fillRect/>
-          </a:stretch>
-        </p:blipFill>
-        <p:spPr bwMode="auto">
-          <a:xfrm>
-            <a:off x="381000" y="1219200"/>
-            <a:ext cx="7134225" cy="5438775"/>
-          </a:xfrm>
-          <a:prstGeom prst="rect">
-            <a:avLst/>
-          </a:prstGeom>
-          <a:noFill/>
-          <a:ln w="9525">
-            <a:noFill/>
-            <a:miter lim="800000"/>
-            <a:headEnd/>
-            <a:tailEnd/>
-          </a:ln>
-        </p:spPr>
-      </p:pic>
-      <p:sp>
-        <p:nvSpPr>
-          <p:cNvPr id="61445" name="Rectangle 11"/>
+      <p:sp>
+        <p:nvSpPr>
+          <p:cNvPr id="59397" name="Rectangle 11"/>
           <p:cNvSpPr>
             <a:spLocks noGrp="1" noChangeArrowheads="1"/>
           </p:cNvSpPr>
@@ -29145,10 +29426,6 @@
           </p:nvPr>
         </p:nvSpPr>
         <p:spPr>
-          <a:xfrm>
-            <a:off x="7010400" y="6551613"/>
-            <a:ext cx="1901825" cy="306387"/>
-          </a:xfrm>
           <a:noFill/>
         </p:spPr>
         <p:txBody>
@@ -29159,7 +29436,7 @@
               <a:buFont typeface="Wingdings" pitchFamily="2" charset="2"/>
               <a:buNone/>
             </a:pPr>
-            <a:fld id="{CA8DA3FC-AE2C-4460-A5B6-DA360E16E103}" type="slidenum">
+            <a:fld id="{0AA64B37-6D8F-44DF-B531-232792CA71B0}" type="slidenum">
               <a:rPr lang="en-GB" smtClean="0">
                 <a:latin typeface="Times New Roman" pitchFamily="18" charset="0"/>
                 <a:ea typeface="Arial Unicode MS" pitchFamily="34" charset="-128"/>
@@ -29213,12 +29490,12 @@
       </p:grpSpPr>
       <p:sp>
         <p:nvSpPr>
-          <p:cNvPr id="62466" name="Title 1"/>
+          <p:cNvPr id="60418" name="Title 1"/>
           <p:cNvSpPr>
             <a:spLocks noGrp="1"/>
           </p:cNvSpPr>
           <p:nvPr>
-            <p:ph type="title"/>
+            <p:ph type="ctrTitle"/>
           </p:nvPr>
         </p:nvSpPr>
         <p:spPr/>
@@ -29228,19 +29505,19 @@
           <a:p>
             <a:r>
               <a:rPr lang="en-US" smtClean="0"/>
-              <a:t>ValidatorMetaDataReader</a:t>
-            </a:r>
-          </a:p>
-        </p:txBody>
-      </p:sp>
-      <p:sp>
-        <p:nvSpPr>
-          <p:cNvPr id="62467" name="Content Placeholder 2"/>
+              <a:t>Validation Framework Design Overview</a:t>
+            </a:r>
+          </a:p>
+        </p:txBody>
+      </p:sp>
+      <p:sp>
+        <p:nvSpPr>
+          <p:cNvPr id="60419" name="Subtitle 2"/>
           <p:cNvSpPr>
             <a:spLocks noGrp="1"/>
           </p:cNvSpPr>
           <p:nvPr>
-            <p:ph idx="1"/>
+            <p:ph type="subTitle" idx="1"/>
           </p:nvPr>
         </p:nvSpPr>
         <p:spPr/>
@@ -29248,44 +29525,13 @@
           <a:bodyPr/>
           <a:lstStyle/>
           <a:p>
-            <a:r>
-              <a:rPr lang="en-US" i="1" smtClean="0"/>
-              <a:t>ValidatorMetaDataReader</a:t>
-            </a:r>
-            <a:r>
-              <a:rPr lang="en-US" smtClean="0"/>
-              <a:t> </a:t>
-            </a:r>
-          </a:p>
-          <a:p>
-            <a:r>
-              <a:rPr lang="en-US" smtClean="0"/>
-              <a:t>extention point for classes that need to read validation meta-data </a:t>
-            </a:r>
-          </a:p>
-          <a:p>
-            <a:r>
-              <a:rPr lang="en-US" smtClean="0"/>
-              <a:t>One implementation reads the meta-data from a properties file</a:t>
-            </a:r>
-          </a:p>
-          <a:p>
-            <a:r>
-              <a:rPr lang="en-US" smtClean="0"/>
-              <a:t>One implementation reads the data from Java 5 Annotation</a:t>
-            </a:r>
-          </a:p>
-          <a:p>
-            <a:r>
-              <a:rPr lang="en-US" smtClean="0"/>
-              <a:t>Another implementation reads from DB</a:t>
-            </a:r>
-          </a:p>
-        </p:txBody>
-      </p:sp>
-      <p:sp>
-        <p:nvSpPr>
-          <p:cNvPr id="62468" name="Footer Placeholder 3"/>
+            <a:endParaRPr lang="en-US" smtClean="0"/>
+          </a:p>
+        </p:txBody>
+      </p:sp>
+      <p:sp>
+        <p:nvSpPr>
+          <p:cNvPr id="60420" name="Footer Placeholder 3"/>
           <p:cNvSpPr>
             <a:spLocks noGrp="1"/>
           </p:cNvSpPr>
@@ -29333,7 +29579,7 @@
       </p:sp>
       <p:sp>
         <p:nvSpPr>
-          <p:cNvPr id="62469" name="Rectangle 11"/>
+          <p:cNvPr id="60421" name="Rectangle 11"/>
           <p:cNvSpPr>
             <a:spLocks noGrp="1" noChangeArrowheads="1"/>
           </p:cNvSpPr>
@@ -29342,6 +29588,10 @@
           </p:nvPr>
         </p:nvSpPr>
         <p:spPr>
+          <a:xfrm>
+            <a:off x="7010400" y="6551613"/>
+            <a:ext cx="1901825" cy="306387"/>
+          </a:xfrm>
           <a:noFill/>
         </p:spPr>
         <p:txBody>
@@ -29352,7 +29602,7 @@
               <a:buFont typeface="Wingdings" pitchFamily="2" charset="2"/>
               <a:buNone/>
             </a:pPr>
-            <a:fld id="{5177F30D-9B7D-485B-899C-FA07F7F73EBF}" type="slidenum">
+            <a:fld id="{40174DAA-5210-4BD3-B7C3-E1297FFE5740}" type="slidenum">
               <a:rPr lang="en-GB" smtClean="0">
                 <a:latin typeface="Times New Roman" pitchFamily="18" charset="0"/>
                 <a:ea typeface="Arial Unicode MS" pitchFamily="34" charset="-128"/>
@@ -29377,13 +29627,6 @@
   <p:clrMapOvr>
     <a:masterClrMapping/>
   </p:clrMapOvr>
-  <p:timing>
-    <p:tnLst>
-      <p:par>
-        <p:cTn id="1" dur="indefinite" restart="never" nodeType="tmRoot"/>
-      </p:par>
-    </p:tnLst>
-  </p:timing>
 </p:sld>
 </file>
 
@@ -30525,7 +30768,7 @@
       </p:grpSpPr>
       <p:sp>
         <p:nvSpPr>
-          <p:cNvPr id="63490" name="Title 1"/>
+          <p:cNvPr id="61442" name="Title 1"/>
           <p:cNvSpPr>
             <a:spLocks noGrp="1"/>
           </p:cNvSpPr>
@@ -30540,77 +30783,14 @@
           <a:p>
             <a:r>
               <a:rPr lang="en-US" smtClean="0"/>
-              <a:t>AnnotationValidatorMetaDataReader</a:t>
-            </a:r>
-          </a:p>
-        </p:txBody>
-      </p:sp>
-      <p:sp>
-        <p:nvSpPr>
-          <p:cNvPr id="63491" name="Content Placeholder 2"/>
-          <p:cNvSpPr>
-            <a:spLocks noGrp="1"/>
-          </p:cNvSpPr>
-          <p:nvPr>
-            <p:ph idx="1"/>
-          </p:nvPr>
-        </p:nvSpPr>
-        <p:spPr/>
-        <p:txBody>
-          <a:bodyPr/>
-          <a:lstStyle/>
-          <a:p>
-            <a:r>
-              <a:rPr lang="en-US" sz="2400" smtClean="0"/>
-              <a:t>Reads validation meta-data from annotations. </a:t>
-            </a:r>
-          </a:p>
-          <a:p>
-            <a:r>
-              <a:rPr lang="en-US" sz="2400" smtClean="0"/>
-              <a:t>Configure base package of the annotatoins </a:t>
-            </a:r>
-          </a:p>
-          <a:p>
-            <a:pPr lvl="1"/>
-            <a:r>
-              <a:rPr lang="en-US" sz="1200" smtClean="0"/>
-              <a:t>defaults to "org.crank.annotations.validation". </a:t>
-            </a:r>
-          </a:p>
-          <a:p>
-            <a:r>
-              <a:rPr lang="en-US" sz="2400" smtClean="0"/>
-              <a:t>Takes name of the ValidatorMetaData and captilalizes the first letter. </a:t>
-            </a:r>
-          </a:p>
-          <a:p>
-            <a:r>
-              <a:rPr lang="en-US" sz="2400" smtClean="0"/>
-              <a:t>"com.mycompany.annotations", and ValidatorMetaData.name = "required", then look for com.mycompany.annotations.Required</a:t>
-            </a:r>
-          </a:p>
-          <a:p>
-            <a:r>
-              <a:rPr lang="en-US" sz="2400" smtClean="0"/>
-              <a:t>use annotation without polluting your model classes with Crank annotations</a:t>
-            </a:r>
-          </a:p>
-          <a:p>
-            <a:r>
-              <a:rPr lang="en-US" sz="2400" smtClean="0"/>
-              <a:t>Three extensions use this JavaScript, JSF and SpringMVC</a:t>
-            </a:r>
-            <a:endParaRPr lang="en-US" smtClean="0"/>
-          </a:p>
-          <a:p>
-            <a:endParaRPr lang="en-US" sz="2800" smtClean="0"/>
-          </a:p>
-        </p:txBody>
-      </p:sp>
-      <p:sp>
-        <p:nvSpPr>
-          <p:cNvPr id="63492" name="Footer Placeholder 3"/>
+              <a:t>Easy to plugin meta-data sources for Validation</a:t>
+            </a:r>
+          </a:p>
+        </p:txBody>
+      </p:sp>
+      <p:sp>
+        <p:nvSpPr>
+          <p:cNvPr id="61443" name="Footer Placeholder 2"/>
           <p:cNvSpPr>
             <a:spLocks noGrp="1"/>
           </p:cNvSpPr>
@@ -30656,9 +30836,41 @@
           </a:p>
         </p:txBody>
       </p:sp>
-      <p:sp>
-        <p:nvSpPr>
-          <p:cNvPr id="63493" name="Rectangle 11"/>
+      <p:pic>
+        <p:nvPicPr>
+          <p:cNvPr id="61444" name="Picture 2" descr="http://krank.googlecode.com/svn/wiki/img/validation-metadata.png"/>
+          <p:cNvPicPr>
+            <a:picLocks noChangeAspect="1" noChangeArrowheads="1"/>
+          </p:cNvPicPr>
+          <p:nvPr/>
+        </p:nvPicPr>
+        <p:blipFill>
+          <a:blip r:embed="rId3"/>
+          <a:srcRect/>
+          <a:stretch>
+            <a:fillRect/>
+          </a:stretch>
+        </p:blipFill>
+        <p:spPr bwMode="auto">
+          <a:xfrm>
+            <a:off x="381000" y="1219200"/>
+            <a:ext cx="7134225" cy="5438775"/>
+          </a:xfrm>
+          <a:prstGeom prst="rect">
+            <a:avLst/>
+          </a:prstGeom>
+          <a:noFill/>
+          <a:ln w="9525">
+            <a:noFill/>
+            <a:miter lim="800000"/>
+            <a:headEnd/>
+            <a:tailEnd/>
+          </a:ln>
+        </p:spPr>
+      </p:pic>
+      <p:sp>
+        <p:nvSpPr>
+          <p:cNvPr id="61445" name="Rectangle 11"/>
           <p:cNvSpPr>
             <a:spLocks noGrp="1" noChangeArrowheads="1"/>
           </p:cNvSpPr>
@@ -30667,6 +30879,10 @@
           </p:nvPr>
         </p:nvSpPr>
         <p:spPr>
+          <a:xfrm>
+            <a:off x="7010400" y="6551613"/>
+            <a:ext cx="1901825" cy="306387"/>
+          </a:xfrm>
           <a:noFill/>
         </p:spPr>
         <p:txBody>
@@ -30677,7 +30893,7 @@
               <a:buFont typeface="Wingdings" pitchFamily="2" charset="2"/>
               <a:buNone/>
             </a:pPr>
-            <a:fld id="{1A449810-AE10-4265-A57A-93606A9D2192}" type="slidenum">
+            <a:fld id="{CA8DA3FC-AE2C-4460-A5B6-DA360E16E103}" type="slidenum">
               <a:rPr lang="en-GB" smtClean="0">
                 <a:latin typeface="Times New Roman" pitchFamily="18" charset="0"/>
                 <a:ea typeface="Arial Unicode MS" pitchFamily="34" charset="-128"/>
@@ -30713,6 +30929,405 @@
 </file>
 
 <file path=ppt/slides/slide51.xml><?xml version="1.0" encoding="utf-8"?>
+<p:sld xmlns:a="http://schemas.openxmlformats.org/drawingml/2006/main" xmlns:r="http://schemas.openxmlformats.org/officeDocument/2006/relationships" xmlns:p="http://schemas.openxmlformats.org/presentationml/2006/main">
+  <p:cSld>
+    <p:spTree>
+      <p:nvGrpSpPr>
+        <p:cNvPr id="1" name=""/>
+        <p:cNvGrpSpPr/>
+        <p:nvPr/>
+      </p:nvGrpSpPr>
+      <p:grpSpPr>
+        <a:xfrm>
+          <a:off x="0" y="0"/>
+          <a:ext cx="0" cy="0"/>
+          <a:chOff x="0" y="0"/>
+          <a:chExt cx="0" cy="0"/>
+        </a:xfrm>
+      </p:grpSpPr>
+      <p:sp>
+        <p:nvSpPr>
+          <p:cNvPr id="62466" name="Title 1"/>
+          <p:cNvSpPr>
+            <a:spLocks noGrp="1"/>
+          </p:cNvSpPr>
+          <p:nvPr>
+            <p:ph type="title"/>
+          </p:nvPr>
+        </p:nvSpPr>
+        <p:spPr/>
+        <p:txBody>
+          <a:bodyPr/>
+          <a:lstStyle/>
+          <a:p>
+            <a:r>
+              <a:rPr lang="en-US" smtClean="0"/>
+              <a:t>ValidatorMetaDataReader</a:t>
+            </a:r>
+          </a:p>
+        </p:txBody>
+      </p:sp>
+      <p:sp>
+        <p:nvSpPr>
+          <p:cNvPr id="62467" name="Content Placeholder 2"/>
+          <p:cNvSpPr>
+            <a:spLocks noGrp="1"/>
+          </p:cNvSpPr>
+          <p:nvPr>
+            <p:ph idx="1"/>
+          </p:nvPr>
+        </p:nvSpPr>
+        <p:spPr/>
+        <p:txBody>
+          <a:bodyPr/>
+          <a:lstStyle/>
+          <a:p>
+            <a:r>
+              <a:rPr lang="en-US" i="1" smtClean="0"/>
+              <a:t>ValidatorMetaDataReader</a:t>
+            </a:r>
+            <a:r>
+              <a:rPr lang="en-US" smtClean="0"/>
+              <a:t> </a:t>
+            </a:r>
+          </a:p>
+          <a:p>
+            <a:r>
+              <a:rPr lang="en-US" smtClean="0"/>
+              <a:t>extention point for classes that need to read validation meta-data </a:t>
+            </a:r>
+          </a:p>
+          <a:p>
+            <a:r>
+              <a:rPr lang="en-US" smtClean="0"/>
+              <a:t>One implementation reads the meta-data from a properties file</a:t>
+            </a:r>
+          </a:p>
+          <a:p>
+            <a:r>
+              <a:rPr lang="en-US" smtClean="0"/>
+              <a:t>One implementation reads the data from Java 5 Annotation</a:t>
+            </a:r>
+          </a:p>
+          <a:p>
+            <a:r>
+              <a:rPr lang="en-US" smtClean="0"/>
+              <a:t>Another implementation reads from DB</a:t>
+            </a:r>
+          </a:p>
+        </p:txBody>
+      </p:sp>
+      <p:sp>
+        <p:nvSpPr>
+          <p:cNvPr id="62468" name="Footer Placeholder 3"/>
+          <p:cNvSpPr>
+            <a:spLocks noGrp="1"/>
+          </p:cNvSpPr>
+          <p:nvPr>
+            <p:ph type="ftr" sz="quarter" idx="10"/>
+          </p:nvPr>
+        </p:nvSpPr>
+        <p:spPr>
+          <a:noFill/>
+        </p:spPr>
+        <p:txBody>
+          <a:bodyPr/>
+          <a:lstStyle/>
+          <a:p>
+            <a:pPr>
+              <a:buFont typeface="verdana" pitchFamily="34" charset="0"/>
+              <a:buNone/>
+            </a:pPr>
+            <a:r>
+              <a:rPr lang="en-GB" smtClean="0">
+                <a:latin typeface="verdana" pitchFamily="34" charset="0"/>
+                <a:ea typeface="Arial Unicode MS" pitchFamily="34" charset="-128"/>
+                <a:cs typeface="Arial Unicode MS" pitchFamily="34" charset="-128"/>
+              </a:rPr>
+              <a:t>©ArcMind, Inc. </a:t>
+            </a:r>
+            <a:r>
+              <a:rPr lang="en-GB" i="1" smtClean="0">
+                <a:latin typeface="verdana" pitchFamily="34" charset="0"/>
+                <a:ea typeface="Arial Unicode MS" pitchFamily="34" charset="-128"/>
+                <a:cs typeface="Arial Unicode MS" pitchFamily="34" charset="-128"/>
+              </a:rPr>
+              <a:t>“Know The Next”   </a:t>
+            </a:r>
+            <a:r>
+              <a:rPr lang="en-GB" smtClean="0">
+                <a:latin typeface="verdana" pitchFamily="34" charset="0"/>
+                <a:ea typeface="Arial Unicode MS" pitchFamily="34" charset="-128"/>
+                <a:cs typeface="Arial Unicode MS" pitchFamily="34" charset="-128"/>
+              </a:rPr>
+              <a:t>2004-2008</a:t>
+            </a:r>
+          </a:p>
+        </p:txBody>
+      </p:sp>
+      <p:sp>
+        <p:nvSpPr>
+          <p:cNvPr id="62469" name="Rectangle 11"/>
+          <p:cNvSpPr>
+            <a:spLocks noGrp="1" noChangeArrowheads="1"/>
+          </p:cNvSpPr>
+          <p:nvPr>
+            <p:ph type="sldNum" sz="quarter" idx="11"/>
+          </p:nvPr>
+        </p:nvSpPr>
+        <p:spPr>
+          <a:noFill/>
+        </p:spPr>
+        <p:txBody>
+          <a:bodyPr/>
+          <a:lstStyle/>
+          <a:p>
+            <a:pPr>
+              <a:buFont typeface="Wingdings" pitchFamily="2" charset="2"/>
+              <a:buNone/>
+            </a:pPr>
+            <a:fld id="{5177F30D-9B7D-485B-899C-FA07F7F73EBF}" type="slidenum">
+              <a:rPr lang="en-GB" smtClean="0">
+                <a:latin typeface="Times New Roman" pitchFamily="18" charset="0"/>
+                <a:ea typeface="Arial Unicode MS" pitchFamily="34" charset="-128"/>
+                <a:cs typeface="Arial Unicode MS" pitchFamily="34" charset="-128"/>
+              </a:rPr>
+              <a:pPr>
+                <a:buFont typeface="Wingdings" pitchFamily="2" charset="2"/>
+                <a:buNone/>
+              </a:pPr>
+              <a:t>51</a:t>
+            </a:fld>
+            <a:endParaRPr lang="en-GB" smtClean="0">
+              <a:latin typeface="Times New Roman" pitchFamily="18" charset="0"/>
+              <a:ea typeface="Arial Unicode MS" pitchFamily="34" charset="-128"/>
+              <a:cs typeface="Arial Unicode MS" pitchFamily="34" charset="-128"/>
+            </a:endParaRPr>
+          </a:p>
+        </p:txBody>
+      </p:sp>
+    </p:spTree>
+  </p:cSld>
+  <p:clrMapOvr>
+    <a:masterClrMapping/>
+  </p:clrMapOvr>
+  <p:timing>
+    <p:tnLst>
+      <p:par>
+        <p:cTn id="1" dur="indefinite" restart="never" nodeType="tmRoot"/>
+      </p:par>
+    </p:tnLst>
+  </p:timing>
+</p:sld>
+</file>
+
+<file path=ppt/slides/slide52.xml><?xml version="1.0" encoding="utf-8"?>
+<p:sld xmlns:a="http://schemas.openxmlformats.org/drawingml/2006/main" xmlns:r="http://schemas.openxmlformats.org/officeDocument/2006/relationships" xmlns:p="http://schemas.openxmlformats.org/presentationml/2006/main">
+  <p:cSld>
+    <p:spTree>
+      <p:nvGrpSpPr>
+        <p:cNvPr id="1" name=""/>
+        <p:cNvGrpSpPr/>
+        <p:nvPr/>
+      </p:nvGrpSpPr>
+      <p:grpSpPr>
+        <a:xfrm>
+          <a:off x="0" y="0"/>
+          <a:ext cx="0" cy="0"/>
+          <a:chOff x="0" y="0"/>
+          <a:chExt cx="0" cy="0"/>
+        </a:xfrm>
+      </p:grpSpPr>
+      <p:sp>
+        <p:nvSpPr>
+          <p:cNvPr id="63490" name="Title 1"/>
+          <p:cNvSpPr>
+            <a:spLocks noGrp="1"/>
+          </p:cNvSpPr>
+          <p:nvPr>
+            <p:ph type="title"/>
+          </p:nvPr>
+        </p:nvSpPr>
+        <p:spPr/>
+        <p:txBody>
+          <a:bodyPr/>
+          <a:lstStyle/>
+          <a:p>
+            <a:r>
+              <a:rPr lang="en-US" smtClean="0"/>
+              <a:t>AnnotationValidatorMetaDataReader</a:t>
+            </a:r>
+          </a:p>
+        </p:txBody>
+      </p:sp>
+      <p:sp>
+        <p:nvSpPr>
+          <p:cNvPr id="63491" name="Content Placeholder 2"/>
+          <p:cNvSpPr>
+            <a:spLocks noGrp="1"/>
+          </p:cNvSpPr>
+          <p:nvPr>
+            <p:ph idx="1"/>
+          </p:nvPr>
+        </p:nvSpPr>
+        <p:spPr/>
+        <p:txBody>
+          <a:bodyPr/>
+          <a:lstStyle/>
+          <a:p>
+            <a:r>
+              <a:rPr lang="en-US" sz="2400" smtClean="0"/>
+              <a:t>Reads validation meta-data from annotations. </a:t>
+            </a:r>
+          </a:p>
+          <a:p>
+            <a:r>
+              <a:rPr lang="en-US" sz="2400" smtClean="0"/>
+              <a:t>Configure base package of the annotatoins </a:t>
+            </a:r>
+          </a:p>
+          <a:p>
+            <a:pPr lvl="1"/>
+            <a:r>
+              <a:rPr lang="en-US" sz="1200" smtClean="0"/>
+              <a:t>defaults to "org.crank.annotations.validation". </a:t>
+            </a:r>
+          </a:p>
+          <a:p>
+            <a:r>
+              <a:rPr lang="en-US" sz="2400" smtClean="0"/>
+              <a:t>Takes name of the ValidatorMetaData and captilalizes the first letter. </a:t>
+            </a:r>
+          </a:p>
+          <a:p>
+            <a:r>
+              <a:rPr lang="en-US" sz="2400" smtClean="0"/>
+              <a:t>"com.mycompany.annotations", and ValidatorMetaData.name = "required", then look for com.mycompany.annotations.Required</a:t>
+            </a:r>
+          </a:p>
+          <a:p>
+            <a:r>
+              <a:rPr lang="en-US" sz="2400" smtClean="0"/>
+              <a:t>use annotation without polluting your model classes with Crank annotations</a:t>
+            </a:r>
+          </a:p>
+          <a:p>
+            <a:r>
+              <a:rPr lang="en-US" sz="2400" smtClean="0"/>
+              <a:t>Three extensions use this JavaScript, JSF and SpringMVC</a:t>
+            </a:r>
+            <a:endParaRPr lang="en-US" smtClean="0"/>
+          </a:p>
+          <a:p>
+            <a:endParaRPr lang="en-US" sz="2800" smtClean="0"/>
+          </a:p>
+        </p:txBody>
+      </p:sp>
+      <p:sp>
+        <p:nvSpPr>
+          <p:cNvPr id="63492" name="Footer Placeholder 3"/>
+          <p:cNvSpPr>
+            <a:spLocks noGrp="1"/>
+          </p:cNvSpPr>
+          <p:nvPr>
+            <p:ph type="ftr" sz="quarter" idx="10"/>
+          </p:nvPr>
+        </p:nvSpPr>
+        <p:spPr>
+          <a:noFill/>
+        </p:spPr>
+        <p:txBody>
+          <a:bodyPr/>
+          <a:lstStyle/>
+          <a:p>
+            <a:pPr>
+              <a:buFont typeface="verdana" pitchFamily="34" charset="0"/>
+              <a:buNone/>
+            </a:pPr>
+            <a:r>
+              <a:rPr lang="en-GB" smtClean="0">
+                <a:latin typeface="verdana" pitchFamily="34" charset="0"/>
+                <a:ea typeface="Arial Unicode MS" pitchFamily="34" charset="-128"/>
+                <a:cs typeface="Arial Unicode MS" pitchFamily="34" charset="-128"/>
+              </a:rPr>
+              <a:t>©ArcMind, Inc. </a:t>
+            </a:r>
+            <a:r>
+              <a:rPr lang="en-GB" i="1" smtClean="0">
+                <a:latin typeface="verdana" pitchFamily="34" charset="0"/>
+                <a:ea typeface="Arial Unicode MS" pitchFamily="34" charset="-128"/>
+                <a:cs typeface="Arial Unicode MS" pitchFamily="34" charset="-128"/>
+              </a:rPr>
+              <a:t>“Know The Next”   </a:t>
+            </a:r>
+            <a:r>
+              <a:rPr lang="en-GB" smtClean="0">
+                <a:latin typeface="verdana" pitchFamily="34" charset="0"/>
+                <a:ea typeface="Arial Unicode MS" pitchFamily="34" charset="-128"/>
+                <a:cs typeface="Arial Unicode MS" pitchFamily="34" charset="-128"/>
+              </a:rPr>
+              <a:t>2004-2008</a:t>
+            </a:r>
+          </a:p>
+        </p:txBody>
+      </p:sp>
+      <p:sp>
+        <p:nvSpPr>
+          <p:cNvPr id="63493" name="Rectangle 11"/>
+          <p:cNvSpPr>
+            <a:spLocks noGrp="1" noChangeArrowheads="1"/>
+          </p:cNvSpPr>
+          <p:nvPr>
+            <p:ph type="sldNum" sz="quarter" idx="11"/>
+          </p:nvPr>
+        </p:nvSpPr>
+        <p:spPr>
+          <a:noFill/>
+        </p:spPr>
+        <p:txBody>
+          <a:bodyPr/>
+          <a:lstStyle/>
+          <a:p>
+            <a:pPr>
+              <a:buFont typeface="Wingdings" pitchFamily="2" charset="2"/>
+              <a:buNone/>
+            </a:pPr>
+            <a:fld id="{1A449810-AE10-4265-A57A-93606A9D2192}" type="slidenum">
+              <a:rPr lang="en-GB" smtClean="0">
+                <a:latin typeface="Times New Roman" pitchFamily="18" charset="0"/>
+                <a:ea typeface="Arial Unicode MS" pitchFamily="34" charset="-128"/>
+                <a:cs typeface="Arial Unicode MS" pitchFamily="34" charset="-128"/>
+              </a:rPr>
+              <a:pPr>
+                <a:buFont typeface="Wingdings" pitchFamily="2" charset="2"/>
+                <a:buNone/>
+              </a:pPr>
+              <a:t>52</a:t>
+            </a:fld>
+            <a:endParaRPr lang="en-GB" smtClean="0">
+              <a:latin typeface="Times New Roman" pitchFamily="18" charset="0"/>
+              <a:ea typeface="Arial Unicode MS" pitchFamily="34" charset="-128"/>
+              <a:cs typeface="Arial Unicode MS" pitchFamily="34" charset="-128"/>
+            </a:endParaRPr>
+          </a:p>
+        </p:txBody>
+      </p:sp>
+    </p:spTree>
+  </p:cSld>
+  <p:clrMapOvr>
+    <a:masterClrMapping/>
+  </p:clrMapOvr>
+  <p:timing>
+    <p:tnLst>
+      <p:par>
+        <p:cTn id="1" dur="indefinite" restart="never" nodeType="tmRoot"/>
+      </p:par>
+    </p:tnLst>
+  </p:timing>
+</p:sld>
+</file>
+
+<file path=ppt/slides/slide53.xml><?xml version="1.0" encoding="utf-8"?>
 <p:sld xmlns:a="http://schemas.openxmlformats.org/drawingml/2006/main" xmlns:r="http://schemas.openxmlformats.org/officeDocument/2006/relationships" xmlns:p="http://schemas.openxmlformats.org/presentationml/2006/main">
   <p:cSld>
     <p:spTree>
@@ -30869,7 +31484,7 @@
                 <a:buFont typeface="Wingdings" pitchFamily="2" charset="2"/>
                 <a:buNone/>
               </a:pPr>
-              <a:t>51</a:t>
+              <a:t>53</a:t>
             </a:fld>
             <a:endParaRPr lang="en-GB" smtClean="0">
               <a:latin typeface="Times New Roman" pitchFamily="18" charset="0"/>
@@ -30891,398 +31506,6 @@
       </p:par>
     </p:tnLst>
   </p:timing>
-</p:sld>
-</file>
-
-<file path=ppt/slides/slide52.xml><?xml version="1.0" encoding="utf-8"?>
-<p:sld xmlns:a="http://schemas.openxmlformats.org/drawingml/2006/main" xmlns:r="http://schemas.openxmlformats.org/officeDocument/2006/relationships" xmlns:p="http://schemas.openxmlformats.org/presentationml/2006/main">
-  <p:cSld>
-    <p:spTree>
-      <p:nvGrpSpPr>
-        <p:cNvPr id="1" name=""/>
-        <p:cNvGrpSpPr/>
-        <p:nvPr/>
-      </p:nvGrpSpPr>
-      <p:grpSpPr>
-        <a:xfrm>
-          <a:off x="0" y="0"/>
-          <a:ext cx="0" cy="0"/>
-          <a:chOff x="0" y="0"/>
-          <a:chExt cx="0" cy="0"/>
-        </a:xfrm>
-      </p:grpSpPr>
-      <p:sp>
-        <p:nvSpPr>
-          <p:cNvPr id="65538" name="Title 1"/>
-          <p:cNvSpPr>
-            <a:spLocks noGrp="1"/>
-          </p:cNvSpPr>
-          <p:nvPr>
-            <p:ph type="title"/>
-          </p:nvPr>
-        </p:nvSpPr>
-        <p:spPr/>
-        <p:txBody>
-          <a:bodyPr/>
-          <a:lstStyle/>
-          <a:p>
-            <a:r>
-              <a:rPr lang="en-US" smtClean="0"/>
-              <a:t>PropertiesFileValidatorMetaDataReader</a:t>
-            </a:r>
-          </a:p>
-        </p:txBody>
-      </p:sp>
-      <p:sp>
-        <p:nvSpPr>
-          <p:cNvPr id="65539" name="Content Placeholder 2"/>
-          <p:cNvSpPr>
-            <a:spLocks noGrp="1"/>
-          </p:cNvSpPr>
-          <p:nvPr>
-            <p:ph idx="1"/>
-          </p:nvPr>
-        </p:nvSpPr>
-        <p:spPr/>
-        <p:txBody>
-          <a:bodyPr/>
-          <a:lstStyle/>
-          <a:p>
-            <a:r>
-              <a:rPr lang="en-US" sz="2800" smtClean="0"/>
-              <a:t>reads validation meta-data from properties files</a:t>
-            </a:r>
-          </a:p>
-          <a:p>
-            <a:r>
-              <a:rPr lang="en-US" sz="2800" smtClean="0"/>
-              <a:t>Class name com.foo.Foo, then the resource name is com.foo.Foo.properties. </a:t>
-            </a:r>
-          </a:p>
-          <a:p>
-            <a:r>
-              <a:rPr lang="en-US" sz="2800" smtClean="0"/>
-              <a:t>Properties file contents</a:t>
-            </a:r>
-          </a:p>
-          <a:p>
-            <a:endParaRPr lang="en-US" sz="1600" smtClean="0"/>
-          </a:p>
-          <a:p>
-            <a:r>
-              <a:rPr lang="en-US" sz="1600" smtClean="0"/>
-              <a:t>firstName=required; length min=10, max=100 </a:t>
-            </a:r>
-          </a:p>
-          <a:p>
-            <a:r>
-              <a:rPr lang="en-US" sz="1600" smtClean="0"/>
-              <a:t>age=required; range min=10, max=100</a:t>
-            </a:r>
-          </a:p>
-          <a:p>
-            <a:endParaRPr lang="en-US" sz="2000" smtClean="0"/>
-          </a:p>
-          <a:p>
-            <a:r>
-              <a:rPr lang="en-US" sz="2000" smtClean="0"/>
-              <a:t>First name is required, and must be at least 10 characters and no more than 100 characters</a:t>
-            </a:r>
-          </a:p>
-          <a:p>
-            <a:r>
-              <a:rPr lang="en-US" sz="2000" smtClean="0"/>
-              <a:t>Age is required and must be between 10 and 100</a:t>
-            </a:r>
-          </a:p>
-          <a:p>
-            <a:endParaRPr lang="en-US" smtClean="0"/>
-          </a:p>
-        </p:txBody>
-      </p:sp>
-      <p:sp>
-        <p:nvSpPr>
-          <p:cNvPr id="65540" name="Footer Placeholder 3"/>
-          <p:cNvSpPr>
-            <a:spLocks noGrp="1"/>
-          </p:cNvSpPr>
-          <p:nvPr>
-            <p:ph type="ftr" sz="quarter" idx="10"/>
-          </p:nvPr>
-        </p:nvSpPr>
-        <p:spPr>
-          <a:noFill/>
-        </p:spPr>
-        <p:txBody>
-          <a:bodyPr/>
-          <a:lstStyle/>
-          <a:p>
-            <a:pPr>
-              <a:buFont typeface="verdana" pitchFamily="34" charset="0"/>
-              <a:buNone/>
-            </a:pPr>
-            <a:r>
-              <a:rPr lang="en-GB" smtClean="0">
-                <a:latin typeface="verdana" pitchFamily="34" charset="0"/>
-                <a:ea typeface="Arial Unicode MS" pitchFamily="34" charset="-128"/>
-                <a:cs typeface="Arial Unicode MS" pitchFamily="34" charset="-128"/>
-              </a:rPr>
-              <a:t>©ArcMind, Inc. </a:t>
-            </a:r>
-            <a:r>
-              <a:rPr lang="en-GB" i="1" smtClean="0">
-                <a:latin typeface="verdana" pitchFamily="34" charset="0"/>
-                <a:ea typeface="Arial Unicode MS" pitchFamily="34" charset="-128"/>
-                <a:cs typeface="Arial Unicode MS" pitchFamily="34" charset="-128"/>
-              </a:rPr>
-              <a:t>“Know The Next”   </a:t>
-            </a:r>
-            <a:r>
-              <a:rPr lang="en-GB" smtClean="0">
-                <a:latin typeface="verdana" pitchFamily="34" charset="0"/>
-                <a:ea typeface="Arial Unicode MS" pitchFamily="34" charset="-128"/>
-                <a:cs typeface="Arial Unicode MS" pitchFamily="34" charset="-128"/>
-              </a:rPr>
-              <a:t>2004-2008</a:t>
-            </a:r>
-          </a:p>
-        </p:txBody>
-      </p:sp>
-      <p:sp>
-        <p:nvSpPr>
-          <p:cNvPr id="65541" name="Rectangle 11"/>
-          <p:cNvSpPr>
-            <a:spLocks noGrp="1" noChangeArrowheads="1"/>
-          </p:cNvSpPr>
-          <p:nvPr>
-            <p:ph type="sldNum" sz="quarter" idx="11"/>
-          </p:nvPr>
-        </p:nvSpPr>
-        <p:spPr>
-          <a:noFill/>
-        </p:spPr>
-        <p:txBody>
-          <a:bodyPr/>
-          <a:lstStyle/>
-          <a:p>
-            <a:pPr>
-              <a:buFont typeface="Wingdings" pitchFamily="2" charset="2"/>
-              <a:buNone/>
-            </a:pPr>
-            <a:fld id="{FB585608-231C-42F6-9519-204AE52D5CA1}" type="slidenum">
-              <a:rPr lang="en-GB" smtClean="0">
-                <a:latin typeface="Times New Roman" pitchFamily="18" charset="0"/>
-                <a:ea typeface="Arial Unicode MS" pitchFamily="34" charset="-128"/>
-                <a:cs typeface="Arial Unicode MS" pitchFamily="34" charset="-128"/>
-              </a:rPr>
-              <a:pPr>
-                <a:buFont typeface="Wingdings" pitchFamily="2" charset="2"/>
-                <a:buNone/>
-              </a:pPr>
-              <a:t>52</a:t>
-            </a:fld>
-            <a:endParaRPr lang="en-GB" smtClean="0">
-              <a:latin typeface="Times New Roman" pitchFamily="18" charset="0"/>
-              <a:ea typeface="Arial Unicode MS" pitchFamily="34" charset="-128"/>
-              <a:cs typeface="Arial Unicode MS" pitchFamily="34" charset="-128"/>
-            </a:endParaRPr>
-          </a:p>
-        </p:txBody>
-      </p:sp>
-    </p:spTree>
-  </p:cSld>
-  <p:clrMapOvr>
-    <a:masterClrMapping/>
-  </p:clrMapOvr>
-  <p:timing>
-    <p:tnLst>
-      <p:par>
-        <p:cTn id="1" dur="indefinite" restart="never" nodeType="tmRoot"/>
-      </p:par>
-    </p:tnLst>
-  </p:timing>
-</p:sld>
-</file>
-
-<file path=ppt/slides/slide53.xml><?xml version="1.0" encoding="utf-8"?>
-<p:sld xmlns:a="http://schemas.openxmlformats.org/drawingml/2006/main" xmlns:r="http://schemas.openxmlformats.org/officeDocument/2006/relationships" xmlns:p="http://schemas.openxmlformats.org/presentationml/2006/main">
-  <p:cSld>
-    <p:spTree>
-      <p:nvGrpSpPr>
-        <p:cNvPr id="1" name=""/>
-        <p:cNvGrpSpPr/>
-        <p:nvPr/>
-      </p:nvGrpSpPr>
-      <p:grpSpPr>
-        <a:xfrm>
-          <a:off x="0" y="0"/>
-          <a:ext cx="0" cy="0"/>
-          <a:chOff x="0" y="0"/>
-          <a:chExt cx="0" cy="0"/>
-        </a:xfrm>
-      </p:grpSpPr>
-      <p:sp>
-        <p:nvSpPr>
-          <p:cNvPr id="66562" name="Title 1"/>
-          <p:cNvSpPr>
-            <a:spLocks noGrp="1"/>
-          </p:cNvSpPr>
-          <p:nvPr>
-            <p:ph type="title"/>
-          </p:nvPr>
-        </p:nvSpPr>
-        <p:spPr/>
-        <p:txBody>
-          <a:bodyPr/>
-          <a:lstStyle/>
-          <a:p>
-            <a:r>
-              <a:rPr lang="en-US" smtClean="0"/>
-              <a:t>ChainValidatorMetaDataReader</a:t>
-            </a:r>
-          </a:p>
-        </p:txBody>
-      </p:sp>
-      <p:sp>
-        <p:nvSpPr>
-          <p:cNvPr id="66563" name="Content Placeholder 2"/>
-          <p:cNvSpPr>
-            <a:spLocks noGrp="1"/>
-          </p:cNvSpPr>
-          <p:nvPr>
-            <p:ph idx="1"/>
-          </p:nvPr>
-        </p:nvSpPr>
-        <p:spPr/>
-        <p:txBody>
-          <a:bodyPr/>
-          <a:lstStyle/>
-          <a:p>
-            <a:r>
-              <a:rPr lang="en-US" sz="2800" smtClean="0"/>
-              <a:t>Allows you to chain validator readers</a:t>
-            </a:r>
-          </a:p>
-          <a:p>
-            <a:r>
-              <a:rPr lang="en-US" sz="2800" smtClean="0"/>
-              <a:t>you can read validation data from more than one source</a:t>
-            </a:r>
-          </a:p>
-          <a:p>
-            <a:r>
-              <a:rPr lang="en-US" sz="2800" smtClean="0"/>
-              <a:t>you could read validation meta data from properties files, and annotations</a:t>
-            </a:r>
-          </a:p>
-          <a:p>
-            <a:r>
-              <a:rPr lang="en-US" sz="2800" smtClean="0"/>
-              <a:t>last one configured in the chain wins if you have the same type</a:t>
-            </a:r>
-          </a:p>
-          <a:p>
-            <a:r>
-              <a:rPr lang="en-US" sz="2800" smtClean="0"/>
-              <a:t>also merges as long as they are different types (there are overrides rules as well)</a:t>
-            </a:r>
-          </a:p>
-        </p:txBody>
-      </p:sp>
-      <p:sp>
-        <p:nvSpPr>
-          <p:cNvPr id="66564" name="Footer Placeholder 3"/>
-          <p:cNvSpPr>
-            <a:spLocks noGrp="1"/>
-          </p:cNvSpPr>
-          <p:nvPr>
-            <p:ph type="ftr" sz="quarter" idx="10"/>
-          </p:nvPr>
-        </p:nvSpPr>
-        <p:spPr>
-          <a:noFill/>
-        </p:spPr>
-        <p:txBody>
-          <a:bodyPr/>
-          <a:lstStyle/>
-          <a:p>
-            <a:pPr>
-              <a:buFont typeface="verdana" pitchFamily="34" charset="0"/>
-              <a:buNone/>
-            </a:pPr>
-            <a:r>
-              <a:rPr lang="en-GB" smtClean="0">
-                <a:latin typeface="verdana" pitchFamily="34" charset="0"/>
-                <a:ea typeface="Arial Unicode MS" pitchFamily="34" charset="-128"/>
-                <a:cs typeface="Arial Unicode MS" pitchFamily="34" charset="-128"/>
-              </a:rPr>
-              <a:t>©ArcMind, Inc. </a:t>
-            </a:r>
-            <a:r>
-              <a:rPr lang="en-GB" i="1" smtClean="0">
-                <a:latin typeface="verdana" pitchFamily="34" charset="0"/>
-                <a:ea typeface="Arial Unicode MS" pitchFamily="34" charset="-128"/>
-                <a:cs typeface="Arial Unicode MS" pitchFamily="34" charset="-128"/>
-              </a:rPr>
-              <a:t>“Know The Next”   </a:t>
-            </a:r>
-            <a:r>
-              <a:rPr lang="en-GB" smtClean="0">
-                <a:latin typeface="verdana" pitchFamily="34" charset="0"/>
-                <a:ea typeface="Arial Unicode MS" pitchFamily="34" charset="-128"/>
-                <a:cs typeface="Arial Unicode MS" pitchFamily="34" charset="-128"/>
-              </a:rPr>
-              <a:t>2004-2008</a:t>
-            </a:r>
-          </a:p>
-        </p:txBody>
-      </p:sp>
-      <p:sp>
-        <p:nvSpPr>
-          <p:cNvPr id="66565" name="Rectangle 11"/>
-          <p:cNvSpPr>
-            <a:spLocks noGrp="1" noChangeArrowheads="1"/>
-          </p:cNvSpPr>
-          <p:nvPr>
-            <p:ph type="sldNum" sz="quarter" idx="11"/>
-          </p:nvPr>
-        </p:nvSpPr>
-        <p:spPr>
-          <a:noFill/>
-        </p:spPr>
-        <p:txBody>
-          <a:bodyPr/>
-          <a:lstStyle/>
-          <a:p>
-            <a:pPr>
-              <a:buFont typeface="Wingdings" pitchFamily="2" charset="2"/>
-              <a:buNone/>
-            </a:pPr>
-            <a:fld id="{C792352B-02E5-459F-97DB-4505E47949C4}" type="slidenum">
-              <a:rPr lang="en-GB" smtClean="0">
-                <a:latin typeface="Times New Roman" pitchFamily="18" charset="0"/>
-                <a:ea typeface="Arial Unicode MS" pitchFamily="34" charset="-128"/>
-                <a:cs typeface="Arial Unicode MS" pitchFamily="34" charset="-128"/>
-              </a:rPr>
-              <a:pPr>
-                <a:buFont typeface="Wingdings" pitchFamily="2" charset="2"/>
-                <a:buNone/>
-              </a:pPr>
-              <a:t>53</a:t>
-            </a:fld>
-            <a:endParaRPr lang="en-GB" smtClean="0">
-              <a:latin typeface="Times New Roman" pitchFamily="18" charset="0"/>
-              <a:ea typeface="Arial Unicode MS" pitchFamily="34" charset="-128"/>
-              <a:cs typeface="Arial Unicode MS" pitchFamily="34" charset="-128"/>
-            </a:endParaRPr>
-          </a:p>
-        </p:txBody>
-      </p:sp>
-    </p:spTree>
-  </p:cSld>
-  <p:clrMapOvr>
-    <a:masterClrMapping/>
-  </p:clrMapOvr>
 </p:sld>
 </file>
 
@@ -31305,7 +31528,7 @@
       </p:grpSpPr>
       <p:sp>
         <p:nvSpPr>
-          <p:cNvPr id="67586" name="Title 1"/>
+          <p:cNvPr id="65538" name="Title 1"/>
           <p:cNvSpPr>
             <a:spLocks noGrp="1"/>
           </p:cNvSpPr>
@@ -31320,14 +31543,81 @@
           <a:p>
             <a:r>
               <a:rPr lang="en-US" smtClean="0"/>
-              <a:t>FieldValidators</a:t>
-            </a:r>
-          </a:p>
-        </p:txBody>
-      </p:sp>
-      <p:sp>
-        <p:nvSpPr>
-          <p:cNvPr id="67587" name="Footer Placeholder 2"/>
+              <a:t>PropertiesFileValidatorMetaDataReader</a:t>
+            </a:r>
+          </a:p>
+        </p:txBody>
+      </p:sp>
+      <p:sp>
+        <p:nvSpPr>
+          <p:cNvPr id="65539" name="Content Placeholder 2"/>
+          <p:cNvSpPr>
+            <a:spLocks noGrp="1"/>
+          </p:cNvSpPr>
+          <p:nvPr>
+            <p:ph idx="1"/>
+          </p:nvPr>
+        </p:nvSpPr>
+        <p:spPr/>
+        <p:txBody>
+          <a:bodyPr/>
+          <a:lstStyle/>
+          <a:p>
+            <a:r>
+              <a:rPr lang="en-US" sz="2800" smtClean="0"/>
+              <a:t>reads validation meta-data from properties files</a:t>
+            </a:r>
+          </a:p>
+          <a:p>
+            <a:r>
+              <a:rPr lang="en-US" sz="2800" smtClean="0"/>
+              <a:t>Class name com.foo.Foo, then the resource name is com.foo.Foo.properties. </a:t>
+            </a:r>
+          </a:p>
+          <a:p>
+            <a:r>
+              <a:rPr lang="en-US" sz="2800" smtClean="0"/>
+              <a:t>Properties file contents</a:t>
+            </a:r>
+          </a:p>
+          <a:p>
+            <a:endParaRPr lang="en-US" sz="1600" smtClean="0"/>
+          </a:p>
+          <a:p>
+            <a:r>
+              <a:rPr lang="en-US" sz="1600" smtClean="0"/>
+              <a:t>firstName=required; length min=10, max=100 </a:t>
+            </a:r>
+          </a:p>
+          <a:p>
+            <a:r>
+              <a:rPr lang="en-US" sz="1600" smtClean="0"/>
+              <a:t>age=required; range min=10, max=100</a:t>
+            </a:r>
+          </a:p>
+          <a:p>
+            <a:endParaRPr lang="en-US" sz="2000" smtClean="0"/>
+          </a:p>
+          <a:p>
+            <a:r>
+              <a:rPr lang="en-US" sz="2000" smtClean="0"/>
+              <a:t>First name is required, and must be at least 10 characters and no more than 100 characters</a:t>
+            </a:r>
+          </a:p>
+          <a:p>
+            <a:r>
+              <a:rPr lang="en-US" sz="2000" smtClean="0"/>
+              <a:t>Age is required and must be between 10 and 100</a:t>
+            </a:r>
+          </a:p>
+          <a:p>
+            <a:endParaRPr lang="en-US" smtClean="0"/>
+          </a:p>
+        </p:txBody>
+      </p:sp>
+      <p:sp>
+        <p:nvSpPr>
+          <p:cNvPr id="65540" name="Footer Placeholder 3"/>
           <p:cNvSpPr>
             <a:spLocks noGrp="1"/>
           </p:cNvSpPr>
@@ -31368,43 +31658,52 @@
                 <a:ea typeface="Arial Unicode MS" pitchFamily="34" charset="-128"/>
                 <a:cs typeface="Arial Unicode MS" pitchFamily="34" charset="-128"/>
               </a:rPr>
-              <a:t>2004-2007</a:t>
-            </a:r>
-          </a:p>
-        </p:txBody>
-      </p:sp>
-      <p:pic>
-        <p:nvPicPr>
-          <p:cNvPr id="67588" name="Picture 2" descr="http://krank.googlecode.com/svn/wiki/img/field-validation.png"/>
-          <p:cNvPicPr>
-            <a:picLocks noChangeAspect="1" noChangeArrowheads="1"/>
-          </p:cNvPicPr>
-          <p:nvPr/>
-        </p:nvPicPr>
-        <p:blipFill>
-          <a:blip r:embed="rId3"/>
-          <a:srcRect/>
-          <a:stretch>
-            <a:fillRect/>
-          </a:stretch>
-        </p:blipFill>
-        <p:spPr bwMode="auto">
-          <a:xfrm>
-            <a:off x="0" y="0"/>
-            <a:ext cx="10191750" cy="8410575"/>
-          </a:xfrm>
-          <a:prstGeom prst="rect">
-            <a:avLst/>
-          </a:prstGeom>
+              <a:t>2004-2008</a:t>
+            </a:r>
+          </a:p>
+        </p:txBody>
+      </p:sp>
+      <p:sp>
+        <p:nvSpPr>
+          <p:cNvPr id="65541" name="Rectangle 11"/>
+          <p:cNvSpPr>
+            <a:spLocks noGrp="1" noChangeArrowheads="1"/>
+          </p:cNvSpPr>
+          <p:nvPr>
+            <p:ph type="sldNum" sz="quarter" idx="11"/>
+          </p:nvPr>
+        </p:nvSpPr>
+        <p:spPr>
           <a:noFill/>
-          <a:ln w="9525">
-            <a:noFill/>
-            <a:miter lim="800000"/>
-            <a:headEnd/>
-            <a:tailEnd/>
-          </a:ln>
-        </p:spPr>
-      </p:pic>
+        </p:spPr>
+        <p:txBody>
+          <a:bodyPr/>
+          <a:lstStyle/>
+          <a:p>
+            <a:pPr>
+              <a:buFont typeface="Wingdings" pitchFamily="2" charset="2"/>
+              <a:buNone/>
+            </a:pPr>
+            <a:fld id="{FB585608-231C-42F6-9519-204AE52D5CA1}" type="slidenum">
+              <a:rPr lang="en-GB" smtClean="0">
+                <a:latin typeface="Times New Roman" pitchFamily="18" charset="0"/>
+                <a:ea typeface="Arial Unicode MS" pitchFamily="34" charset="-128"/>
+                <a:cs typeface="Arial Unicode MS" pitchFamily="34" charset="-128"/>
+              </a:rPr>
+              <a:pPr>
+                <a:buFont typeface="Wingdings" pitchFamily="2" charset="2"/>
+                <a:buNone/>
+              </a:pPr>
+              <a:t>54</a:t>
+            </a:fld>
+            <a:endParaRPr lang="en-GB" smtClean="0">
+              <a:latin typeface="Times New Roman" pitchFamily="18" charset="0"/>
+              <a:ea typeface="Arial Unicode MS" pitchFamily="34" charset="-128"/>
+              <a:cs typeface="Arial Unicode MS" pitchFamily="34" charset="-128"/>
+            </a:endParaRPr>
+          </a:p>
+        </p:txBody>
+      </p:sp>
     </p:spTree>
   </p:cSld>
   <p:clrMapOvr>
@@ -31439,6 +31738,322 @@
       </p:grpSpPr>
       <p:sp>
         <p:nvSpPr>
+          <p:cNvPr id="66562" name="Title 1"/>
+          <p:cNvSpPr>
+            <a:spLocks noGrp="1"/>
+          </p:cNvSpPr>
+          <p:nvPr>
+            <p:ph type="title"/>
+          </p:nvPr>
+        </p:nvSpPr>
+        <p:spPr/>
+        <p:txBody>
+          <a:bodyPr/>
+          <a:lstStyle/>
+          <a:p>
+            <a:r>
+              <a:rPr lang="en-US" smtClean="0"/>
+              <a:t>ChainValidatorMetaDataReader</a:t>
+            </a:r>
+          </a:p>
+        </p:txBody>
+      </p:sp>
+      <p:sp>
+        <p:nvSpPr>
+          <p:cNvPr id="66563" name="Content Placeholder 2"/>
+          <p:cNvSpPr>
+            <a:spLocks noGrp="1"/>
+          </p:cNvSpPr>
+          <p:nvPr>
+            <p:ph idx="1"/>
+          </p:nvPr>
+        </p:nvSpPr>
+        <p:spPr/>
+        <p:txBody>
+          <a:bodyPr/>
+          <a:lstStyle/>
+          <a:p>
+            <a:r>
+              <a:rPr lang="en-US" sz="2800" smtClean="0"/>
+              <a:t>Allows you to chain validator readers</a:t>
+            </a:r>
+          </a:p>
+          <a:p>
+            <a:r>
+              <a:rPr lang="en-US" sz="2800" smtClean="0"/>
+              <a:t>you can read validation data from more than one source</a:t>
+            </a:r>
+          </a:p>
+          <a:p>
+            <a:r>
+              <a:rPr lang="en-US" sz="2800" smtClean="0"/>
+              <a:t>you could read validation meta data from properties files, and annotations</a:t>
+            </a:r>
+          </a:p>
+          <a:p>
+            <a:r>
+              <a:rPr lang="en-US" sz="2800" smtClean="0"/>
+              <a:t>last one configured in the chain wins if you have the same type</a:t>
+            </a:r>
+          </a:p>
+          <a:p>
+            <a:r>
+              <a:rPr lang="en-US" sz="2800" smtClean="0"/>
+              <a:t>also merges as long as they are different types (there are overrides rules as well)</a:t>
+            </a:r>
+          </a:p>
+        </p:txBody>
+      </p:sp>
+      <p:sp>
+        <p:nvSpPr>
+          <p:cNvPr id="66564" name="Footer Placeholder 3"/>
+          <p:cNvSpPr>
+            <a:spLocks noGrp="1"/>
+          </p:cNvSpPr>
+          <p:nvPr>
+            <p:ph type="ftr" sz="quarter" idx="10"/>
+          </p:nvPr>
+        </p:nvSpPr>
+        <p:spPr>
+          <a:noFill/>
+        </p:spPr>
+        <p:txBody>
+          <a:bodyPr/>
+          <a:lstStyle/>
+          <a:p>
+            <a:pPr>
+              <a:buFont typeface="verdana" pitchFamily="34" charset="0"/>
+              <a:buNone/>
+            </a:pPr>
+            <a:r>
+              <a:rPr lang="en-GB" smtClean="0">
+                <a:latin typeface="verdana" pitchFamily="34" charset="0"/>
+                <a:ea typeface="Arial Unicode MS" pitchFamily="34" charset="-128"/>
+                <a:cs typeface="Arial Unicode MS" pitchFamily="34" charset="-128"/>
+              </a:rPr>
+              <a:t>©ArcMind, Inc. </a:t>
+            </a:r>
+            <a:r>
+              <a:rPr lang="en-GB" i="1" smtClean="0">
+                <a:latin typeface="verdana" pitchFamily="34" charset="0"/>
+                <a:ea typeface="Arial Unicode MS" pitchFamily="34" charset="-128"/>
+                <a:cs typeface="Arial Unicode MS" pitchFamily="34" charset="-128"/>
+              </a:rPr>
+              <a:t>“Know The Next”   </a:t>
+            </a:r>
+            <a:r>
+              <a:rPr lang="en-GB" smtClean="0">
+                <a:latin typeface="verdana" pitchFamily="34" charset="0"/>
+                <a:ea typeface="Arial Unicode MS" pitchFamily="34" charset="-128"/>
+                <a:cs typeface="Arial Unicode MS" pitchFamily="34" charset="-128"/>
+              </a:rPr>
+              <a:t>2004-2008</a:t>
+            </a:r>
+          </a:p>
+        </p:txBody>
+      </p:sp>
+      <p:sp>
+        <p:nvSpPr>
+          <p:cNvPr id="66565" name="Rectangle 11"/>
+          <p:cNvSpPr>
+            <a:spLocks noGrp="1" noChangeArrowheads="1"/>
+          </p:cNvSpPr>
+          <p:nvPr>
+            <p:ph type="sldNum" sz="quarter" idx="11"/>
+          </p:nvPr>
+        </p:nvSpPr>
+        <p:spPr>
+          <a:noFill/>
+        </p:spPr>
+        <p:txBody>
+          <a:bodyPr/>
+          <a:lstStyle/>
+          <a:p>
+            <a:pPr>
+              <a:buFont typeface="Wingdings" pitchFamily="2" charset="2"/>
+              <a:buNone/>
+            </a:pPr>
+            <a:fld id="{C792352B-02E5-459F-97DB-4505E47949C4}" type="slidenum">
+              <a:rPr lang="en-GB" smtClean="0">
+                <a:latin typeface="Times New Roman" pitchFamily="18" charset="0"/>
+                <a:ea typeface="Arial Unicode MS" pitchFamily="34" charset="-128"/>
+                <a:cs typeface="Arial Unicode MS" pitchFamily="34" charset="-128"/>
+              </a:rPr>
+              <a:pPr>
+                <a:buFont typeface="Wingdings" pitchFamily="2" charset="2"/>
+                <a:buNone/>
+              </a:pPr>
+              <a:t>55</a:t>
+            </a:fld>
+            <a:endParaRPr lang="en-GB" smtClean="0">
+              <a:latin typeface="Times New Roman" pitchFamily="18" charset="0"/>
+              <a:ea typeface="Arial Unicode MS" pitchFamily="34" charset="-128"/>
+              <a:cs typeface="Arial Unicode MS" pitchFamily="34" charset="-128"/>
+            </a:endParaRPr>
+          </a:p>
+        </p:txBody>
+      </p:sp>
+    </p:spTree>
+  </p:cSld>
+  <p:clrMapOvr>
+    <a:masterClrMapping/>
+  </p:clrMapOvr>
+</p:sld>
+</file>
+
+<file path=ppt/slides/slide56.xml><?xml version="1.0" encoding="utf-8"?>
+<p:sld xmlns:a="http://schemas.openxmlformats.org/drawingml/2006/main" xmlns:r="http://schemas.openxmlformats.org/officeDocument/2006/relationships" xmlns:p="http://schemas.openxmlformats.org/presentationml/2006/main">
+  <p:cSld>
+    <p:spTree>
+      <p:nvGrpSpPr>
+        <p:cNvPr id="1" name=""/>
+        <p:cNvGrpSpPr/>
+        <p:nvPr/>
+      </p:nvGrpSpPr>
+      <p:grpSpPr>
+        <a:xfrm>
+          <a:off x="0" y="0"/>
+          <a:ext cx="0" cy="0"/>
+          <a:chOff x="0" y="0"/>
+          <a:chExt cx="0" cy="0"/>
+        </a:xfrm>
+      </p:grpSpPr>
+      <p:sp>
+        <p:nvSpPr>
+          <p:cNvPr id="67586" name="Title 1"/>
+          <p:cNvSpPr>
+            <a:spLocks noGrp="1"/>
+          </p:cNvSpPr>
+          <p:nvPr>
+            <p:ph type="title"/>
+          </p:nvPr>
+        </p:nvSpPr>
+        <p:spPr/>
+        <p:txBody>
+          <a:bodyPr/>
+          <a:lstStyle/>
+          <a:p>
+            <a:r>
+              <a:rPr lang="en-US" smtClean="0"/>
+              <a:t>FieldValidators</a:t>
+            </a:r>
+          </a:p>
+        </p:txBody>
+      </p:sp>
+      <p:sp>
+        <p:nvSpPr>
+          <p:cNvPr id="67587" name="Footer Placeholder 2"/>
+          <p:cNvSpPr>
+            <a:spLocks noGrp="1"/>
+          </p:cNvSpPr>
+          <p:nvPr>
+            <p:ph type="ftr" sz="quarter" idx="10"/>
+          </p:nvPr>
+        </p:nvSpPr>
+        <p:spPr>
+          <a:noFill/>
+        </p:spPr>
+        <p:txBody>
+          <a:bodyPr/>
+          <a:lstStyle/>
+          <a:p>
+            <a:pPr>
+              <a:buFont typeface="verdana" pitchFamily="34" charset="0"/>
+              <a:buNone/>
+            </a:pPr>
+            <a:r>
+              <a:rPr lang="en-GB" smtClean="0">
+                <a:latin typeface="verdana" pitchFamily="34" charset="0"/>
+                <a:ea typeface="Arial Unicode MS" pitchFamily="34" charset="-128"/>
+                <a:cs typeface="Arial Unicode MS" pitchFamily="34" charset="-128"/>
+              </a:rPr>
+              <a:t>©ArcMind, Inc. </a:t>
+            </a:r>
+            <a:r>
+              <a:rPr lang="en-GB" i="1" smtClean="0">
+                <a:latin typeface="verdana" pitchFamily="34" charset="0"/>
+                <a:ea typeface="Arial Unicode MS" pitchFamily="34" charset="-128"/>
+                <a:cs typeface="Arial Unicode MS" pitchFamily="34" charset="-128"/>
+              </a:rPr>
+              <a:t>“Know The Next”   </a:t>
+            </a:r>
+            <a:r>
+              <a:rPr lang="en-GB" smtClean="0">
+                <a:latin typeface="verdana" pitchFamily="34" charset="0"/>
+                <a:ea typeface="Arial Unicode MS" pitchFamily="34" charset="-128"/>
+                <a:cs typeface="Arial Unicode MS" pitchFamily="34" charset="-128"/>
+              </a:rPr>
+              <a:t>2004-2007</a:t>
+            </a:r>
+          </a:p>
+        </p:txBody>
+      </p:sp>
+      <p:pic>
+        <p:nvPicPr>
+          <p:cNvPr id="67588" name="Picture 2" descr="http://krank.googlecode.com/svn/wiki/img/field-validation.png"/>
+          <p:cNvPicPr>
+            <a:picLocks noChangeAspect="1" noChangeArrowheads="1"/>
+          </p:cNvPicPr>
+          <p:nvPr/>
+        </p:nvPicPr>
+        <p:blipFill>
+          <a:blip r:embed="rId3"/>
+          <a:srcRect/>
+          <a:stretch>
+            <a:fillRect/>
+          </a:stretch>
+        </p:blipFill>
+        <p:spPr bwMode="auto">
+          <a:xfrm>
+            <a:off x="0" y="0"/>
+            <a:ext cx="10191750" cy="8410575"/>
+          </a:xfrm>
+          <a:prstGeom prst="rect">
+            <a:avLst/>
+          </a:prstGeom>
+          <a:noFill/>
+          <a:ln w="9525">
+            <a:noFill/>
+            <a:miter lim="800000"/>
+            <a:headEnd/>
+            <a:tailEnd/>
+          </a:ln>
+        </p:spPr>
+      </p:pic>
+    </p:spTree>
+  </p:cSld>
+  <p:clrMapOvr>
+    <a:masterClrMapping/>
+  </p:clrMapOvr>
+  <p:timing>
+    <p:tnLst>
+      <p:par>
+        <p:cTn id="1" dur="indefinite" restart="never" nodeType="tmRoot"/>
+      </p:par>
+    </p:tnLst>
+  </p:timing>
+</p:sld>
+</file>
+
+<file path=ppt/slides/slide57.xml><?xml version="1.0" encoding="utf-8"?>
+<p:sld xmlns:a="http://schemas.openxmlformats.org/drawingml/2006/main" xmlns:r="http://schemas.openxmlformats.org/officeDocument/2006/relationships" xmlns:p="http://schemas.openxmlformats.org/presentationml/2006/main">
+  <p:cSld>
+    <p:spTree>
+      <p:nvGrpSpPr>
+        <p:cNvPr id="1" name=""/>
+        <p:cNvGrpSpPr/>
+        <p:nvPr/>
+      </p:nvGrpSpPr>
+      <p:grpSpPr>
+        <a:xfrm>
+          <a:off x="0" y="0"/>
+          <a:ext cx="0" cy="0"/>
+          <a:chOff x="0" y="0"/>
+          <a:chExt cx="0" cy="0"/>
+        </a:xfrm>
+      </p:grpSpPr>
+      <p:sp>
+        <p:nvSpPr>
           <p:cNvPr id="68610" name="Title 1"/>
           <p:cNvSpPr>
             <a:spLocks noGrp="1"/>
@@ -31574,7 +32189,7 @@
                 <a:buFont typeface="Wingdings" pitchFamily="2" charset="2"/>
                 <a:buNone/>
               </a:pPr>
-              <a:t>55</a:t>
+              <a:t>57</a:t>
             </a:fld>
             <a:endParaRPr lang="en-GB" smtClean="0">
               <a:latin typeface="Times New Roman" pitchFamily="18" charset="0"/>
@@ -31592,7 +32207,7 @@
 </p:sld>
 </file>
 
-<file path=ppt/slides/slide56.xml><?xml version="1.0" encoding="utf-8"?>
+<file path=ppt/slides/slide58.xml><?xml version="1.0" encoding="utf-8"?>
 <p:sld xmlns:a="http://schemas.openxmlformats.org/drawingml/2006/main" xmlns:r="http://schemas.openxmlformats.org/officeDocument/2006/relationships" xmlns:p="http://schemas.openxmlformats.org/presentationml/2006/main">
   <p:cSld>
     <p:spTree>
@@ -31746,7 +32361,7 @@
                 <a:buFont typeface="Wingdings" pitchFamily="2" charset="2"/>
                 <a:buNone/>
               </a:pPr>
-              <a:t>56</a:t>
+              <a:t>58</a:t>
             </a:fld>
             <a:endParaRPr lang="en-GB" smtClean="0">
               <a:latin typeface="Times New Roman" pitchFamily="18" charset="0"/>
@@ -31764,7 +32379,7 @@
 </p:sld>
 </file>
 
-<file path=ppt/slides/slide57.xml><?xml version="1.0" encoding="utf-8"?>
+<file path=ppt/slides/slide59.xml><?xml version="1.0" encoding="utf-8"?>
 <p:sld xmlns:a="http://schemas.openxmlformats.org/drawingml/2006/main" xmlns:r="http://schemas.openxmlformats.org/officeDocument/2006/relationships" xmlns:p="http://schemas.openxmlformats.org/presentationml/2006/main">
   <p:cSld>
     <p:spTree>
@@ -31923,257 +32538,7 @@
                 <a:buFont typeface="Wingdings" pitchFamily="2" charset="2"/>
                 <a:buNone/>
               </a:pPr>
-              <a:t>57</a:t>
-            </a:fld>
-            <a:endParaRPr lang="en-GB" smtClean="0">
-              <a:latin typeface="Times New Roman" pitchFamily="18" charset="0"/>
-              <a:ea typeface="Arial Unicode MS" pitchFamily="34" charset="-128"/>
-              <a:cs typeface="Arial Unicode MS" pitchFamily="34" charset="-128"/>
-            </a:endParaRPr>
-          </a:p>
-        </p:txBody>
-      </p:sp>
-    </p:spTree>
-  </p:cSld>
-  <p:clrMapOvr>
-    <a:masterClrMapping/>
-  </p:clrMapOvr>
-</p:sld>
-</file>
-
-<file path=ppt/slides/slide58.xml><?xml version="1.0" encoding="utf-8"?>
-<p:sld xmlns:a="http://schemas.openxmlformats.org/drawingml/2006/main" xmlns:r="http://schemas.openxmlformats.org/officeDocument/2006/relationships" xmlns:p="http://schemas.openxmlformats.org/presentationml/2006/main">
-  <p:cSld>
-    <p:spTree>
-      <p:nvGrpSpPr>
-        <p:cNvPr id="1" name=""/>
-        <p:cNvGrpSpPr/>
-        <p:nvPr/>
-      </p:nvGrpSpPr>
-      <p:grpSpPr>
-        <a:xfrm>
-          <a:off x="0" y="0"/>
-          <a:ext cx="0" cy="0"/>
-          <a:chOff x="0" y="0"/>
-          <a:chExt cx="0" cy="0"/>
-        </a:xfrm>
-      </p:grpSpPr>
-      <p:sp>
-        <p:nvSpPr>
-          <p:cNvPr id="71682" name="Title 1"/>
-          <p:cNvSpPr>
-            <a:spLocks noGrp="1"/>
-          </p:cNvSpPr>
-          <p:nvPr>
-            <p:ph type="title"/>
-          </p:nvPr>
-        </p:nvSpPr>
-        <p:spPr/>
-        <p:txBody>
-          <a:bodyPr/>
-          <a:lstStyle/>
-          <a:p>
-            <a:r>
-              <a:rPr lang="en-US" smtClean="0"/>
-              <a:t>More on validation rules</a:t>
-            </a:r>
-          </a:p>
-        </p:txBody>
-      </p:sp>
-      <p:sp>
-        <p:nvSpPr>
-          <p:cNvPr id="71683" name="Content Placeholder 2"/>
-          <p:cNvSpPr>
-            <a:spLocks noGrp="1"/>
-          </p:cNvSpPr>
-          <p:nvPr>
-            <p:ph idx="1"/>
-          </p:nvPr>
-        </p:nvSpPr>
-        <p:spPr/>
-        <p:txBody>
-          <a:bodyPr/>
-          <a:lstStyle/>
-          <a:p>
-            <a:r>
-              <a:rPr lang="en-US" smtClean="0"/>
-              <a:t>Design Document (8 pages)</a:t>
-            </a:r>
-          </a:p>
-          <a:p>
-            <a:pPr>
-              <a:buFont typeface="Arial Unicode MS" pitchFamily="34" charset="-128"/>
-              <a:buNone/>
-            </a:pPr>
-            <a:r>
-              <a:rPr lang="en-US" sz="2000" smtClean="0">
-                <a:solidFill>
-                  <a:schemeClr val="tx1"/>
-                </a:solidFill>
-                <a:hlinkClick r:id="rId3"/>
-              </a:rPr>
-              <a:t>http://code.google.com/p/krank/wiki/CrankValidationDesignDocument</a:t>
-            </a:r>
-            <a:endParaRPr lang="en-US" sz="2000" smtClean="0">
-              <a:solidFill>
-                <a:schemeClr val="tx1"/>
-              </a:solidFill>
-            </a:endParaRPr>
-          </a:p>
-          <a:p>
-            <a:r>
-              <a:rPr lang="en-US" smtClean="0"/>
-              <a:t>How to configure and extend</a:t>
-            </a:r>
-            <a:endParaRPr lang="en-US" sz="2000" smtClean="0">
-              <a:hlinkClick r:id="rId4"/>
-            </a:endParaRPr>
-          </a:p>
-          <a:p>
-            <a:pPr>
-              <a:buFont typeface="Arial Unicode MS" pitchFamily="34" charset="-128"/>
-              <a:buNone/>
-            </a:pPr>
-            <a:r>
-              <a:rPr lang="en-US" sz="1800" smtClean="0">
-                <a:hlinkClick r:id="rId4"/>
-              </a:rPr>
-              <a:t>http://code.google.com/p/krank/wiki/ExtendingCrankValidationWritingNewRules</a:t>
-            </a:r>
-            <a:endParaRPr lang="en-US" sz="1800" smtClean="0"/>
-          </a:p>
-          <a:p>
-            <a:r>
-              <a:rPr lang="en-US" smtClean="0"/>
-              <a:t>Example using JSF and JavaScript</a:t>
-            </a:r>
-          </a:p>
-          <a:p>
-            <a:pPr>
-              <a:buFont typeface="Arial Unicode MS" pitchFamily="34" charset="-128"/>
-              <a:buNone/>
-            </a:pPr>
-            <a:r>
-              <a:rPr lang="en-US" sz="2000" smtClean="0">
-                <a:hlinkClick r:id="rId4"/>
-              </a:rPr>
-              <a:t>http://krank.googlecode.com/svn/trunk/examples/crank-validation-jsf-webapp/</a:t>
-            </a:r>
-          </a:p>
-          <a:p>
-            <a:r>
-              <a:rPr lang="en-US" smtClean="0"/>
-              <a:t>Example using Spring MVC and JavaScript</a:t>
-            </a:r>
-          </a:p>
-          <a:p>
-            <a:pPr>
-              <a:buFont typeface="Arial Unicode MS" pitchFamily="34" charset="-128"/>
-              <a:buNone/>
-            </a:pPr>
-            <a:r>
-              <a:rPr lang="en-US" sz="2000" smtClean="0">
-                <a:hlinkClick r:id="rId5"/>
-              </a:rPr>
-              <a:t>http://krank.googlecode.com/svn/trunk/examples/crank-validation-springmvc-webapp/</a:t>
-            </a:r>
-            <a:endParaRPr lang="en-US" sz="2000" smtClean="0"/>
-          </a:p>
-          <a:p>
-            <a:pPr>
-              <a:buFont typeface="Arial Unicode MS" pitchFamily="34" charset="-128"/>
-              <a:buNone/>
-            </a:pPr>
-            <a:endParaRPr lang="en-US" smtClean="0"/>
-          </a:p>
-          <a:p>
-            <a:endParaRPr lang="en-US" smtClean="0"/>
-          </a:p>
-          <a:p>
-            <a:endParaRPr lang="en-US" smtClean="0"/>
-          </a:p>
-        </p:txBody>
-      </p:sp>
-      <p:sp>
-        <p:nvSpPr>
-          <p:cNvPr id="71684" name="Footer Placeholder 3"/>
-          <p:cNvSpPr>
-            <a:spLocks noGrp="1"/>
-          </p:cNvSpPr>
-          <p:nvPr>
-            <p:ph type="ftr" sz="quarter" idx="10"/>
-          </p:nvPr>
-        </p:nvSpPr>
-        <p:spPr>
-          <a:noFill/>
-        </p:spPr>
-        <p:txBody>
-          <a:bodyPr/>
-          <a:lstStyle/>
-          <a:p>
-            <a:pPr>
-              <a:buFont typeface="verdana" pitchFamily="34" charset="0"/>
-              <a:buNone/>
-            </a:pPr>
-            <a:r>
-              <a:rPr lang="en-GB" smtClean="0">
-                <a:latin typeface="verdana" pitchFamily="34" charset="0"/>
-                <a:ea typeface="Arial Unicode MS" pitchFamily="34" charset="-128"/>
-                <a:cs typeface="Arial Unicode MS" pitchFamily="34" charset="-128"/>
-              </a:rPr>
-              <a:t>©ArcMind, Inc. </a:t>
-            </a:r>
-            <a:r>
-              <a:rPr lang="en-GB" i="1" smtClean="0">
-                <a:latin typeface="verdana" pitchFamily="34" charset="0"/>
-                <a:ea typeface="Arial Unicode MS" pitchFamily="34" charset="-128"/>
-                <a:cs typeface="Arial Unicode MS" pitchFamily="34" charset="-128"/>
-              </a:rPr>
-              <a:t>“Know The Next”   </a:t>
-            </a:r>
-            <a:r>
-              <a:rPr lang="en-GB" smtClean="0">
-                <a:latin typeface="verdana" pitchFamily="34" charset="0"/>
-                <a:ea typeface="Arial Unicode MS" pitchFamily="34" charset="-128"/>
-                <a:cs typeface="Arial Unicode MS" pitchFamily="34" charset="-128"/>
-              </a:rPr>
-              <a:t>2004-2008</a:t>
-            </a:r>
-          </a:p>
-        </p:txBody>
-      </p:sp>
-      <p:sp>
-        <p:nvSpPr>
-          <p:cNvPr id="71685" name="Rectangle 11"/>
-          <p:cNvSpPr>
-            <a:spLocks noGrp="1" noChangeArrowheads="1"/>
-          </p:cNvSpPr>
-          <p:nvPr>
-            <p:ph type="sldNum" sz="quarter" idx="11"/>
-          </p:nvPr>
-        </p:nvSpPr>
-        <p:spPr>
-          <a:noFill/>
-        </p:spPr>
-        <p:txBody>
-          <a:bodyPr/>
-          <a:lstStyle/>
-          <a:p>
-            <a:pPr>
-              <a:buFont typeface="Wingdings" pitchFamily="2" charset="2"/>
-              <a:buNone/>
-            </a:pPr>
-            <a:fld id="{97FA4862-25DD-4FC4-9A13-D369EF732F0E}" type="slidenum">
-              <a:rPr lang="en-GB" smtClean="0">
-                <a:latin typeface="Times New Roman" pitchFamily="18" charset="0"/>
-                <a:ea typeface="Arial Unicode MS" pitchFamily="34" charset="-128"/>
-                <a:cs typeface="Arial Unicode MS" pitchFamily="34" charset="-128"/>
-              </a:rPr>
-              <a:pPr>
-                <a:buFont typeface="Wingdings" pitchFamily="2" charset="2"/>
-                <a:buNone/>
-              </a:pPr>
-              <a:t>58</a:t>
+              <a:t>59</a:t>
             </a:fld>
             <a:endParaRPr lang="en-GB" smtClean="0">
               <a:latin typeface="Times New Roman" pitchFamily="18" charset="0"/>
@@ -33055,6 +33420,256 @@
       </p:par>
     </p:tnLst>
   </p:timing>
+</p:sld>
+</file>
+
+<file path=ppt/slides/slide60.xml><?xml version="1.0" encoding="utf-8"?>
+<p:sld xmlns:a="http://schemas.openxmlformats.org/drawingml/2006/main" xmlns:r="http://schemas.openxmlformats.org/officeDocument/2006/relationships" xmlns:p="http://schemas.openxmlformats.org/presentationml/2006/main">
+  <p:cSld>
+    <p:spTree>
+      <p:nvGrpSpPr>
+        <p:cNvPr id="1" name=""/>
+        <p:cNvGrpSpPr/>
+        <p:nvPr/>
+      </p:nvGrpSpPr>
+      <p:grpSpPr>
+        <a:xfrm>
+          <a:off x="0" y="0"/>
+          <a:ext cx="0" cy="0"/>
+          <a:chOff x="0" y="0"/>
+          <a:chExt cx="0" cy="0"/>
+        </a:xfrm>
+      </p:grpSpPr>
+      <p:sp>
+        <p:nvSpPr>
+          <p:cNvPr id="71682" name="Title 1"/>
+          <p:cNvSpPr>
+            <a:spLocks noGrp="1"/>
+          </p:cNvSpPr>
+          <p:nvPr>
+            <p:ph type="title"/>
+          </p:nvPr>
+        </p:nvSpPr>
+        <p:spPr/>
+        <p:txBody>
+          <a:bodyPr/>
+          <a:lstStyle/>
+          <a:p>
+            <a:r>
+              <a:rPr lang="en-US" smtClean="0"/>
+              <a:t>More on validation rules</a:t>
+            </a:r>
+          </a:p>
+        </p:txBody>
+      </p:sp>
+      <p:sp>
+        <p:nvSpPr>
+          <p:cNvPr id="71683" name="Content Placeholder 2"/>
+          <p:cNvSpPr>
+            <a:spLocks noGrp="1"/>
+          </p:cNvSpPr>
+          <p:nvPr>
+            <p:ph idx="1"/>
+          </p:nvPr>
+        </p:nvSpPr>
+        <p:spPr/>
+        <p:txBody>
+          <a:bodyPr/>
+          <a:lstStyle/>
+          <a:p>
+            <a:r>
+              <a:rPr lang="en-US" smtClean="0"/>
+              <a:t>Design Document (8 pages)</a:t>
+            </a:r>
+          </a:p>
+          <a:p>
+            <a:pPr>
+              <a:buFont typeface="Arial Unicode MS" pitchFamily="34" charset="-128"/>
+              <a:buNone/>
+            </a:pPr>
+            <a:r>
+              <a:rPr lang="en-US" sz="2000" smtClean="0">
+                <a:solidFill>
+                  <a:schemeClr val="tx1"/>
+                </a:solidFill>
+                <a:hlinkClick r:id="rId3"/>
+              </a:rPr>
+              <a:t>http://code.google.com/p/krank/wiki/CrankValidationDesignDocument</a:t>
+            </a:r>
+            <a:endParaRPr lang="en-US" sz="2000" smtClean="0">
+              <a:solidFill>
+                <a:schemeClr val="tx1"/>
+              </a:solidFill>
+            </a:endParaRPr>
+          </a:p>
+          <a:p>
+            <a:r>
+              <a:rPr lang="en-US" smtClean="0"/>
+              <a:t>How to configure and extend</a:t>
+            </a:r>
+            <a:endParaRPr lang="en-US" sz="2000" smtClean="0">
+              <a:hlinkClick r:id="rId4"/>
+            </a:endParaRPr>
+          </a:p>
+          <a:p>
+            <a:pPr>
+              <a:buFont typeface="Arial Unicode MS" pitchFamily="34" charset="-128"/>
+              <a:buNone/>
+            </a:pPr>
+            <a:r>
+              <a:rPr lang="en-US" sz="1800" smtClean="0">
+                <a:hlinkClick r:id="rId4"/>
+              </a:rPr>
+              <a:t>http://code.google.com/p/krank/wiki/ExtendingCrankValidationWritingNewRules</a:t>
+            </a:r>
+            <a:endParaRPr lang="en-US" sz="1800" smtClean="0"/>
+          </a:p>
+          <a:p>
+            <a:r>
+              <a:rPr lang="en-US" smtClean="0"/>
+              <a:t>Example using JSF and JavaScript</a:t>
+            </a:r>
+          </a:p>
+          <a:p>
+            <a:pPr>
+              <a:buFont typeface="Arial Unicode MS" pitchFamily="34" charset="-128"/>
+              <a:buNone/>
+            </a:pPr>
+            <a:r>
+              <a:rPr lang="en-US" sz="2000" smtClean="0">
+                <a:hlinkClick r:id="rId4"/>
+              </a:rPr>
+              <a:t>http://krank.googlecode.com/svn/trunk/examples/crank-validation-jsf-webapp/</a:t>
+            </a:r>
+          </a:p>
+          <a:p>
+            <a:r>
+              <a:rPr lang="en-US" smtClean="0"/>
+              <a:t>Example using Spring MVC and JavaScript</a:t>
+            </a:r>
+          </a:p>
+          <a:p>
+            <a:pPr>
+              <a:buFont typeface="Arial Unicode MS" pitchFamily="34" charset="-128"/>
+              <a:buNone/>
+            </a:pPr>
+            <a:r>
+              <a:rPr lang="en-US" sz="2000" smtClean="0">
+                <a:hlinkClick r:id="rId5"/>
+              </a:rPr>
+              <a:t>http://krank.googlecode.com/svn/trunk/examples/crank-validation-springmvc-webapp/</a:t>
+            </a:r>
+            <a:endParaRPr lang="en-US" sz="2000" smtClean="0"/>
+          </a:p>
+          <a:p>
+            <a:pPr>
+              <a:buFont typeface="Arial Unicode MS" pitchFamily="34" charset="-128"/>
+              <a:buNone/>
+            </a:pPr>
+            <a:endParaRPr lang="en-US" smtClean="0"/>
+          </a:p>
+          <a:p>
+            <a:endParaRPr lang="en-US" smtClean="0"/>
+          </a:p>
+          <a:p>
+            <a:endParaRPr lang="en-US" smtClean="0"/>
+          </a:p>
+        </p:txBody>
+      </p:sp>
+      <p:sp>
+        <p:nvSpPr>
+          <p:cNvPr id="71684" name="Footer Placeholder 3"/>
+          <p:cNvSpPr>
+            <a:spLocks noGrp="1"/>
+          </p:cNvSpPr>
+          <p:nvPr>
+            <p:ph type="ftr" sz="quarter" idx="10"/>
+          </p:nvPr>
+        </p:nvSpPr>
+        <p:spPr>
+          <a:noFill/>
+        </p:spPr>
+        <p:txBody>
+          <a:bodyPr/>
+          <a:lstStyle/>
+          <a:p>
+            <a:pPr>
+              <a:buFont typeface="verdana" pitchFamily="34" charset="0"/>
+              <a:buNone/>
+            </a:pPr>
+            <a:r>
+              <a:rPr lang="en-GB" smtClean="0">
+                <a:latin typeface="verdana" pitchFamily="34" charset="0"/>
+                <a:ea typeface="Arial Unicode MS" pitchFamily="34" charset="-128"/>
+                <a:cs typeface="Arial Unicode MS" pitchFamily="34" charset="-128"/>
+              </a:rPr>
+              <a:t>©ArcMind, Inc. </a:t>
+            </a:r>
+            <a:r>
+              <a:rPr lang="en-GB" i="1" smtClean="0">
+                <a:latin typeface="verdana" pitchFamily="34" charset="0"/>
+                <a:ea typeface="Arial Unicode MS" pitchFamily="34" charset="-128"/>
+                <a:cs typeface="Arial Unicode MS" pitchFamily="34" charset="-128"/>
+              </a:rPr>
+              <a:t>“Know The Next”   </a:t>
+            </a:r>
+            <a:r>
+              <a:rPr lang="en-GB" smtClean="0">
+                <a:latin typeface="verdana" pitchFamily="34" charset="0"/>
+                <a:ea typeface="Arial Unicode MS" pitchFamily="34" charset="-128"/>
+                <a:cs typeface="Arial Unicode MS" pitchFamily="34" charset="-128"/>
+              </a:rPr>
+              <a:t>2004-2008</a:t>
+            </a:r>
+          </a:p>
+        </p:txBody>
+      </p:sp>
+      <p:sp>
+        <p:nvSpPr>
+          <p:cNvPr id="71685" name="Rectangle 11"/>
+          <p:cNvSpPr>
+            <a:spLocks noGrp="1" noChangeArrowheads="1"/>
+          </p:cNvSpPr>
+          <p:nvPr>
+            <p:ph type="sldNum" sz="quarter" idx="11"/>
+          </p:nvPr>
+        </p:nvSpPr>
+        <p:spPr>
+          <a:noFill/>
+        </p:spPr>
+        <p:txBody>
+          <a:bodyPr/>
+          <a:lstStyle/>
+          <a:p>
+            <a:pPr>
+              <a:buFont typeface="Wingdings" pitchFamily="2" charset="2"/>
+              <a:buNone/>
+            </a:pPr>
+            <a:fld id="{97FA4862-25DD-4FC4-9A13-D369EF732F0E}" type="slidenum">
+              <a:rPr lang="en-GB" smtClean="0">
+                <a:latin typeface="Times New Roman" pitchFamily="18" charset="0"/>
+                <a:ea typeface="Arial Unicode MS" pitchFamily="34" charset="-128"/>
+                <a:cs typeface="Arial Unicode MS" pitchFamily="34" charset="-128"/>
+              </a:rPr>
+              <a:pPr>
+                <a:buFont typeface="Wingdings" pitchFamily="2" charset="2"/>
+                <a:buNone/>
+              </a:pPr>
+              <a:t>60</a:t>
+            </a:fld>
+            <a:endParaRPr lang="en-GB" smtClean="0">
+              <a:latin typeface="Times New Roman" pitchFamily="18" charset="0"/>
+              <a:ea typeface="Arial Unicode MS" pitchFamily="34" charset="-128"/>
+              <a:cs typeface="Arial Unicode MS" pitchFamily="34" charset="-128"/>
+            </a:endParaRPr>
+          </a:p>
+        </p:txBody>
+      </p:sp>
+    </p:spTree>
+  </p:cSld>
+  <p:clrMapOvr>
+    <a:masterClrMapping/>
+  </p:clrMapOvr>
 </p:sld>
 </file>
 
